--- a/Formation/Formation Bourse_Benoit.pptx
+++ b/Formation/Formation Bourse_Benoit.pptx
@@ -25,9 +25,13 @@
     <p:sldId id="287" r:id="rId19"/>
     <p:sldId id="259" r:id="rId20"/>
     <p:sldId id="288" r:id="rId21"/>
-    <p:sldId id="265" r:id="rId22"/>
-    <p:sldId id="262" r:id="rId23"/>
-    <p:sldId id="286" r:id="rId24"/>
+    <p:sldId id="289" r:id="rId22"/>
+    <p:sldId id="290" r:id="rId23"/>
+    <p:sldId id="291" r:id="rId24"/>
+    <p:sldId id="273" r:id="rId25"/>
+    <p:sldId id="265" r:id="rId26"/>
+    <p:sldId id="262" r:id="rId27"/>
+    <p:sldId id="286" r:id="rId28"/>
   </p:sldIdLst>
   <p:sldSz cx="12192000" cy="6858000"/>
   <p:notesSz cx="6858000" cy="9144000"/>
@@ -155,6 +159,10 @@
             <p14:sldId id="287"/>
             <p14:sldId id="259"/>
             <p14:sldId id="288"/>
+            <p14:sldId id="289"/>
+            <p14:sldId id="290"/>
+            <p14:sldId id="291"/>
+            <p14:sldId id="273"/>
             <p14:sldId id="265"/>
             <p14:sldId id="262"/>
             <p14:sldId id="286"/>
@@ -167,6 +175,136 @@
     </p:ext>
   </p:extLst>
 </p:presentation>
+</file>
+
+<file path=ppt/revisionInfo.xml><?xml version="1.0" encoding="utf-8"?>
+<p1510:revInfo xmlns:a="http://schemas.openxmlformats.org/drawingml/2006/main" xmlns:r="http://schemas.openxmlformats.org/officeDocument/2006/relationships" xmlns:p1510="http://schemas.microsoft.com/office/powerpoint/2015/10/main">
+  <p1510:revLst>
+    <p1510:client id="{79858414-3DD6-4F4C-B6E6-FA983503F8A4}" v="302" dt="2021-01-07T17:15:40.388"/>
+    <p1510:client id="{B09EF28E-7AAF-4CC0-9FDF-05820FFB49AE}" v="104" dt="2021-01-07T19:44:22.906"/>
+  </p1510:revLst>
+</p1510:revInfo>
+</file>
+
+<file path=ppt/changesInfos/changesInfo1.xml><?xml version="1.0" encoding="utf-8"?>
+<pc:chgInfo xmlns:a="http://schemas.openxmlformats.org/drawingml/2006/main" xmlns:r="http://schemas.openxmlformats.org/officeDocument/2006/relationships" xmlns:ac="http://schemas.microsoft.com/office/drawing/2013/main/command" xmlns:pc="http://schemas.microsoft.com/office/powerpoint/2013/main/command">
+  <pc:docChgLst>
+    <pc:chgData name="David Carbonel" userId="b924425212ebba4d" providerId="Windows Live" clId="Web-{B09EF28E-7AAF-4CC0-9FDF-05820FFB49AE}"/>
+    <pc:docChg chg="modSld sldOrd">
+      <pc:chgData name="David Carbonel" userId="b924425212ebba4d" providerId="Windows Live" clId="Web-{B09EF28E-7AAF-4CC0-9FDF-05820FFB49AE}" dt="2021-01-07T19:44:22.906" v="101"/>
+      <pc:docMkLst>
+        <pc:docMk/>
+      </pc:docMkLst>
+      <pc:sldChg chg="addSp delSp modSp ord">
+        <pc:chgData name="David Carbonel" userId="b924425212ebba4d" providerId="Windows Live" clId="Web-{B09EF28E-7AAF-4CC0-9FDF-05820FFB49AE}" dt="2021-01-07T19:44:22.906" v="101"/>
+        <pc:sldMkLst>
+          <pc:docMk/>
+          <pc:sldMk cId="2492074001" sldId="288"/>
+        </pc:sldMkLst>
+        <pc:picChg chg="add del mod">
+          <ac:chgData name="David Carbonel" userId="b924425212ebba4d" providerId="Windows Live" clId="Web-{B09EF28E-7AAF-4CC0-9FDF-05820FFB49AE}" dt="2021-01-07T19:42:50.482" v="7"/>
+          <ac:picMkLst>
+            <pc:docMk/>
+            <pc:sldMk cId="2492074001" sldId="288"/>
+            <ac:picMk id="4" creationId="{85265F04-1657-4DBF-A795-145338CED54A}"/>
+          </ac:picMkLst>
+        </pc:picChg>
+      </pc:sldChg>
+      <pc:sldChg chg="modSp">
+        <pc:chgData name="David Carbonel" userId="b924425212ebba4d" providerId="Windows Live" clId="Web-{B09EF28E-7AAF-4CC0-9FDF-05820FFB49AE}" dt="2021-01-07T19:44:15.781" v="97" actId="20577"/>
+        <pc:sldMkLst>
+          <pc:docMk/>
+          <pc:sldMk cId="4160278312" sldId="290"/>
+        </pc:sldMkLst>
+        <pc:spChg chg="mod">
+          <ac:chgData name="David Carbonel" userId="b924425212ebba4d" providerId="Windows Live" clId="Web-{B09EF28E-7AAF-4CC0-9FDF-05820FFB49AE}" dt="2021-01-07T19:43:48.671" v="40" actId="20577"/>
+          <ac:spMkLst>
+            <pc:docMk/>
+            <pc:sldMk cId="4160278312" sldId="290"/>
+            <ac:spMk id="2" creationId="{2F1C73A9-4855-46BB-876E-56D16E6D2EF4}"/>
+          </ac:spMkLst>
+        </pc:spChg>
+        <pc:spChg chg="mod">
+          <ac:chgData name="David Carbonel" userId="b924425212ebba4d" providerId="Windows Live" clId="Web-{B09EF28E-7AAF-4CC0-9FDF-05820FFB49AE}" dt="2021-01-07T19:44:15.781" v="97" actId="20577"/>
+          <ac:spMkLst>
+            <pc:docMk/>
+            <pc:sldMk cId="4160278312" sldId="290"/>
+            <ac:spMk id="3" creationId="{F41CF238-FAF3-431A-AD60-1FF14429A911}"/>
+          </ac:spMkLst>
+        </pc:spChg>
+      </pc:sldChg>
+    </pc:docChg>
+  </pc:docChgLst>
+  <pc:docChgLst>
+    <pc:chgData name="David Carbonel" userId="b924425212ebba4d" providerId="Windows Live" clId="Web-{79858414-3DD6-4F4C-B6E6-FA983503F8A4}"/>
+    <pc:docChg chg="addSld modSld sldOrd modSection">
+      <pc:chgData name="David Carbonel" userId="b924425212ebba4d" providerId="Windows Live" clId="Web-{79858414-3DD6-4F4C-B6E6-FA983503F8A4}" dt="2021-01-07T17:15:40.388" v="297"/>
+      <pc:docMkLst>
+        <pc:docMk/>
+      </pc:docMkLst>
+      <pc:sldChg chg="ord">
+        <pc:chgData name="David Carbonel" userId="b924425212ebba4d" providerId="Windows Live" clId="Web-{79858414-3DD6-4F4C-B6E6-FA983503F8A4}" dt="2021-01-07T17:12:40.527" v="116"/>
+        <pc:sldMkLst>
+          <pc:docMk/>
+          <pc:sldMk cId="3732752483" sldId="273"/>
+        </pc:sldMkLst>
+      </pc:sldChg>
+      <pc:sldChg chg="modSp new">
+        <pc:chgData name="David Carbonel" userId="b924425212ebba4d" providerId="Windows Live" clId="Web-{79858414-3DD6-4F4C-B6E6-FA983503F8A4}" dt="2021-01-07T17:11:24.136" v="112" actId="20577"/>
+        <pc:sldMkLst>
+          <pc:docMk/>
+          <pc:sldMk cId="2492074001" sldId="288"/>
+        </pc:sldMkLst>
+        <pc:spChg chg="mod">
+          <ac:chgData name="David Carbonel" userId="b924425212ebba4d" providerId="Windows Live" clId="Web-{79858414-3DD6-4F4C-B6E6-FA983503F8A4}" dt="2021-01-07T17:11:03.667" v="46" actId="20577"/>
+          <ac:spMkLst>
+            <pc:docMk/>
+            <pc:sldMk cId="2492074001" sldId="288"/>
+            <ac:spMk id="2" creationId="{B7DF19AE-D648-4B40-ADB8-33024CE59765}"/>
+          </ac:spMkLst>
+        </pc:spChg>
+        <pc:spChg chg="mod">
+          <ac:chgData name="David Carbonel" userId="b924425212ebba4d" providerId="Windows Live" clId="Web-{79858414-3DD6-4F4C-B6E6-FA983503F8A4}" dt="2021-01-07T17:11:24.136" v="112" actId="20577"/>
+          <ac:spMkLst>
+            <pc:docMk/>
+            <pc:sldMk cId="2492074001" sldId="288"/>
+            <ac:spMk id="3" creationId="{7D5898EE-1060-4735-824B-A9FB9A3416A4}"/>
+          </ac:spMkLst>
+        </pc:spChg>
+      </pc:sldChg>
+      <pc:sldChg chg="modSp new">
+        <pc:chgData name="David Carbonel" userId="b924425212ebba4d" providerId="Windows Live" clId="Web-{79858414-3DD6-4F4C-B6E6-FA983503F8A4}" dt="2021-01-07T17:15:29.184" v="295" actId="20577"/>
+        <pc:sldMkLst>
+          <pc:docMk/>
+          <pc:sldMk cId="2409357526" sldId="289"/>
+        </pc:sldMkLst>
+        <pc:spChg chg="mod">
+          <ac:chgData name="David Carbonel" userId="b924425212ebba4d" providerId="Windows Live" clId="Web-{79858414-3DD6-4F4C-B6E6-FA983503F8A4}" dt="2021-01-07T17:12:59.793" v="133" actId="20577"/>
+          <ac:spMkLst>
+            <pc:docMk/>
+            <pc:sldMk cId="2409357526" sldId="289"/>
+            <ac:spMk id="2" creationId="{BEE9FB4E-D598-4BFC-93D6-ACC08EF7BED0}"/>
+          </ac:spMkLst>
+        </pc:spChg>
+        <pc:spChg chg="mod">
+          <ac:chgData name="David Carbonel" userId="b924425212ebba4d" providerId="Windows Live" clId="Web-{79858414-3DD6-4F4C-B6E6-FA983503F8A4}" dt="2021-01-07T17:15:29.184" v="295" actId="20577"/>
+          <ac:spMkLst>
+            <pc:docMk/>
+            <pc:sldMk cId="2409357526" sldId="289"/>
+            <ac:spMk id="3" creationId="{42945217-D273-41C2-B099-7B3485837378}"/>
+          </ac:spMkLst>
+        </pc:spChg>
+      </pc:sldChg>
+      <pc:sldChg chg="new">
+        <pc:chgData name="David Carbonel" userId="b924425212ebba4d" providerId="Windows Live" clId="Web-{79858414-3DD6-4F4C-B6E6-FA983503F8A4}" dt="2021-01-07T17:15:40.388" v="297"/>
+        <pc:sldMkLst>
+          <pc:docMk/>
+          <pc:sldMk cId="4160278312" sldId="290"/>
+        </pc:sldMkLst>
+      </pc:sldChg>
+    </pc:docChg>
+  </pc:docChgLst>
+</pc:chgInfo>
 </file>
 
 <file path=ppt/slideLayouts/slideLayout1.xml><?xml version="1.0" encoding="utf-8"?>
@@ -316,7 +454,7 @@
           <a:p>
             <a:fld id="{17B49B2E-EC6C-4037-9ACB-43BC4863C7EA}" type="datetimeFigureOut">
               <a:rPr lang="en-US" smtClean="0"/>
-              <a:t>1/3/2021</a:t>
+              <a:t>1/7/2021</a:t>
             </a:fld>
             <a:endParaRPr lang="en-US"/>
           </a:p>
@@ -514,7 +652,7 @@
           <a:p>
             <a:fld id="{17B49B2E-EC6C-4037-9ACB-43BC4863C7EA}" type="datetimeFigureOut">
               <a:rPr lang="en-US" smtClean="0"/>
-              <a:t>1/3/2021</a:t>
+              <a:t>1/7/2021</a:t>
             </a:fld>
             <a:endParaRPr lang="en-US"/>
           </a:p>
@@ -722,7 +860,7 @@
           <a:p>
             <a:fld id="{17B49B2E-EC6C-4037-9ACB-43BC4863C7EA}" type="datetimeFigureOut">
               <a:rPr lang="en-US" smtClean="0"/>
-              <a:t>1/3/2021</a:t>
+              <a:t>1/7/2021</a:t>
             </a:fld>
             <a:endParaRPr lang="en-US"/>
           </a:p>
@@ -920,7 +1058,7 @@
           <a:p>
             <a:fld id="{17B49B2E-EC6C-4037-9ACB-43BC4863C7EA}" type="datetimeFigureOut">
               <a:rPr lang="en-US" smtClean="0"/>
-              <a:t>1/3/2021</a:t>
+              <a:t>1/7/2021</a:t>
             </a:fld>
             <a:endParaRPr lang="en-US"/>
           </a:p>
@@ -1195,7 +1333,7 @@
           <a:p>
             <a:fld id="{17B49B2E-EC6C-4037-9ACB-43BC4863C7EA}" type="datetimeFigureOut">
               <a:rPr lang="en-US" smtClean="0"/>
-              <a:t>1/3/2021</a:t>
+              <a:t>1/7/2021</a:t>
             </a:fld>
             <a:endParaRPr lang="en-US"/>
           </a:p>
@@ -1460,7 +1598,7 @@
           <a:p>
             <a:fld id="{17B49B2E-EC6C-4037-9ACB-43BC4863C7EA}" type="datetimeFigureOut">
               <a:rPr lang="en-US" smtClean="0"/>
-              <a:t>1/3/2021</a:t>
+              <a:t>1/7/2021</a:t>
             </a:fld>
             <a:endParaRPr lang="en-US"/>
           </a:p>
@@ -1872,7 +2010,7 @@
           <a:p>
             <a:fld id="{17B49B2E-EC6C-4037-9ACB-43BC4863C7EA}" type="datetimeFigureOut">
               <a:rPr lang="en-US" smtClean="0"/>
-              <a:t>1/3/2021</a:t>
+              <a:t>1/7/2021</a:t>
             </a:fld>
             <a:endParaRPr lang="en-US"/>
           </a:p>
@@ -2013,7 +2151,7 @@
           <a:p>
             <a:fld id="{17B49B2E-EC6C-4037-9ACB-43BC4863C7EA}" type="datetimeFigureOut">
               <a:rPr lang="en-US" smtClean="0"/>
-              <a:t>1/3/2021</a:t>
+              <a:t>1/7/2021</a:t>
             </a:fld>
             <a:endParaRPr lang="en-US"/>
           </a:p>
@@ -2126,7 +2264,7 @@
           <a:p>
             <a:fld id="{17B49B2E-EC6C-4037-9ACB-43BC4863C7EA}" type="datetimeFigureOut">
               <a:rPr lang="en-US" smtClean="0"/>
-              <a:t>1/3/2021</a:t>
+              <a:t>1/7/2021</a:t>
             </a:fld>
             <a:endParaRPr lang="en-US"/>
           </a:p>
@@ -2437,7 +2575,7 @@
           <a:p>
             <a:fld id="{17B49B2E-EC6C-4037-9ACB-43BC4863C7EA}" type="datetimeFigureOut">
               <a:rPr lang="en-US" smtClean="0"/>
-              <a:t>1/3/2021</a:t>
+              <a:t>1/7/2021</a:t>
             </a:fld>
             <a:endParaRPr lang="en-US"/>
           </a:p>
@@ -2725,7 +2863,7 @@
           <a:p>
             <a:fld id="{17B49B2E-EC6C-4037-9ACB-43BC4863C7EA}" type="datetimeFigureOut">
               <a:rPr lang="en-US" smtClean="0"/>
-              <a:t>1/3/2021</a:t>
+              <a:t>1/7/2021</a:t>
             </a:fld>
             <a:endParaRPr lang="en-US"/>
           </a:p>
@@ -2966,7 +3104,7 @@
           <a:p>
             <a:fld id="{17B49B2E-EC6C-4037-9ACB-43BC4863C7EA}" type="datetimeFigureOut">
               <a:rPr lang="en-US" smtClean="0"/>
-              <a:t>1/3/2021</a:t>
+              <a:t>1/7/2021</a:t>
             </a:fld>
             <a:endParaRPr lang="en-US"/>
           </a:p>
@@ -9662,10 +9800,10 @@
       </p:grpSpPr>
       <p:sp>
         <p:nvSpPr>
-          <p:cNvPr id="2" name="Title 1">
-            <a:extLst>
-              <a:ext uri="{FF2B5EF4-FFF2-40B4-BE49-F238E27FC236}">
-                <a16:creationId xmlns:a16="http://schemas.microsoft.com/office/drawing/2014/main" id="{DF36B5EB-ECFF-45F4-B4E7-128596A7BADF}"/>
+          <p:cNvPr id="2" name="Titre 1">
+            <a:extLst>
+              <a:ext uri="{FF2B5EF4-FFF2-40B4-BE49-F238E27FC236}">
+                <a16:creationId xmlns:a16="http://schemas.microsoft.com/office/drawing/2014/main" id="{B7DF19AE-D648-4B40-ADB8-33024CE59765}"/>
               </a:ext>
             </a:extLst>
           </p:cNvPr>
@@ -9682,19 +9820,21 @@
           <a:lstStyle/>
           <a:p>
             <a:r>
-              <a:rPr lang="fr-FR" dirty="0" err="1"/>
-              <a:t>Strategies</a:t>
-            </a:r>
-            <a:endParaRPr lang="en-US" dirty="0"/>
-          </a:p>
-        </p:txBody>
-      </p:sp>
-      <p:sp>
-        <p:nvSpPr>
-          <p:cNvPr id="3" name="Content Placeholder 2">
-            <a:extLst>
-              <a:ext uri="{FF2B5EF4-FFF2-40B4-BE49-F238E27FC236}">
-                <a16:creationId xmlns:a16="http://schemas.microsoft.com/office/drawing/2014/main" id="{4C640A36-1170-4A1C-8270-E8D96112CF59}"/>
+              <a:rPr lang="fr-FR" dirty="0">
+                <a:cs typeface="Calibri Light"/>
+              </a:rPr>
+              <a:t>ROR – Rate Of Rise (Taux de croissance)</a:t>
+            </a:r>
+            <a:endParaRPr lang="fr-FR" dirty="0"/>
+          </a:p>
+        </p:txBody>
+      </p:sp>
+      <p:sp>
+        <p:nvSpPr>
+          <p:cNvPr id="3" name="Espace réservé du contenu 2">
+            <a:extLst>
+              <a:ext uri="{FF2B5EF4-FFF2-40B4-BE49-F238E27FC236}">
+                <a16:creationId xmlns:a16="http://schemas.microsoft.com/office/drawing/2014/main" id="{7D5898EE-1060-4735-824B-A9FB9A3416A4}"/>
               </a:ext>
             </a:extLst>
           </p:cNvPr>
@@ -9707,26 +9847,122 @@
         </p:nvSpPr>
         <p:spPr/>
         <p:txBody>
-          <a:bodyPr/>
+          <a:bodyPr vert="horz" lIns="91440" tIns="45720" rIns="91440" bIns="45720" rtlCol="0" anchor="t">
+            <a:normAutofit/>
+          </a:bodyPr>
+          <a:lstStyle/>
+          <a:p>
+            <a:r>
+              <a:rPr lang="fr-FR" dirty="0">
+                <a:cs typeface="Calibri"/>
+              </a:rPr>
+              <a:t>Mesure la progression entre le plus bas et la dernière valeur</a:t>
+            </a:r>
+            <a:endParaRPr lang="fr-FR" dirty="0"/>
+          </a:p>
+        </p:txBody>
+      </p:sp>
+      <p:pic>
+        <p:nvPicPr>
+          <p:cNvPr id="5" name="Picture 4">
+            <a:extLst>
+              <a:ext uri="{FF2B5EF4-FFF2-40B4-BE49-F238E27FC236}">
+                <a16:creationId xmlns:a16="http://schemas.microsoft.com/office/drawing/2014/main" id="{B36B8853-C435-439B-976A-9C3E6512BCCF}"/>
+              </a:ext>
+            </a:extLst>
+          </p:cNvPr>
+          <p:cNvPicPr>
+            <a:picLocks noChangeAspect="1"/>
+          </p:cNvPicPr>
+          <p:nvPr/>
+        </p:nvPicPr>
+        <p:blipFill>
+          <a:blip r:embed="rId2"/>
+          <a:stretch>
+            <a:fillRect/>
+          </a:stretch>
+        </p:blipFill>
+        <p:spPr>
+          <a:xfrm>
+            <a:off x="487326" y="2329380"/>
+            <a:ext cx="11388284" cy="4163495"/>
+          </a:xfrm>
+          <a:prstGeom prst="rect">
+            <a:avLst/>
+          </a:prstGeom>
+        </p:spPr>
+      </p:pic>
+      <p:cxnSp>
+        <p:nvCxnSpPr>
+          <p:cNvPr id="7" name="Straight Arrow Connector 6">
+            <a:extLst>
+              <a:ext uri="{FF2B5EF4-FFF2-40B4-BE49-F238E27FC236}">
+                <a16:creationId xmlns:a16="http://schemas.microsoft.com/office/drawing/2014/main" id="{1B9F7385-B7FA-44D5-9736-7F590A373F59}"/>
+              </a:ext>
+            </a:extLst>
+          </p:cNvPr>
+          <p:cNvCxnSpPr/>
+          <p:nvPr/>
+        </p:nvCxnSpPr>
+        <p:spPr>
+          <a:xfrm flipV="1">
+            <a:off x="7866498" y="3889600"/>
+            <a:ext cx="3115340" cy="1180214"/>
+          </a:xfrm>
+          <a:prstGeom prst="straightConnector1">
+            <a:avLst/>
+          </a:prstGeom>
+          <a:ln w="25400">
+            <a:tailEnd type="triangle" w="lg" len="lg"/>
+          </a:ln>
+        </p:spPr>
+        <p:style>
+          <a:lnRef idx="1">
+            <a:schemeClr val="accent1"/>
+          </a:lnRef>
+          <a:fillRef idx="0">
+            <a:schemeClr val="accent1"/>
+          </a:fillRef>
+          <a:effectRef idx="0">
+            <a:schemeClr val="accent1"/>
+          </a:effectRef>
+          <a:fontRef idx="minor">
+            <a:schemeClr val="tx1"/>
+          </a:fontRef>
+        </p:style>
+      </p:cxnSp>
+      <p:sp>
+        <p:nvSpPr>
+          <p:cNvPr id="8" name="TextBox 7">
+            <a:extLst>
+              <a:ext uri="{FF2B5EF4-FFF2-40B4-BE49-F238E27FC236}">
+                <a16:creationId xmlns:a16="http://schemas.microsoft.com/office/drawing/2014/main" id="{A7E11689-C534-4BEF-8023-95001221AF82}"/>
+              </a:ext>
+            </a:extLst>
+          </p:cNvPr>
+          <p:cNvSpPr txBox="1"/>
+          <p:nvPr/>
+        </p:nvSpPr>
+        <p:spPr>
+          <a:xfrm>
+            <a:off x="9424168" y="4411127"/>
+            <a:ext cx="583814" cy="369332"/>
+          </a:xfrm>
+          <a:prstGeom prst="rect">
+            <a:avLst/>
+          </a:prstGeom>
+          <a:noFill/>
+        </p:spPr>
+        <p:txBody>
+          <a:bodyPr wrap="none" rtlCol="0">
+            <a:spAutoFit/>
+          </a:bodyPr>
           <a:lstStyle/>
           <a:p>
             <a:r>
               <a:rPr lang="fr-FR" dirty="0"/>
-              <a:t>Suivi de tendance – Trend </a:t>
-            </a:r>
-            <a:r>
-              <a:rPr lang="fr-FR" dirty="0" err="1"/>
-              <a:t>following</a:t>
-            </a:r>
-            <a:endParaRPr lang="fr-FR" dirty="0"/>
-          </a:p>
-          <a:p>
-            <a:r>
-              <a:rPr lang="fr-FR" dirty="0"/>
-              <a:t>Retour à la moyenne</a:t>
-            </a:r>
-          </a:p>
-          <a:p>
+              <a:t>25%</a:t>
+            </a:r>
             <a:endParaRPr lang="en-US" dirty="0"/>
           </a:p>
         </p:txBody>
@@ -9734,7 +9970,7 @@
     </p:spTree>
     <p:extLst>
       <p:ext uri="{BB962C8B-B14F-4D97-AF65-F5344CB8AC3E}">
-        <p14:creationId xmlns:p14="http://schemas.microsoft.com/office/powerpoint/2010/main" val="3493856183"/>
+        <p14:creationId xmlns:p14="http://schemas.microsoft.com/office/powerpoint/2010/main" val="2492074001"/>
       </p:ext>
     </p:extLst>
   </p:cSld>
@@ -9763,10 +9999,10 @@
       </p:grpSpPr>
       <p:sp>
         <p:nvSpPr>
-          <p:cNvPr id="2" name="Title 1">
-            <a:extLst>
-              <a:ext uri="{FF2B5EF4-FFF2-40B4-BE49-F238E27FC236}">
-                <a16:creationId xmlns:a16="http://schemas.microsoft.com/office/drawing/2014/main" id="{E04E3372-C95E-44C7-90FA-D8A631A63FED}"/>
+          <p:cNvPr id="2" name="Titre 1">
+            <a:extLst>
+              <a:ext uri="{FF2B5EF4-FFF2-40B4-BE49-F238E27FC236}">
+                <a16:creationId xmlns:a16="http://schemas.microsoft.com/office/drawing/2014/main" id="{BEE9FB4E-D598-4BFC-93D6-ACC08EF7BED0}"/>
               </a:ext>
             </a:extLst>
           </p:cNvPr>
@@ -9783,19 +10019,21 @@
           <a:lstStyle/>
           <a:p>
             <a:r>
-              <a:rPr lang="fr-FR" dirty="0"/>
-              <a:t>Construction d’un portefeuille</a:t>
-            </a:r>
-            <a:endParaRPr lang="en-US" dirty="0"/>
-          </a:p>
-        </p:txBody>
-      </p:sp>
-      <p:sp>
-        <p:nvSpPr>
-          <p:cNvPr id="3" name="Content Placeholder 2">
-            <a:extLst>
-              <a:ext uri="{FF2B5EF4-FFF2-40B4-BE49-F238E27FC236}">
-                <a16:creationId xmlns:a16="http://schemas.microsoft.com/office/drawing/2014/main" id="{ED9DB76D-9365-425E-A39F-5026367D4CBE}"/>
+              <a:rPr lang="fr-FR" dirty="0" err="1">
+                <a:cs typeface="Calibri Light"/>
+              </a:rPr>
+              <a:t>Highest</a:t>
+            </a:r>
+            <a:endParaRPr lang="fr-FR" dirty="0"/>
+          </a:p>
+        </p:txBody>
+      </p:sp>
+      <p:sp>
+        <p:nvSpPr>
+          <p:cNvPr id="3" name="Espace réservé du contenu 2">
+            <a:extLst>
+              <a:ext uri="{FF2B5EF4-FFF2-40B4-BE49-F238E27FC236}">
+                <a16:creationId xmlns:a16="http://schemas.microsoft.com/office/drawing/2014/main" id="{42945217-D273-41C2-B099-7B3485837378}"/>
               </a:ext>
             </a:extLst>
           </p:cNvPr>
@@ -9808,36 +10046,286 @@
         </p:nvSpPr>
         <p:spPr/>
         <p:txBody>
-          <a:bodyPr/>
+          <a:bodyPr vert="horz" lIns="91440" tIns="45720" rIns="91440" bIns="45720" rtlCol="0" anchor="t">
+            <a:normAutofit/>
+          </a:bodyPr>
+          <a:lstStyle/>
+          <a:p>
+            <a:r>
+              <a:rPr lang="fr-FR" dirty="0">
+                <a:cs typeface="Calibri"/>
+              </a:rPr>
+              <a:t>Calcule le nombre de barre dans le passé, dépassées par la barre en cours</a:t>
+            </a:r>
+            <a:endParaRPr lang="fr-FR" dirty="0"/>
+          </a:p>
+        </p:txBody>
+      </p:sp>
+      <p:pic>
+        <p:nvPicPr>
+          <p:cNvPr id="4" name="Picture 3">
+            <a:extLst>
+              <a:ext uri="{FF2B5EF4-FFF2-40B4-BE49-F238E27FC236}">
+                <a16:creationId xmlns:a16="http://schemas.microsoft.com/office/drawing/2014/main" id="{EAA7C2C2-24A3-4727-9869-2109DE8C525C}"/>
+              </a:ext>
+            </a:extLst>
+          </p:cNvPr>
+          <p:cNvPicPr>
+            <a:picLocks noChangeAspect="1"/>
+          </p:cNvPicPr>
+          <p:nvPr/>
+        </p:nvPicPr>
+        <p:blipFill>
+          <a:blip r:embed="rId2"/>
+          <a:stretch>
+            <a:fillRect/>
+          </a:stretch>
+        </p:blipFill>
+        <p:spPr>
+          <a:xfrm>
+            <a:off x="487326" y="2329380"/>
+            <a:ext cx="11388284" cy="4163495"/>
+          </a:xfrm>
+          <a:prstGeom prst="rect">
+            <a:avLst/>
+          </a:prstGeom>
+        </p:spPr>
+      </p:pic>
+      <p:cxnSp>
+        <p:nvCxnSpPr>
+          <p:cNvPr id="6" name="Straight Arrow Connector 5">
+            <a:extLst>
+              <a:ext uri="{FF2B5EF4-FFF2-40B4-BE49-F238E27FC236}">
+                <a16:creationId xmlns:a16="http://schemas.microsoft.com/office/drawing/2014/main" id="{D539F359-F1E9-4EBF-8C01-72D4AD7C5508}"/>
+              </a:ext>
+            </a:extLst>
+          </p:cNvPr>
+          <p:cNvCxnSpPr>
+            <a:cxnSpLocks/>
+          </p:cNvCxnSpPr>
+          <p:nvPr/>
+        </p:nvCxnSpPr>
+        <p:spPr>
+          <a:xfrm flipH="1">
+            <a:off x="998621" y="4090738"/>
+            <a:ext cx="1340974" cy="0"/>
+          </a:xfrm>
+          <a:prstGeom prst="straightConnector1">
+            <a:avLst/>
+          </a:prstGeom>
+          <a:ln w="25400">
+            <a:tailEnd type="triangle" w="lg" len="lg"/>
+          </a:ln>
+        </p:spPr>
+        <p:style>
+          <a:lnRef idx="1">
+            <a:schemeClr val="accent1"/>
+          </a:lnRef>
+          <a:fillRef idx="0">
+            <a:schemeClr val="accent1"/>
+          </a:fillRef>
+          <a:effectRef idx="0">
+            <a:schemeClr val="accent1"/>
+          </a:effectRef>
+          <a:fontRef idx="minor">
+            <a:schemeClr val="tx1"/>
+          </a:fontRef>
+        </p:style>
+      </p:cxnSp>
+      <p:sp>
+        <p:nvSpPr>
+          <p:cNvPr id="7" name="TextBox 6">
+            <a:extLst>
+              <a:ext uri="{FF2B5EF4-FFF2-40B4-BE49-F238E27FC236}">
+                <a16:creationId xmlns:a16="http://schemas.microsoft.com/office/drawing/2014/main" id="{7C507E46-8A73-4337-B9E1-6450044C5FDD}"/>
+              </a:ext>
+            </a:extLst>
+          </p:cNvPr>
+          <p:cNvSpPr txBox="1"/>
+          <p:nvPr/>
+        </p:nvSpPr>
+        <p:spPr>
+          <a:xfrm>
+            <a:off x="1148467" y="3725598"/>
+            <a:ext cx="1186735" cy="369332"/>
+          </a:xfrm>
+          <a:prstGeom prst="rect">
+            <a:avLst/>
+          </a:prstGeom>
+          <a:noFill/>
+        </p:spPr>
+        <p:txBody>
+          <a:bodyPr wrap="none" rtlCol="0">
+            <a:spAutoFit/>
+          </a:bodyPr>
           <a:lstStyle/>
           <a:p>
             <a:r>
               <a:rPr lang="fr-FR" dirty="0"/>
-              <a:t>Diversification != Par tout dans le même panier</a:t>
-            </a:r>
-          </a:p>
+              <a:t>150 Barres</a:t>
+            </a:r>
+            <a:endParaRPr lang="en-US" dirty="0"/>
+          </a:p>
+        </p:txBody>
+      </p:sp>
+      <p:cxnSp>
+        <p:nvCxnSpPr>
+          <p:cNvPr id="8" name="Straight Arrow Connector 7">
+            <a:extLst>
+              <a:ext uri="{FF2B5EF4-FFF2-40B4-BE49-F238E27FC236}">
+                <a16:creationId xmlns:a16="http://schemas.microsoft.com/office/drawing/2014/main" id="{94D1475B-F785-4AC9-9093-791BAA598A12}"/>
+              </a:ext>
+            </a:extLst>
+          </p:cNvPr>
+          <p:cNvCxnSpPr>
+            <a:cxnSpLocks/>
+          </p:cNvCxnSpPr>
+          <p:nvPr/>
+        </p:nvCxnSpPr>
+        <p:spPr>
+          <a:xfrm flipH="1">
+            <a:off x="5787189" y="3112168"/>
+            <a:ext cx="2521526" cy="0"/>
+          </a:xfrm>
+          <a:prstGeom prst="straightConnector1">
+            <a:avLst/>
+          </a:prstGeom>
+          <a:ln w="25400">
+            <a:tailEnd type="triangle" w="lg" len="lg"/>
+          </a:ln>
+        </p:spPr>
+        <p:style>
+          <a:lnRef idx="1">
+            <a:schemeClr val="accent1"/>
+          </a:lnRef>
+          <a:fillRef idx="0">
+            <a:schemeClr val="accent1"/>
+          </a:fillRef>
+          <a:effectRef idx="0">
+            <a:schemeClr val="accent1"/>
+          </a:effectRef>
+          <a:fontRef idx="minor">
+            <a:schemeClr val="tx1"/>
+          </a:fontRef>
+        </p:style>
+      </p:cxnSp>
+      <p:sp>
+        <p:nvSpPr>
+          <p:cNvPr id="10" name="TextBox 9">
+            <a:extLst>
+              <a:ext uri="{FF2B5EF4-FFF2-40B4-BE49-F238E27FC236}">
+                <a16:creationId xmlns:a16="http://schemas.microsoft.com/office/drawing/2014/main" id="{76F2466A-9C75-4745-A222-9FB535EFAC4E}"/>
+              </a:ext>
+            </a:extLst>
+          </p:cNvPr>
+          <p:cNvSpPr txBox="1"/>
+          <p:nvPr/>
+        </p:nvSpPr>
+        <p:spPr>
+          <a:xfrm>
+            <a:off x="6689557" y="2787670"/>
+            <a:ext cx="1069716" cy="369332"/>
+          </a:xfrm>
+          <a:prstGeom prst="rect">
+            <a:avLst/>
+          </a:prstGeom>
+          <a:noFill/>
+        </p:spPr>
+        <p:txBody>
+          <a:bodyPr wrap="none" rtlCol="0">
+            <a:spAutoFit/>
+          </a:bodyPr>
+          <a:lstStyle/>
           <a:p>
             <a:r>
               <a:rPr lang="fr-FR" dirty="0"/>
-              <a:t>Gestion du risque</a:t>
-            </a:r>
-          </a:p>
-          <a:p>
-            <a:r>
-              <a:rPr lang="en-US" dirty="0" err="1"/>
-              <a:t>Nombre</a:t>
-            </a:r>
-            <a:r>
-              <a:rPr lang="en-US" dirty="0"/>
-              <a:t> de positions</a:t>
-            </a:r>
+              <a:t>30 Barres</a:t>
+            </a:r>
+            <a:endParaRPr lang="en-US" dirty="0"/>
+          </a:p>
+        </p:txBody>
+      </p:sp>
+      <p:cxnSp>
+        <p:nvCxnSpPr>
+          <p:cNvPr id="12" name="Straight Arrow Connector 11">
+            <a:extLst>
+              <a:ext uri="{FF2B5EF4-FFF2-40B4-BE49-F238E27FC236}">
+                <a16:creationId xmlns:a16="http://schemas.microsoft.com/office/drawing/2014/main" id="{F8E21D57-1F34-460E-B48A-0E8B31C2D1C4}"/>
+              </a:ext>
+            </a:extLst>
+          </p:cNvPr>
+          <p:cNvCxnSpPr>
+            <a:cxnSpLocks/>
+          </p:cNvCxnSpPr>
+          <p:nvPr/>
+        </p:nvCxnSpPr>
+        <p:spPr>
+          <a:xfrm flipH="1">
+            <a:off x="6460958" y="3645385"/>
+            <a:ext cx="1711399" cy="0"/>
+          </a:xfrm>
+          <a:prstGeom prst="straightConnector1">
+            <a:avLst/>
+          </a:prstGeom>
+          <a:ln w="25400">
+            <a:tailEnd type="triangle" w="lg" len="lg"/>
+          </a:ln>
+        </p:spPr>
+        <p:style>
+          <a:lnRef idx="1">
+            <a:schemeClr val="accent1"/>
+          </a:lnRef>
+          <a:fillRef idx="0">
+            <a:schemeClr val="accent1"/>
+          </a:fillRef>
+          <a:effectRef idx="0">
+            <a:schemeClr val="accent1"/>
+          </a:effectRef>
+          <a:fontRef idx="minor">
+            <a:schemeClr val="tx1"/>
+          </a:fontRef>
+        </p:style>
+      </p:cxnSp>
+      <p:sp>
+        <p:nvSpPr>
+          <p:cNvPr id="14" name="TextBox 13">
+            <a:extLst>
+              <a:ext uri="{FF2B5EF4-FFF2-40B4-BE49-F238E27FC236}">
+                <a16:creationId xmlns:a16="http://schemas.microsoft.com/office/drawing/2014/main" id="{82A4013A-DA1B-4596-8CF6-61E18E3FE4C8}"/>
+              </a:ext>
+            </a:extLst>
+          </p:cNvPr>
+          <p:cNvSpPr txBox="1"/>
+          <p:nvPr/>
+        </p:nvSpPr>
+        <p:spPr>
+          <a:xfrm>
+            <a:off x="6689557" y="3287225"/>
+            <a:ext cx="1069716" cy="369332"/>
+          </a:xfrm>
+          <a:prstGeom prst="rect">
+            <a:avLst/>
+          </a:prstGeom>
+          <a:noFill/>
+        </p:spPr>
+        <p:txBody>
+          <a:bodyPr wrap="none" rtlCol="0">
+            <a:spAutoFit/>
+          </a:bodyPr>
+          <a:lstStyle/>
+          <a:p>
+            <a:r>
+              <a:rPr lang="fr-FR" dirty="0"/>
+              <a:t>20 Barres</a:t>
+            </a:r>
+            <a:endParaRPr lang="en-US" dirty="0"/>
           </a:p>
         </p:txBody>
       </p:sp>
     </p:spTree>
     <p:extLst>
       <p:ext uri="{BB962C8B-B14F-4D97-AF65-F5344CB8AC3E}">
-        <p14:creationId xmlns:p14="http://schemas.microsoft.com/office/powerpoint/2010/main" val="2373413576"/>
+        <p14:creationId xmlns:p14="http://schemas.microsoft.com/office/powerpoint/2010/main" val="2409357526"/>
       </p:ext>
     </p:extLst>
   </p:cSld>
@@ -9866,6 +10354,1757 @@
       </p:grpSpPr>
       <p:sp>
         <p:nvSpPr>
+          <p:cNvPr id="2" name="Titre 1">
+            <a:extLst>
+              <a:ext uri="{FF2B5EF4-FFF2-40B4-BE49-F238E27FC236}">
+                <a16:creationId xmlns:a16="http://schemas.microsoft.com/office/drawing/2014/main" id="{2F1C73A9-4855-46BB-876E-56D16E6D2EF4}"/>
+              </a:ext>
+            </a:extLst>
+          </p:cNvPr>
+          <p:cNvSpPr>
+            <a:spLocks noGrp="1"/>
+          </p:cNvSpPr>
+          <p:nvPr>
+            <p:ph type="title"/>
+          </p:nvPr>
+        </p:nvSpPr>
+        <p:spPr/>
+        <p:txBody>
+          <a:bodyPr/>
+          <a:lstStyle/>
+          <a:p>
+            <a:r>
+              <a:rPr lang="fr-FR" dirty="0">
+                <a:cs typeface="Calibri Light"/>
+              </a:rPr>
+              <a:t>STOKFBODY - Stochastique</a:t>
+            </a:r>
+            <a:endParaRPr lang="fr-FR" dirty="0"/>
+          </a:p>
+        </p:txBody>
+      </p:sp>
+      <p:sp>
+        <p:nvSpPr>
+          <p:cNvPr id="3" name="Espace réservé du contenu 2">
+            <a:extLst>
+              <a:ext uri="{FF2B5EF4-FFF2-40B4-BE49-F238E27FC236}">
+                <a16:creationId xmlns:a16="http://schemas.microsoft.com/office/drawing/2014/main" id="{F41CF238-FAF3-431A-AD60-1FF14429A911}"/>
+              </a:ext>
+            </a:extLst>
+          </p:cNvPr>
+          <p:cNvSpPr>
+            <a:spLocks noGrp="1"/>
+          </p:cNvSpPr>
+          <p:nvPr>
+            <p:ph idx="1"/>
+          </p:nvPr>
+        </p:nvSpPr>
+        <p:spPr/>
+        <p:txBody>
+          <a:bodyPr vert="horz" lIns="91440" tIns="45720" rIns="91440" bIns="45720" rtlCol="0" anchor="t">
+            <a:normAutofit/>
+          </a:bodyPr>
+          <a:lstStyle/>
+          <a:p>
+            <a:r>
+              <a:rPr lang="fr-FR" dirty="0">
+                <a:cs typeface="Calibri"/>
+              </a:rPr>
+              <a:t>Position de la barre en cours par rapport au plus haut et plus bas</a:t>
+            </a:r>
+            <a:endParaRPr lang="fr-FR" dirty="0"/>
+          </a:p>
+        </p:txBody>
+      </p:sp>
+      <p:pic>
+        <p:nvPicPr>
+          <p:cNvPr id="5" name="Picture 4">
+            <a:extLst>
+              <a:ext uri="{FF2B5EF4-FFF2-40B4-BE49-F238E27FC236}">
+                <a16:creationId xmlns:a16="http://schemas.microsoft.com/office/drawing/2014/main" id="{C3C1FB1E-2FD4-4BA9-898B-E97951A55CB6}"/>
+              </a:ext>
+            </a:extLst>
+          </p:cNvPr>
+          <p:cNvPicPr>
+            <a:picLocks noChangeAspect="1"/>
+          </p:cNvPicPr>
+          <p:nvPr/>
+        </p:nvPicPr>
+        <p:blipFill>
+          <a:blip r:embed="rId2"/>
+          <a:stretch>
+            <a:fillRect/>
+          </a:stretch>
+        </p:blipFill>
+        <p:spPr>
+          <a:xfrm>
+            <a:off x="561473" y="2475664"/>
+            <a:ext cx="9629274" cy="3675146"/>
+          </a:xfrm>
+          <a:prstGeom prst="rect">
+            <a:avLst/>
+          </a:prstGeom>
+        </p:spPr>
+      </p:pic>
+      <p:cxnSp>
+        <p:nvCxnSpPr>
+          <p:cNvPr id="7" name="Straight Connector 6">
+            <a:extLst>
+              <a:ext uri="{FF2B5EF4-FFF2-40B4-BE49-F238E27FC236}">
+                <a16:creationId xmlns:a16="http://schemas.microsoft.com/office/drawing/2014/main" id="{80AECFBA-F45B-4A2E-A483-E2A3158FBD50}"/>
+              </a:ext>
+            </a:extLst>
+          </p:cNvPr>
+          <p:cNvCxnSpPr>
+            <a:cxnSpLocks/>
+          </p:cNvCxnSpPr>
+          <p:nvPr/>
+        </p:nvCxnSpPr>
+        <p:spPr>
+          <a:xfrm>
+            <a:off x="6821905" y="4848727"/>
+            <a:ext cx="4030579" cy="0"/>
+          </a:xfrm>
+          <a:prstGeom prst="line">
+            <a:avLst/>
+          </a:prstGeom>
+        </p:spPr>
+        <p:style>
+          <a:lnRef idx="1">
+            <a:schemeClr val="accent1"/>
+          </a:lnRef>
+          <a:fillRef idx="0">
+            <a:schemeClr val="accent1"/>
+          </a:fillRef>
+          <a:effectRef idx="0">
+            <a:schemeClr val="accent1"/>
+          </a:effectRef>
+          <a:fontRef idx="minor">
+            <a:schemeClr val="tx1"/>
+          </a:fontRef>
+        </p:style>
+      </p:cxnSp>
+      <p:cxnSp>
+        <p:nvCxnSpPr>
+          <p:cNvPr id="9" name="Straight Connector 8">
+            <a:extLst>
+              <a:ext uri="{FF2B5EF4-FFF2-40B4-BE49-F238E27FC236}">
+                <a16:creationId xmlns:a16="http://schemas.microsoft.com/office/drawing/2014/main" id="{9FB41B0F-E26A-435E-817E-BBEB3E43DCC9}"/>
+              </a:ext>
+            </a:extLst>
+          </p:cNvPr>
+          <p:cNvCxnSpPr>
+            <a:cxnSpLocks/>
+          </p:cNvCxnSpPr>
+          <p:nvPr/>
+        </p:nvCxnSpPr>
+        <p:spPr>
+          <a:xfrm>
+            <a:off x="7182853" y="2947737"/>
+            <a:ext cx="3669631" cy="0"/>
+          </a:xfrm>
+          <a:prstGeom prst="line">
+            <a:avLst/>
+          </a:prstGeom>
+        </p:spPr>
+        <p:style>
+          <a:lnRef idx="1">
+            <a:schemeClr val="accent1"/>
+          </a:lnRef>
+          <a:fillRef idx="0">
+            <a:schemeClr val="accent1"/>
+          </a:fillRef>
+          <a:effectRef idx="0">
+            <a:schemeClr val="accent1"/>
+          </a:effectRef>
+          <a:fontRef idx="minor">
+            <a:schemeClr val="tx1"/>
+          </a:fontRef>
+        </p:style>
+      </p:cxnSp>
+      <p:sp>
+        <p:nvSpPr>
+          <p:cNvPr id="14" name="TextBox 13">
+            <a:extLst>
+              <a:ext uri="{FF2B5EF4-FFF2-40B4-BE49-F238E27FC236}">
+                <a16:creationId xmlns:a16="http://schemas.microsoft.com/office/drawing/2014/main" id="{548C07BD-518C-4523-8122-0C53DBB1185B}"/>
+              </a:ext>
+            </a:extLst>
+          </p:cNvPr>
+          <p:cNvSpPr txBox="1"/>
+          <p:nvPr/>
+        </p:nvSpPr>
+        <p:spPr>
+          <a:xfrm>
+            <a:off x="11068734" y="2763071"/>
+            <a:ext cx="535724" cy="369332"/>
+          </a:xfrm>
+          <a:prstGeom prst="rect">
+            <a:avLst/>
+          </a:prstGeom>
+          <a:noFill/>
+        </p:spPr>
+        <p:txBody>
+          <a:bodyPr wrap="none" rtlCol="0">
+            <a:spAutoFit/>
+          </a:bodyPr>
+          <a:lstStyle/>
+          <a:p>
+            <a:r>
+              <a:rPr lang="fr-FR" dirty="0"/>
+              <a:t>100</a:t>
+            </a:r>
+            <a:endParaRPr lang="en-US" dirty="0"/>
+          </a:p>
+        </p:txBody>
+      </p:sp>
+      <p:sp>
+        <p:nvSpPr>
+          <p:cNvPr id="15" name="TextBox 14">
+            <a:extLst>
+              <a:ext uri="{FF2B5EF4-FFF2-40B4-BE49-F238E27FC236}">
+                <a16:creationId xmlns:a16="http://schemas.microsoft.com/office/drawing/2014/main" id="{875280F7-C424-412F-964A-CB4F650AC3EB}"/>
+              </a:ext>
+            </a:extLst>
+          </p:cNvPr>
+          <p:cNvSpPr txBox="1"/>
+          <p:nvPr/>
+        </p:nvSpPr>
+        <p:spPr>
+          <a:xfrm>
+            <a:off x="11094803" y="4664061"/>
+            <a:ext cx="301686" cy="369332"/>
+          </a:xfrm>
+          <a:prstGeom prst="rect">
+            <a:avLst/>
+          </a:prstGeom>
+          <a:noFill/>
+        </p:spPr>
+        <p:txBody>
+          <a:bodyPr wrap="none" rtlCol="0">
+            <a:spAutoFit/>
+          </a:bodyPr>
+          <a:lstStyle/>
+          <a:p>
+            <a:r>
+              <a:rPr lang="fr-FR" dirty="0"/>
+              <a:t>0</a:t>
+            </a:r>
+            <a:endParaRPr lang="en-US" dirty="0"/>
+          </a:p>
+        </p:txBody>
+      </p:sp>
+      <p:cxnSp>
+        <p:nvCxnSpPr>
+          <p:cNvPr id="16" name="Straight Connector 15">
+            <a:extLst>
+              <a:ext uri="{FF2B5EF4-FFF2-40B4-BE49-F238E27FC236}">
+                <a16:creationId xmlns:a16="http://schemas.microsoft.com/office/drawing/2014/main" id="{0BBE0868-AF89-4C54-922A-42E5D0BF67B7}"/>
+              </a:ext>
+            </a:extLst>
+          </p:cNvPr>
+          <p:cNvCxnSpPr>
+            <a:cxnSpLocks/>
+          </p:cNvCxnSpPr>
+          <p:nvPr/>
+        </p:nvCxnSpPr>
+        <p:spPr>
+          <a:xfrm>
+            <a:off x="9444789" y="3693695"/>
+            <a:ext cx="1407695" cy="0"/>
+          </a:xfrm>
+          <a:prstGeom prst="line">
+            <a:avLst/>
+          </a:prstGeom>
+        </p:spPr>
+        <p:style>
+          <a:lnRef idx="1">
+            <a:schemeClr val="accent1"/>
+          </a:lnRef>
+          <a:fillRef idx="0">
+            <a:schemeClr val="accent1"/>
+          </a:fillRef>
+          <a:effectRef idx="0">
+            <a:schemeClr val="accent1"/>
+          </a:effectRef>
+          <a:fontRef idx="minor">
+            <a:schemeClr val="tx1"/>
+          </a:fontRef>
+        </p:style>
+      </p:cxnSp>
+      <p:sp>
+        <p:nvSpPr>
+          <p:cNvPr id="18" name="TextBox 17">
+            <a:extLst>
+              <a:ext uri="{FF2B5EF4-FFF2-40B4-BE49-F238E27FC236}">
+                <a16:creationId xmlns:a16="http://schemas.microsoft.com/office/drawing/2014/main" id="{F1B346F6-4DBE-4E36-953C-A55EF430D8E2}"/>
+              </a:ext>
+            </a:extLst>
+          </p:cNvPr>
+          <p:cNvSpPr txBox="1"/>
+          <p:nvPr/>
+        </p:nvSpPr>
+        <p:spPr>
+          <a:xfrm>
+            <a:off x="11068734" y="3509029"/>
+            <a:ext cx="418704" cy="369332"/>
+          </a:xfrm>
+          <a:prstGeom prst="rect">
+            <a:avLst/>
+          </a:prstGeom>
+          <a:noFill/>
+        </p:spPr>
+        <p:txBody>
+          <a:bodyPr wrap="none" rtlCol="0">
+            <a:spAutoFit/>
+          </a:bodyPr>
+          <a:lstStyle/>
+          <a:p>
+            <a:r>
+              <a:rPr lang="fr-FR" dirty="0"/>
+              <a:t>65</a:t>
+            </a:r>
+            <a:endParaRPr lang="en-US" dirty="0"/>
+          </a:p>
+        </p:txBody>
+      </p:sp>
+      <p:cxnSp>
+        <p:nvCxnSpPr>
+          <p:cNvPr id="20" name="Straight Arrow Connector 19">
+            <a:extLst>
+              <a:ext uri="{FF2B5EF4-FFF2-40B4-BE49-F238E27FC236}">
+                <a16:creationId xmlns:a16="http://schemas.microsoft.com/office/drawing/2014/main" id="{1C41DF0D-AF33-42F0-AD7C-D09F2199101D}"/>
+              </a:ext>
+            </a:extLst>
+          </p:cNvPr>
+          <p:cNvCxnSpPr/>
+          <p:nvPr/>
+        </p:nvCxnSpPr>
+        <p:spPr>
+          <a:xfrm>
+            <a:off x="10563726" y="2947737"/>
+            <a:ext cx="0" cy="745958"/>
+          </a:xfrm>
+          <a:prstGeom prst="straightConnector1">
+            <a:avLst/>
+          </a:prstGeom>
+          <a:ln>
+            <a:headEnd type="triangle"/>
+            <a:tailEnd type="triangle"/>
+          </a:ln>
+        </p:spPr>
+        <p:style>
+          <a:lnRef idx="1">
+            <a:schemeClr val="accent1"/>
+          </a:lnRef>
+          <a:fillRef idx="0">
+            <a:schemeClr val="accent1"/>
+          </a:fillRef>
+          <a:effectRef idx="0">
+            <a:schemeClr val="accent1"/>
+          </a:effectRef>
+          <a:fontRef idx="minor">
+            <a:schemeClr val="tx1"/>
+          </a:fontRef>
+        </p:style>
+      </p:cxnSp>
+      <p:cxnSp>
+        <p:nvCxnSpPr>
+          <p:cNvPr id="21" name="Straight Arrow Connector 20">
+            <a:extLst>
+              <a:ext uri="{FF2B5EF4-FFF2-40B4-BE49-F238E27FC236}">
+                <a16:creationId xmlns:a16="http://schemas.microsoft.com/office/drawing/2014/main" id="{F27FF827-7039-4CFA-9D09-C0D30075AFEE}"/>
+              </a:ext>
+            </a:extLst>
+          </p:cNvPr>
+          <p:cNvCxnSpPr>
+            <a:cxnSpLocks/>
+          </p:cNvCxnSpPr>
+          <p:nvPr/>
+        </p:nvCxnSpPr>
+        <p:spPr>
+          <a:xfrm>
+            <a:off x="10563726" y="3652378"/>
+            <a:ext cx="0" cy="1196349"/>
+          </a:xfrm>
+          <a:prstGeom prst="straightConnector1">
+            <a:avLst/>
+          </a:prstGeom>
+          <a:ln>
+            <a:headEnd type="triangle"/>
+            <a:tailEnd type="triangle"/>
+          </a:ln>
+        </p:spPr>
+        <p:style>
+          <a:lnRef idx="1">
+            <a:schemeClr val="accent1"/>
+          </a:lnRef>
+          <a:fillRef idx="0">
+            <a:schemeClr val="accent1"/>
+          </a:fillRef>
+          <a:effectRef idx="0">
+            <a:schemeClr val="accent1"/>
+          </a:effectRef>
+          <a:fontRef idx="minor">
+            <a:schemeClr val="tx1"/>
+          </a:fontRef>
+        </p:style>
+      </p:cxnSp>
+    </p:spTree>
+    <p:extLst>
+      <p:ext uri="{BB962C8B-B14F-4D97-AF65-F5344CB8AC3E}">
+        <p14:creationId xmlns:p14="http://schemas.microsoft.com/office/powerpoint/2010/main" val="4160278312"/>
+      </p:ext>
+    </p:extLst>
+  </p:cSld>
+  <p:clrMapOvr>
+    <a:masterClrMapping/>
+  </p:clrMapOvr>
+</p:sld>
+</file>
+
+<file path=ppt/slides/slide23.xml><?xml version="1.0" encoding="utf-8"?>
+<p:sld xmlns:a="http://schemas.openxmlformats.org/drawingml/2006/main" xmlns:r="http://schemas.openxmlformats.org/officeDocument/2006/relationships" xmlns:p="http://schemas.openxmlformats.org/presentationml/2006/main">
+  <p:cSld>
+    <p:spTree>
+      <p:nvGrpSpPr>
+        <p:cNvPr id="1" name=""/>
+        <p:cNvGrpSpPr/>
+        <p:nvPr/>
+      </p:nvGrpSpPr>
+      <p:grpSpPr>
+        <a:xfrm>
+          <a:off x="0" y="0"/>
+          <a:ext cx="0" cy="0"/>
+          <a:chOff x="0" y="0"/>
+          <a:chExt cx="0" cy="0"/>
+        </a:xfrm>
+      </p:grpSpPr>
+      <p:sp>
+        <p:nvSpPr>
+          <p:cNvPr id="2" name="Title 1">
+            <a:extLst>
+              <a:ext uri="{FF2B5EF4-FFF2-40B4-BE49-F238E27FC236}">
+                <a16:creationId xmlns:a16="http://schemas.microsoft.com/office/drawing/2014/main" id="{F2F32522-692E-4BA1-A0CF-BB30390C4B18}"/>
+              </a:ext>
+            </a:extLst>
+          </p:cNvPr>
+          <p:cNvSpPr>
+            <a:spLocks noGrp="1"/>
+          </p:cNvSpPr>
+          <p:nvPr>
+            <p:ph type="title"/>
+          </p:nvPr>
+        </p:nvSpPr>
+        <p:spPr/>
+        <p:txBody>
+          <a:bodyPr/>
+          <a:lstStyle/>
+          <a:p>
+            <a:r>
+              <a:rPr lang="fr-FR" dirty="0" err="1"/>
+              <a:t>Palmares</a:t>
+            </a:r>
+            <a:endParaRPr lang="en-US" dirty="0"/>
+          </a:p>
+        </p:txBody>
+      </p:sp>
+      <p:pic>
+        <p:nvPicPr>
+          <p:cNvPr id="5" name="Content Placeholder 4">
+            <a:extLst>
+              <a:ext uri="{FF2B5EF4-FFF2-40B4-BE49-F238E27FC236}">
+                <a16:creationId xmlns:a16="http://schemas.microsoft.com/office/drawing/2014/main" id="{8023DEC2-6F67-4F9F-8DAB-B0283F0C9F86}"/>
+              </a:ext>
+            </a:extLst>
+          </p:cNvPr>
+          <p:cNvPicPr>
+            <a:picLocks noGrp="1" noChangeAspect="1"/>
+          </p:cNvPicPr>
+          <p:nvPr>
+            <p:ph idx="1"/>
+          </p:nvPr>
+        </p:nvPicPr>
+        <p:blipFill>
+          <a:blip r:embed="rId2"/>
+          <a:stretch>
+            <a:fillRect/>
+          </a:stretch>
+        </p:blipFill>
+        <p:spPr>
+          <a:xfrm>
+            <a:off x="935859" y="1440614"/>
+            <a:ext cx="7639050" cy="4591050"/>
+          </a:xfrm>
+        </p:spPr>
+      </p:pic>
+      <p:sp>
+        <p:nvSpPr>
+          <p:cNvPr id="10" name="Speech Bubble: Oval 9">
+            <a:extLst>
+              <a:ext uri="{FF2B5EF4-FFF2-40B4-BE49-F238E27FC236}">
+                <a16:creationId xmlns:a16="http://schemas.microsoft.com/office/drawing/2014/main" id="{32A7B99F-A7D8-4163-9016-7CFD61E773AF}"/>
+              </a:ext>
+            </a:extLst>
+          </p:cNvPr>
+          <p:cNvSpPr/>
+          <p:nvPr/>
+        </p:nvSpPr>
+        <p:spPr>
+          <a:xfrm>
+            <a:off x="6095999" y="826336"/>
+            <a:ext cx="2828926" cy="920603"/>
+          </a:xfrm>
+          <a:prstGeom prst="wedgeEllipseCallout">
+            <a:avLst>
+              <a:gd name="adj1" fmla="val -42412"/>
+              <a:gd name="adj2" fmla="val 62500"/>
+            </a:avLst>
+          </a:prstGeom>
+          <a:solidFill>
+            <a:schemeClr val="bg1">
+              <a:lumMod val="85000"/>
+            </a:schemeClr>
+          </a:solidFill>
+        </p:spPr>
+        <p:style>
+          <a:lnRef idx="2">
+            <a:schemeClr val="accent3">
+              <a:shade val="50000"/>
+            </a:schemeClr>
+          </a:lnRef>
+          <a:fillRef idx="1">
+            <a:schemeClr val="accent3"/>
+          </a:fillRef>
+          <a:effectRef idx="0">
+            <a:schemeClr val="accent3"/>
+          </a:effectRef>
+          <a:fontRef idx="minor">
+            <a:schemeClr val="lt1"/>
+          </a:fontRef>
+        </p:style>
+        <p:txBody>
+          <a:bodyPr rtlCol="0" anchor="ctr"/>
+          <a:lstStyle/>
+          <a:p>
+            <a:pPr algn="ctr"/>
+            <a:r>
+              <a:rPr lang="fr-FR" dirty="0"/>
+              <a:t>Définir ici le Stop</a:t>
+            </a:r>
+            <a:endParaRPr lang="en-US" dirty="0"/>
+          </a:p>
+        </p:txBody>
+      </p:sp>
+      <p:sp>
+        <p:nvSpPr>
+          <p:cNvPr id="12" name="Speech Bubble: Oval 11">
+            <a:extLst>
+              <a:ext uri="{FF2B5EF4-FFF2-40B4-BE49-F238E27FC236}">
+                <a16:creationId xmlns:a16="http://schemas.microsoft.com/office/drawing/2014/main" id="{85F02B80-7E21-4151-93F2-F28EC91BA273}"/>
+              </a:ext>
+            </a:extLst>
+          </p:cNvPr>
+          <p:cNvSpPr/>
+          <p:nvPr/>
+        </p:nvSpPr>
+        <p:spPr>
+          <a:xfrm>
+            <a:off x="8120162" y="1211857"/>
+            <a:ext cx="2627169" cy="1180055"/>
+          </a:xfrm>
+          <a:prstGeom prst="wedgeEllipseCallout">
+            <a:avLst>
+              <a:gd name="adj1" fmla="val -58146"/>
+              <a:gd name="adj2" fmla="val 60377"/>
+            </a:avLst>
+          </a:prstGeom>
+          <a:solidFill>
+            <a:schemeClr val="bg1">
+              <a:lumMod val="85000"/>
+            </a:schemeClr>
+          </a:solidFill>
+        </p:spPr>
+        <p:style>
+          <a:lnRef idx="2">
+            <a:schemeClr val="accent3">
+              <a:shade val="50000"/>
+            </a:schemeClr>
+          </a:lnRef>
+          <a:fillRef idx="1">
+            <a:schemeClr val="accent3"/>
+          </a:fillRef>
+          <a:effectRef idx="0">
+            <a:schemeClr val="accent3"/>
+          </a:effectRef>
+          <a:fontRef idx="minor">
+            <a:schemeClr val="lt1"/>
+          </a:fontRef>
+        </p:style>
+        <p:txBody>
+          <a:bodyPr lIns="0" rIns="0" rtlCol="0" anchor="ctr"/>
+          <a:lstStyle/>
+          <a:p>
+            <a:pPr algn="ctr"/>
+            <a:r>
+              <a:rPr lang="fr-FR" dirty="0"/>
+              <a:t>Cliquer pour afficher le résultat</a:t>
+            </a:r>
+            <a:endParaRPr lang="en-US" dirty="0"/>
+          </a:p>
+        </p:txBody>
+      </p:sp>
+      <p:sp>
+        <p:nvSpPr>
+          <p:cNvPr id="13" name="Speech Bubble: Oval 12">
+            <a:extLst>
+              <a:ext uri="{FF2B5EF4-FFF2-40B4-BE49-F238E27FC236}">
+                <a16:creationId xmlns:a16="http://schemas.microsoft.com/office/drawing/2014/main" id="{CC5C6601-87EC-4A93-BE9C-5DFA09867CA1}"/>
+              </a:ext>
+            </a:extLst>
+          </p:cNvPr>
+          <p:cNvSpPr/>
+          <p:nvPr/>
+        </p:nvSpPr>
+        <p:spPr>
+          <a:xfrm>
+            <a:off x="359626" y="3119891"/>
+            <a:ext cx="2828926" cy="920603"/>
+          </a:xfrm>
+          <a:prstGeom prst="wedgeEllipseCallout">
+            <a:avLst>
+              <a:gd name="adj1" fmla="val 34206"/>
+              <a:gd name="adj2" fmla="val -101817"/>
+            </a:avLst>
+          </a:prstGeom>
+          <a:solidFill>
+            <a:schemeClr val="bg1">
+              <a:lumMod val="85000"/>
+            </a:schemeClr>
+          </a:solidFill>
+        </p:spPr>
+        <p:style>
+          <a:lnRef idx="2">
+            <a:schemeClr val="accent3">
+              <a:shade val="50000"/>
+            </a:schemeClr>
+          </a:lnRef>
+          <a:fillRef idx="1">
+            <a:schemeClr val="accent3"/>
+          </a:fillRef>
+          <a:effectRef idx="0">
+            <a:schemeClr val="accent3"/>
+          </a:effectRef>
+          <a:fontRef idx="minor">
+            <a:schemeClr val="lt1"/>
+          </a:fontRef>
+        </p:style>
+        <p:txBody>
+          <a:bodyPr rtlCol="0" anchor="ctr"/>
+          <a:lstStyle/>
+          <a:p>
+            <a:pPr algn="ctr"/>
+            <a:r>
+              <a:rPr lang="fr-FR" dirty="0"/>
+              <a:t>Définir ici les indicateurs de mesure de vitesse</a:t>
+            </a:r>
+            <a:endParaRPr lang="en-US" dirty="0"/>
+          </a:p>
+        </p:txBody>
+      </p:sp>
+      <p:sp>
+        <p:nvSpPr>
+          <p:cNvPr id="14" name="Speech Bubble: Oval 13">
+            <a:extLst>
+              <a:ext uri="{FF2B5EF4-FFF2-40B4-BE49-F238E27FC236}">
+                <a16:creationId xmlns:a16="http://schemas.microsoft.com/office/drawing/2014/main" id="{2F2BAFEB-6D0B-462A-BCCD-1913B8896397}"/>
+              </a:ext>
+            </a:extLst>
+          </p:cNvPr>
+          <p:cNvSpPr/>
+          <p:nvPr/>
+        </p:nvSpPr>
+        <p:spPr>
+          <a:xfrm>
+            <a:off x="2986140" y="260403"/>
+            <a:ext cx="2828926" cy="920603"/>
+          </a:xfrm>
+          <a:prstGeom prst="wedgeEllipseCallout">
+            <a:avLst>
+              <a:gd name="adj1" fmla="val -62364"/>
+              <a:gd name="adj2" fmla="val 122587"/>
+            </a:avLst>
+          </a:prstGeom>
+          <a:solidFill>
+            <a:schemeClr val="bg1">
+              <a:lumMod val="85000"/>
+            </a:schemeClr>
+          </a:solidFill>
+        </p:spPr>
+        <p:style>
+          <a:lnRef idx="2">
+            <a:schemeClr val="accent3">
+              <a:shade val="50000"/>
+            </a:schemeClr>
+          </a:lnRef>
+          <a:fillRef idx="1">
+            <a:schemeClr val="accent3"/>
+          </a:fillRef>
+          <a:effectRef idx="0">
+            <a:schemeClr val="accent3"/>
+          </a:effectRef>
+          <a:fontRef idx="minor">
+            <a:schemeClr val="lt1"/>
+          </a:fontRef>
+        </p:style>
+        <p:txBody>
+          <a:bodyPr rtlCol="0" anchor="ctr"/>
+          <a:lstStyle/>
+          <a:p>
+            <a:pPr algn="ctr"/>
+            <a:r>
+              <a:rPr lang="fr-FR" dirty="0"/>
+              <a:t>Définir ici le groupe de recherche et la durée des barres</a:t>
+            </a:r>
+            <a:endParaRPr lang="en-US" dirty="0"/>
+          </a:p>
+        </p:txBody>
+      </p:sp>
+      <p:sp>
+        <p:nvSpPr>
+          <p:cNvPr id="16" name="Speech Bubble: Oval 15">
+            <a:extLst>
+              <a:ext uri="{FF2B5EF4-FFF2-40B4-BE49-F238E27FC236}">
+                <a16:creationId xmlns:a16="http://schemas.microsoft.com/office/drawing/2014/main" id="{F9BA6B26-74FB-4C48-B5A3-641F823B452E}"/>
+              </a:ext>
+            </a:extLst>
+          </p:cNvPr>
+          <p:cNvSpPr/>
+          <p:nvPr/>
+        </p:nvSpPr>
+        <p:spPr>
+          <a:xfrm>
+            <a:off x="3548010" y="850509"/>
+            <a:ext cx="2828926" cy="920603"/>
+          </a:xfrm>
+          <a:prstGeom prst="wedgeEllipseCallout">
+            <a:avLst>
+              <a:gd name="adj1" fmla="val 26226"/>
+              <a:gd name="adj2" fmla="val 107872"/>
+            </a:avLst>
+          </a:prstGeom>
+          <a:solidFill>
+            <a:schemeClr val="bg1">
+              <a:lumMod val="85000"/>
+            </a:schemeClr>
+          </a:solidFill>
+        </p:spPr>
+        <p:style>
+          <a:lnRef idx="2">
+            <a:schemeClr val="accent3">
+              <a:shade val="50000"/>
+            </a:schemeClr>
+          </a:lnRef>
+          <a:fillRef idx="1">
+            <a:schemeClr val="accent3"/>
+          </a:fillRef>
+          <a:effectRef idx="0">
+            <a:schemeClr val="accent3"/>
+          </a:effectRef>
+          <a:fontRef idx="minor">
+            <a:schemeClr val="lt1"/>
+          </a:fontRef>
+        </p:style>
+        <p:txBody>
+          <a:bodyPr rtlCol="0" anchor="ctr"/>
+          <a:lstStyle/>
+          <a:p>
+            <a:pPr algn="ctr"/>
+            <a:r>
+              <a:rPr lang="fr-FR" dirty="0"/>
+              <a:t>Définir ici la période d’analyse</a:t>
+            </a:r>
+            <a:endParaRPr lang="en-US" dirty="0"/>
+          </a:p>
+        </p:txBody>
+      </p:sp>
+      <p:sp>
+        <p:nvSpPr>
+          <p:cNvPr id="11" name="Speech Bubble: Oval 10">
+            <a:extLst>
+              <a:ext uri="{FF2B5EF4-FFF2-40B4-BE49-F238E27FC236}">
+                <a16:creationId xmlns:a16="http://schemas.microsoft.com/office/drawing/2014/main" id="{211F7799-71CC-41BF-BA66-3AFD7024C9B9}"/>
+              </a:ext>
+            </a:extLst>
+          </p:cNvPr>
+          <p:cNvSpPr/>
+          <p:nvPr/>
+        </p:nvSpPr>
+        <p:spPr>
+          <a:xfrm>
+            <a:off x="3243817" y="3580192"/>
+            <a:ext cx="3481333" cy="1086613"/>
+          </a:xfrm>
+          <a:prstGeom prst="wedgeEllipseCallout">
+            <a:avLst>
+              <a:gd name="adj1" fmla="val -28417"/>
+              <a:gd name="adj2" fmla="val -105334"/>
+            </a:avLst>
+          </a:prstGeom>
+          <a:solidFill>
+            <a:schemeClr val="bg1">
+              <a:lumMod val="85000"/>
+            </a:schemeClr>
+          </a:solidFill>
+        </p:spPr>
+        <p:style>
+          <a:lnRef idx="2">
+            <a:schemeClr val="accent3">
+              <a:shade val="50000"/>
+            </a:schemeClr>
+          </a:lnRef>
+          <a:fillRef idx="1">
+            <a:schemeClr val="accent3"/>
+          </a:fillRef>
+          <a:effectRef idx="0">
+            <a:schemeClr val="accent3"/>
+          </a:effectRef>
+          <a:fontRef idx="minor">
+            <a:schemeClr val="lt1"/>
+          </a:fontRef>
+        </p:style>
+        <p:txBody>
+          <a:bodyPr lIns="0" rIns="0" rtlCol="0" anchor="ctr"/>
+          <a:lstStyle/>
+          <a:p>
+            <a:pPr algn="ctr"/>
+            <a:r>
+              <a:rPr lang="fr-FR" dirty="0"/>
+              <a:t>Affiche les indicateurs de vitesse pour pouvoir trier</a:t>
+            </a:r>
+            <a:endParaRPr lang="en-US" dirty="0"/>
+          </a:p>
+        </p:txBody>
+      </p:sp>
+      <p:sp>
+        <p:nvSpPr>
+          <p:cNvPr id="15" name="Speech Bubble: Oval 14">
+            <a:extLst>
+              <a:ext uri="{FF2B5EF4-FFF2-40B4-BE49-F238E27FC236}">
+                <a16:creationId xmlns:a16="http://schemas.microsoft.com/office/drawing/2014/main" id="{C33326E4-1892-4669-9FA0-6492A1C4EB43}"/>
+              </a:ext>
+            </a:extLst>
+          </p:cNvPr>
+          <p:cNvSpPr/>
+          <p:nvPr/>
+        </p:nvSpPr>
+        <p:spPr>
+          <a:xfrm>
+            <a:off x="6179787" y="3023508"/>
+            <a:ext cx="3481333" cy="1086613"/>
+          </a:xfrm>
+          <a:prstGeom prst="wedgeEllipseCallout">
+            <a:avLst>
+              <a:gd name="adj1" fmla="val -64735"/>
+              <a:gd name="adj2" fmla="val -51311"/>
+            </a:avLst>
+          </a:prstGeom>
+          <a:solidFill>
+            <a:schemeClr val="bg1">
+              <a:lumMod val="85000"/>
+            </a:schemeClr>
+          </a:solidFill>
+        </p:spPr>
+        <p:style>
+          <a:lnRef idx="2">
+            <a:schemeClr val="accent3">
+              <a:shade val="50000"/>
+            </a:schemeClr>
+          </a:lnRef>
+          <a:fillRef idx="1">
+            <a:schemeClr val="accent3"/>
+          </a:fillRef>
+          <a:effectRef idx="0">
+            <a:schemeClr val="accent3"/>
+          </a:effectRef>
+          <a:fontRef idx="minor">
+            <a:schemeClr val="lt1"/>
+          </a:fontRef>
+        </p:style>
+        <p:txBody>
+          <a:bodyPr lIns="0" rIns="0" rtlCol="0" anchor="ctr"/>
+          <a:lstStyle/>
+          <a:p>
+            <a:pPr algn="ctr"/>
+            <a:r>
+              <a:rPr lang="fr-FR" dirty="0"/>
+              <a:t>Affiche la distance au stop en pourcentage pour évaluer le risque</a:t>
+            </a:r>
+            <a:endParaRPr lang="en-US" dirty="0"/>
+          </a:p>
+        </p:txBody>
+      </p:sp>
+      <p:sp>
+        <p:nvSpPr>
+          <p:cNvPr id="17" name="Speech Bubble: Oval 16">
+            <a:extLst>
+              <a:ext uri="{FF2B5EF4-FFF2-40B4-BE49-F238E27FC236}">
+                <a16:creationId xmlns:a16="http://schemas.microsoft.com/office/drawing/2014/main" id="{9F2122F2-616B-4382-8987-DE54E91EE970}"/>
+              </a:ext>
+            </a:extLst>
+          </p:cNvPr>
+          <p:cNvSpPr/>
+          <p:nvPr/>
+        </p:nvSpPr>
+        <p:spPr>
+          <a:xfrm>
+            <a:off x="-292781" y="3584649"/>
+            <a:ext cx="3481333" cy="1086613"/>
+          </a:xfrm>
+          <a:prstGeom prst="wedgeEllipseCallout">
+            <a:avLst>
+              <a:gd name="adj1" fmla="val 21196"/>
+              <a:gd name="adj2" fmla="val -110528"/>
+            </a:avLst>
+          </a:prstGeom>
+          <a:solidFill>
+            <a:schemeClr val="bg1">
+              <a:lumMod val="85000"/>
+            </a:schemeClr>
+          </a:solidFill>
+        </p:spPr>
+        <p:style>
+          <a:lnRef idx="2">
+            <a:schemeClr val="accent3">
+              <a:shade val="50000"/>
+            </a:schemeClr>
+          </a:lnRef>
+          <a:fillRef idx="1">
+            <a:schemeClr val="accent3"/>
+          </a:fillRef>
+          <a:effectRef idx="0">
+            <a:schemeClr val="accent3"/>
+          </a:effectRef>
+          <a:fontRef idx="minor">
+            <a:schemeClr val="lt1"/>
+          </a:fontRef>
+        </p:style>
+        <p:txBody>
+          <a:bodyPr lIns="0" rIns="0" rtlCol="0" anchor="ctr"/>
+          <a:lstStyle/>
+          <a:p>
+            <a:pPr algn="ctr"/>
+            <a:r>
+              <a:rPr lang="fr-FR" dirty="0"/>
+              <a:t>Affiche la variation depuis le début de la période</a:t>
+            </a:r>
+            <a:endParaRPr lang="en-US" dirty="0"/>
+          </a:p>
+        </p:txBody>
+      </p:sp>
+    </p:spTree>
+    <p:extLst>
+      <p:ext uri="{BB962C8B-B14F-4D97-AF65-F5344CB8AC3E}">
+        <p14:creationId xmlns:p14="http://schemas.microsoft.com/office/powerpoint/2010/main" val="1018486387"/>
+      </p:ext>
+    </p:extLst>
+  </p:cSld>
+  <p:clrMapOvr>
+    <a:masterClrMapping/>
+  </p:clrMapOvr>
+  <p:timing>
+    <p:tnLst>
+      <p:par>
+        <p:cTn id="1" dur="indefinite" restart="never" nodeType="tmRoot">
+          <p:childTnLst>
+            <p:seq concurrent="1" nextAc="seek">
+              <p:cTn id="2" dur="indefinite" nodeType="mainSeq">
+                <p:childTnLst>
+                  <p:par>
+                    <p:cTn id="3" fill="hold">
+                      <p:stCondLst>
+                        <p:cond delay="indefinite"/>
+                      </p:stCondLst>
+                      <p:childTnLst>
+                        <p:par>
+                          <p:cTn id="4" fill="hold">
+                            <p:stCondLst>
+                              <p:cond delay="0"/>
+                            </p:stCondLst>
+                            <p:childTnLst>
+                              <p:par>
+                                <p:cTn id="5" presetID="1" presetClass="entr" presetSubtype="0" fill="hold" grpId="0" nodeType="clickEffect">
+                                  <p:stCondLst>
+                                    <p:cond delay="0"/>
+                                  </p:stCondLst>
+                                  <p:childTnLst>
+                                    <p:set>
+                                      <p:cBhvr>
+                                        <p:cTn id="6" dur="1" fill="hold">
+                                          <p:stCondLst>
+                                            <p:cond delay="0"/>
+                                          </p:stCondLst>
+                                        </p:cTn>
+                                        <p:tgtEl>
+                                          <p:spTgt spid="14"/>
+                                        </p:tgtEl>
+                                        <p:attrNameLst>
+                                          <p:attrName>style.visibility</p:attrName>
+                                        </p:attrNameLst>
+                                      </p:cBhvr>
+                                      <p:to>
+                                        <p:strVal val="visible"/>
+                                      </p:to>
+                                    </p:set>
+                                  </p:childTnLst>
+                                </p:cTn>
+                              </p:par>
+                            </p:childTnLst>
+                          </p:cTn>
+                        </p:par>
+                      </p:childTnLst>
+                    </p:cTn>
+                  </p:par>
+                  <p:par>
+                    <p:cTn id="7" fill="hold">
+                      <p:stCondLst>
+                        <p:cond delay="indefinite"/>
+                      </p:stCondLst>
+                      <p:childTnLst>
+                        <p:par>
+                          <p:cTn id="8" fill="hold">
+                            <p:stCondLst>
+                              <p:cond delay="0"/>
+                            </p:stCondLst>
+                            <p:childTnLst>
+                              <p:par>
+                                <p:cTn id="9" presetID="1" presetClass="entr" presetSubtype="0" fill="hold" grpId="0" nodeType="clickEffect">
+                                  <p:stCondLst>
+                                    <p:cond delay="0"/>
+                                  </p:stCondLst>
+                                  <p:childTnLst>
+                                    <p:set>
+                                      <p:cBhvr>
+                                        <p:cTn id="10" dur="1" fill="hold">
+                                          <p:stCondLst>
+                                            <p:cond delay="0"/>
+                                          </p:stCondLst>
+                                        </p:cTn>
+                                        <p:tgtEl>
+                                          <p:spTgt spid="10"/>
+                                        </p:tgtEl>
+                                        <p:attrNameLst>
+                                          <p:attrName>style.visibility</p:attrName>
+                                        </p:attrNameLst>
+                                      </p:cBhvr>
+                                      <p:to>
+                                        <p:strVal val="visible"/>
+                                      </p:to>
+                                    </p:set>
+                                  </p:childTnLst>
+                                </p:cTn>
+                              </p:par>
+                            </p:childTnLst>
+                          </p:cTn>
+                        </p:par>
+                      </p:childTnLst>
+                    </p:cTn>
+                  </p:par>
+                  <p:par>
+                    <p:cTn id="11" fill="hold">
+                      <p:stCondLst>
+                        <p:cond delay="indefinite"/>
+                      </p:stCondLst>
+                      <p:childTnLst>
+                        <p:par>
+                          <p:cTn id="12" fill="hold">
+                            <p:stCondLst>
+                              <p:cond delay="0"/>
+                            </p:stCondLst>
+                            <p:childTnLst>
+                              <p:par>
+                                <p:cTn id="13" presetID="1" presetClass="entr" presetSubtype="0" fill="hold" grpId="0" nodeType="clickEffect">
+                                  <p:stCondLst>
+                                    <p:cond delay="0"/>
+                                  </p:stCondLst>
+                                  <p:childTnLst>
+                                    <p:set>
+                                      <p:cBhvr>
+                                        <p:cTn id="14" dur="1" fill="hold">
+                                          <p:stCondLst>
+                                            <p:cond delay="0"/>
+                                          </p:stCondLst>
+                                        </p:cTn>
+                                        <p:tgtEl>
+                                          <p:spTgt spid="16"/>
+                                        </p:tgtEl>
+                                        <p:attrNameLst>
+                                          <p:attrName>style.visibility</p:attrName>
+                                        </p:attrNameLst>
+                                      </p:cBhvr>
+                                      <p:to>
+                                        <p:strVal val="visible"/>
+                                      </p:to>
+                                    </p:set>
+                                  </p:childTnLst>
+                                </p:cTn>
+                              </p:par>
+                            </p:childTnLst>
+                          </p:cTn>
+                        </p:par>
+                      </p:childTnLst>
+                    </p:cTn>
+                  </p:par>
+                  <p:par>
+                    <p:cTn id="15" fill="hold">
+                      <p:stCondLst>
+                        <p:cond delay="indefinite"/>
+                      </p:stCondLst>
+                      <p:childTnLst>
+                        <p:par>
+                          <p:cTn id="16" fill="hold">
+                            <p:stCondLst>
+                              <p:cond delay="0"/>
+                            </p:stCondLst>
+                            <p:childTnLst>
+                              <p:par>
+                                <p:cTn id="17" presetID="1" presetClass="entr" presetSubtype="0" fill="hold" grpId="0" nodeType="clickEffect">
+                                  <p:stCondLst>
+                                    <p:cond delay="0"/>
+                                  </p:stCondLst>
+                                  <p:childTnLst>
+                                    <p:set>
+                                      <p:cBhvr>
+                                        <p:cTn id="18" dur="1" fill="hold">
+                                          <p:stCondLst>
+                                            <p:cond delay="0"/>
+                                          </p:stCondLst>
+                                        </p:cTn>
+                                        <p:tgtEl>
+                                          <p:spTgt spid="13"/>
+                                        </p:tgtEl>
+                                        <p:attrNameLst>
+                                          <p:attrName>style.visibility</p:attrName>
+                                        </p:attrNameLst>
+                                      </p:cBhvr>
+                                      <p:to>
+                                        <p:strVal val="visible"/>
+                                      </p:to>
+                                    </p:set>
+                                  </p:childTnLst>
+                                </p:cTn>
+                              </p:par>
+                            </p:childTnLst>
+                          </p:cTn>
+                        </p:par>
+                      </p:childTnLst>
+                    </p:cTn>
+                  </p:par>
+                  <p:par>
+                    <p:cTn id="19" fill="hold">
+                      <p:stCondLst>
+                        <p:cond delay="indefinite"/>
+                      </p:stCondLst>
+                      <p:childTnLst>
+                        <p:par>
+                          <p:cTn id="20" fill="hold">
+                            <p:stCondLst>
+                              <p:cond delay="0"/>
+                            </p:stCondLst>
+                            <p:childTnLst>
+                              <p:par>
+                                <p:cTn id="21" presetID="1" presetClass="entr" presetSubtype="0" fill="hold" grpId="0" nodeType="clickEffect">
+                                  <p:stCondLst>
+                                    <p:cond delay="0"/>
+                                  </p:stCondLst>
+                                  <p:childTnLst>
+                                    <p:set>
+                                      <p:cBhvr>
+                                        <p:cTn id="22" dur="1" fill="hold">
+                                          <p:stCondLst>
+                                            <p:cond delay="0"/>
+                                          </p:stCondLst>
+                                        </p:cTn>
+                                        <p:tgtEl>
+                                          <p:spTgt spid="12"/>
+                                        </p:tgtEl>
+                                        <p:attrNameLst>
+                                          <p:attrName>style.visibility</p:attrName>
+                                        </p:attrNameLst>
+                                      </p:cBhvr>
+                                      <p:to>
+                                        <p:strVal val="visible"/>
+                                      </p:to>
+                                    </p:set>
+                                  </p:childTnLst>
+                                </p:cTn>
+                              </p:par>
+                            </p:childTnLst>
+                          </p:cTn>
+                        </p:par>
+                      </p:childTnLst>
+                    </p:cTn>
+                  </p:par>
+                  <p:par>
+                    <p:cTn id="23" fill="hold">
+                      <p:stCondLst>
+                        <p:cond delay="indefinite"/>
+                      </p:stCondLst>
+                      <p:childTnLst>
+                        <p:par>
+                          <p:cTn id="24" fill="hold">
+                            <p:stCondLst>
+                              <p:cond delay="0"/>
+                            </p:stCondLst>
+                            <p:childTnLst>
+                              <p:par>
+                                <p:cTn id="25" presetID="1" presetClass="exit" presetSubtype="0" fill="hold" grpId="1" nodeType="clickEffect">
+                                  <p:stCondLst>
+                                    <p:cond delay="0"/>
+                                  </p:stCondLst>
+                                  <p:childTnLst>
+                                    <p:set>
+                                      <p:cBhvr>
+                                        <p:cTn id="26" dur="1" fill="hold">
+                                          <p:stCondLst>
+                                            <p:cond delay="0"/>
+                                          </p:stCondLst>
+                                        </p:cTn>
+                                        <p:tgtEl>
+                                          <p:spTgt spid="14"/>
+                                        </p:tgtEl>
+                                        <p:attrNameLst>
+                                          <p:attrName>style.visibility</p:attrName>
+                                        </p:attrNameLst>
+                                      </p:cBhvr>
+                                      <p:to>
+                                        <p:strVal val="hidden"/>
+                                      </p:to>
+                                    </p:set>
+                                  </p:childTnLst>
+                                </p:cTn>
+                              </p:par>
+                              <p:par>
+                                <p:cTn id="27" presetID="1" presetClass="exit" presetSubtype="0" fill="hold" grpId="1" nodeType="withEffect">
+                                  <p:stCondLst>
+                                    <p:cond delay="0"/>
+                                  </p:stCondLst>
+                                  <p:childTnLst>
+                                    <p:set>
+                                      <p:cBhvr>
+                                        <p:cTn id="28" dur="1" fill="hold">
+                                          <p:stCondLst>
+                                            <p:cond delay="0"/>
+                                          </p:stCondLst>
+                                        </p:cTn>
+                                        <p:tgtEl>
+                                          <p:spTgt spid="10"/>
+                                        </p:tgtEl>
+                                        <p:attrNameLst>
+                                          <p:attrName>style.visibility</p:attrName>
+                                        </p:attrNameLst>
+                                      </p:cBhvr>
+                                      <p:to>
+                                        <p:strVal val="hidden"/>
+                                      </p:to>
+                                    </p:set>
+                                  </p:childTnLst>
+                                </p:cTn>
+                              </p:par>
+                              <p:par>
+                                <p:cTn id="29" presetID="1" presetClass="exit" presetSubtype="0" fill="hold" grpId="1" nodeType="withEffect">
+                                  <p:stCondLst>
+                                    <p:cond delay="0"/>
+                                  </p:stCondLst>
+                                  <p:childTnLst>
+                                    <p:set>
+                                      <p:cBhvr>
+                                        <p:cTn id="30" dur="1" fill="hold">
+                                          <p:stCondLst>
+                                            <p:cond delay="0"/>
+                                          </p:stCondLst>
+                                        </p:cTn>
+                                        <p:tgtEl>
+                                          <p:spTgt spid="16"/>
+                                        </p:tgtEl>
+                                        <p:attrNameLst>
+                                          <p:attrName>style.visibility</p:attrName>
+                                        </p:attrNameLst>
+                                      </p:cBhvr>
+                                      <p:to>
+                                        <p:strVal val="hidden"/>
+                                      </p:to>
+                                    </p:set>
+                                  </p:childTnLst>
+                                </p:cTn>
+                              </p:par>
+                              <p:par>
+                                <p:cTn id="31" presetID="1" presetClass="exit" presetSubtype="0" fill="hold" grpId="1" nodeType="withEffect">
+                                  <p:stCondLst>
+                                    <p:cond delay="0"/>
+                                  </p:stCondLst>
+                                  <p:childTnLst>
+                                    <p:set>
+                                      <p:cBhvr>
+                                        <p:cTn id="32" dur="1" fill="hold">
+                                          <p:stCondLst>
+                                            <p:cond delay="0"/>
+                                          </p:stCondLst>
+                                        </p:cTn>
+                                        <p:tgtEl>
+                                          <p:spTgt spid="13"/>
+                                        </p:tgtEl>
+                                        <p:attrNameLst>
+                                          <p:attrName>style.visibility</p:attrName>
+                                        </p:attrNameLst>
+                                      </p:cBhvr>
+                                      <p:to>
+                                        <p:strVal val="hidden"/>
+                                      </p:to>
+                                    </p:set>
+                                  </p:childTnLst>
+                                </p:cTn>
+                              </p:par>
+                              <p:par>
+                                <p:cTn id="33" presetID="1" presetClass="exit" presetSubtype="0" fill="hold" grpId="1" nodeType="withEffect">
+                                  <p:stCondLst>
+                                    <p:cond delay="0"/>
+                                  </p:stCondLst>
+                                  <p:childTnLst>
+                                    <p:set>
+                                      <p:cBhvr>
+                                        <p:cTn id="34" dur="1" fill="hold">
+                                          <p:stCondLst>
+                                            <p:cond delay="0"/>
+                                          </p:stCondLst>
+                                        </p:cTn>
+                                        <p:tgtEl>
+                                          <p:spTgt spid="12"/>
+                                        </p:tgtEl>
+                                        <p:attrNameLst>
+                                          <p:attrName>style.visibility</p:attrName>
+                                        </p:attrNameLst>
+                                      </p:cBhvr>
+                                      <p:to>
+                                        <p:strVal val="hidden"/>
+                                      </p:to>
+                                    </p:set>
+                                  </p:childTnLst>
+                                </p:cTn>
+                              </p:par>
+                              <p:par>
+                                <p:cTn id="35" presetID="1" presetClass="entr" presetSubtype="0" fill="hold" grpId="0" nodeType="withEffect">
+                                  <p:stCondLst>
+                                    <p:cond delay="0"/>
+                                  </p:stCondLst>
+                                  <p:childTnLst>
+                                    <p:set>
+                                      <p:cBhvr>
+                                        <p:cTn id="36" dur="1" fill="hold">
+                                          <p:stCondLst>
+                                            <p:cond delay="0"/>
+                                          </p:stCondLst>
+                                        </p:cTn>
+                                        <p:tgtEl>
+                                          <p:spTgt spid="17"/>
+                                        </p:tgtEl>
+                                        <p:attrNameLst>
+                                          <p:attrName>style.visibility</p:attrName>
+                                        </p:attrNameLst>
+                                      </p:cBhvr>
+                                      <p:to>
+                                        <p:strVal val="visible"/>
+                                      </p:to>
+                                    </p:set>
+                                  </p:childTnLst>
+                                </p:cTn>
+                              </p:par>
+                            </p:childTnLst>
+                          </p:cTn>
+                        </p:par>
+                      </p:childTnLst>
+                    </p:cTn>
+                  </p:par>
+                  <p:par>
+                    <p:cTn id="37" fill="hold">
+                      <p:stCondLst>
+                        <p:cond delay="indefinite"/>
+                      </p:stCondLst>
+                      <p:childTnLst>
+                        <p:par>
+                          <p:cTn id="38" fill="hold">
+                            <p:stCondLst>
+                              <p:cond delay="0"/>
+                            </p:stCondLst>
+                            <p:childTnLst>
+                              <p:par>
+                                <p:cTn id="39" presetID="1" presetClass="entr" presetSubtype="0" fill="hold" grpId="0" nodeType="clickEffect">
+                                  <p:stCondLst>
+                                    <p:cond delay="0"/>
+                                  </p:stCondLst>
+                                  <p:childTnLst>
+                                    <p:set>
+                                      <p:cBhvr>
+                                        <p:cTn id="40" dur="1" fill="hold">
+                                          <p:stCondLst>
+                                            <p:cond delay="0"/>
+                                          </p:stCondLst>
+                                        </p:cTn>
+                                        <p:tgtEl>
+                                          <p:spTgt spid="11"/>
+                                        </p:tgtEl>
+                                        <p:attrNameLst>
+                                          <p:attrName>style.visibility</p:attrName>
+                                        </p:attrNameLst>
+                                      </p:cBhvr>
+                                      <p:to>
+                                        <p:strVal val="visible"/>
+                                      </p:to>
+                                    </p:set>
+                                  </p:childTnLst>
+                                </p:cTn>
+                              </p:par>
+                            </p:childTnLst>
+                          </p:cTn>
+                        </p:par>
+                      </p:childTnLst>
+                    </p:cTn>
+                  </p:par>
+                  <p:par>
+                    <p:cTn id="41" fill="hold">
+                      <p:stCondLst>
+                        <p:cond delay="indefinite"/>
+                      </p:stCondLst>
+                      <p:childTnLst>
+                        <p:par>
+                          <p:cTn id="42" fill="hold">
+                            <p:stCondLst>
+                              <p:cond delay="0"/>
+                            </p:stCondLst>
+                            <p:childTnLst>
+                              <p:par>
+                                <p:cTn id="43" presetID="1" presetClass="entr" presetSubtype="0" fill="hold" grpId="0" nodeType="clickEffect">
+                                  <p:stCondLst>
+                                    <p:cond delay="0"/>
+                                  </p:stCondLst>
+                                  <p:childTnLst>
+                                    <p:set>
+                                      <p:cBhvr>
+                                        <p:cTn id="44" dur="1" fill="hold">
+                                          <p:stCondLst>
+                                            <p:cond delay="0"/>
+                                          </p:stCondLst>
+                                        </p:cTn>
+                                        <p:tgtEl>
+                                          <p:spTgt spid="15"/>
+                                        </p:tgtEl>
+                                        <p:attrNameLst>
+                                          <p:attrName>style.visibility</p:attrName>
+                                        </p:attrNameLst>
+                                      </p:cBhvr>
+                                      <p:to>
+                                        <p:strVal val="visible"/>
+                                      </p:to>
+                                    </p:set>
+                                  </p:childTnLst>
+                                </p:cTn>
+                              </p:par>
+                            </p:childTnLst>
+                          </p:cTn>
+                        </p:par>
+                      </p:childTnLst>
+                    </p:cTn>
+                  </p:par>
+                </p:childTnLst>
+              </p:cTn>
+              <p:prevCondLst>
+                <p:cond evt="onPrev" delay="0">
+                  <p:tgtEl>
+                    <p:sldTgt/>
+                  </p:tgtEl>
+                </p:cond>
+              </p:prevCondLst>
+              <p:nextCondLst>
+                <p:cond evt="onNext" delay="0">
+                  <p:tgtEl>
+                    <p:sldTgt/>
+                  </p:tgtEl>
+                </p:cond>
+              </p:nextCondLst>
+            </p:seq>
+          </p:childTnLst>
+        </p:cTn>
+      </p:par>
+    </p:tnLst>
+    <p:bldLst>
+      <p:bldP spid="10" grpId="0" animBg="1"/>
+      <p:bldP spid="10" grpId="1" animBg="1"/>
+      <p:bldP spid="12" grpId="0" animBg="1"/>
+      <p:bldP spid="12" grpId="1" animBg="1"/>
+      <p:bldP spid="13" grpId="0" animBg="1"/>
+      <p:bldP spid="13" grpId="1" animBg="1"/>
+      <p:bldP spid="14" grpId="0" animBg="1"/>
+      <p:bldP spid="14" grpId="1" animBg="1"/>
+      <p:bldP spid="16" grpId="0" animBg="1"/>
+      <p:bldP spid="16" grpId="1" animBg="1"/>
+      <p:bldP spid="11" grpId="0" animBg="1"/>
+      <p:bldP spid="15" grpId="0" animBg="1"/>
+      <p:bldP spid="17" grpId="0" animBg="1"/>
+    </p:bldLst>
+  </p:timing>
+</p:sld>
+</file>
+
+<file path=ppt/slides/slide24.xml><?xml version="1.0" encoding="utf-8"?>
+<p:sld xmlns:a="http://schemas.openxmlformats.org/drawingml/2006/main" xmlns:r="http://schemas.openxmlformats.org/officeDocument/2006/relationships" xmlns:p="http://schemas.openxmlformats.org/presentationml/2006/main">
+  <p:cSld>
+    <p:spTree>
+      <p:nvGrpSpPr>
+        <p:cNvPr id="1" name=""/>
+        <p:cNvGrpSpPr/>
+        <p:nvPr/>
+      </p:nvGrpSpPr>
+      <p:grpSpPr>
+        <a:xfrm>
+          <a:off x="0" y="0"/>
+          <a:ext cx="0" cy="0"/>
+          <a:chOff x="0" y="0"/>
+          <a:chExt cx="0" cy="0"/>
+        </a:xfrm>
+      </p:grpSpPr>
+      <p:sp>
+        <p:nvSpPr>
+          <p:cNvPr id="2" name="Title 1">
+            <a:extLst>
+              <a:ext uri="{FF2B5EF4-FFF2-40B4-BE49-F238E27FC236}">
+                <a16:creationId xmlns:a16="http://schemas.microsoft.com/office/drawing/2014/main" id="{40ACD992-07FD-4F22-964A-AB0A6B7A4E5A}"/>
+              </a:ext>
+            </a:extLst>
+          </p:cNvPr>
+          <p:cNvSpPr>
+            <a:spLocks noGrp="1"/>
+          </p:cNvSpPr>
+          <p:nvPr>
+            <p:ph type="title"/>
+          </p:nvPr>
+        </p:nvSpPr>
+        <p:spPr/>
+        <p:txBody>
+          <a:bodyPr/>
+          <a:lstStyle/>
+          <a:p>
+            <a:r>
+              <a:rPr lang="fr-FR" dirty="0"/>
+              <a:t>Moyennes Mobiles</a:t>
+            </a:r>
+            <a:endParaRPr lang="en-US" dirty="0"/>
+          </a:p>
+        </p:txBody>
+      </p:sp>
+      <p:sp>
+        <p:nvSpPr>
+          <p:cNvPr id="3" name="Content Placeholder 2">
+            <a:extLst>
+              <a:ext uri="{FF2B5EF4-FFF2-40B4-BE49-F238E27FC236}">
+                <a16:creationId xmlns:a16="http://schemas.microsoft.com/office/drawing/2014/main" id="{AB5AB4A3-B31E-4B55-97B4-56465F5ACD7B}"/>
+              </a:ext>
+            </a:extLst>
+          </p:cNvPr>
+          <p:cNvSpPr>
+            <a:spLocks noGrp="1"/>
+          </p:cNvSpPr>
+          <p:nvPr>
+            <p:ph idx="1"/>
+          </p:nvPr>
+        </p:nvSpPr>
+        <p:spPr/>
+        <p:txBody>
+          <a:bodyPr/>
+          <a:lstStyle/>
+          <a:p>
+            <a:r>
+              <a:rPr lang="fr-FR" dirty="0"/>
+              <a:t>Moyenne des n dernières valeurs</a:t>
+            </a:r>
+          </a:p>
+          <a:p>
+            <a:pPr lvl="1"/>
+            <a:r>
+              <a:rPr lang="fr-FR" dirty="0"/>
+              <a:t>Moving </a:t>
+            </a:r>
+            <a:r>
+              <a:rPr lang="fr-FR" dirty="0" err="1"/>
+              <a:t>Average</a:t>
+            </a:r>
+            <a:r>
+              <a:rPr lang="fr-FR" dirty="0"/>
+              <a:t> (MM)</a:t>
+            </a:r>
+          </a:p>
+          <a:p>
+            <a:pPr lvl="1"/>
+            <a:r>
+              <a:rPr lang="fr-FR" dirty="0" err="1"/>
+              <a:t>Exponential</a:t>
+            </a:r>
+            <a:r>
+              <a:rPr lang="fr-FR" dirty="0"/>
+              <a:t> Moving </a:t>
+            </a:r>
+            <a:r>
+              <a:rPr lang="fr-FR" dirty="0" err="1"/>
+              <a:t>Average</a:t>
+            </a:r>
+            <a:r>
+              <a:rPr lang="fr-FR" dirty="0"/>
+              <a:t> (EMA) </a:t>
+            </a:r>
+            <a:r>
+              <a:rPr lang="fr-FR" dirty="0">
+                <a:sym typeface="Wingdings" panose="05000000000000000000" pitchFamily="2" charset="2"/>
+              </a:rPr>
+              <a:t> plus de poids aux valeurs récentes</a:t>
+            </a:r>
+            <a:endParaRPr lang="en-US" dirty="0"/>
+          </a:p>
+        </p:txBody>
+      </p:sp>
+    </p:spTree>
+    <p:extLst>
+      <p:ext uri="{BB962C8B-B14F-4D97-AF65-F5344CB8AC3E}">
+        <p14:creationId xmlns:p14="http://schemas.microsoft.com/office/powerpoint/2010/main" val="3732752483"/>
+      </p:ext>
+    </p:extLst>
+  </p:cSld>
+  <p:clrMapOvr>
+    <a:masterClrMapping/>
+  </p:clrMapOvr>
+</p:sld>
+</file>
+
+<file path=ppt/slides/slide25.xml><?xml version="1.0" encoding="utf-8"?>
+<p:sld xmlns:a="http://schemas.openxmlformats.org/drawingml/2006/main" xmlns:r="http://schemas.openxmlformats.org/officeDocument/2006/relationships" xmlns:p="http://schemas.openxmlformats.org/presentationml/2006/main">
+  <p:cSld>
+    <p:spTree>
+      <p:nvGrpSpPr>
+        <p:cNvPr id="1" name=""/>
+        <p:cNvGrpSpPr/>
+        <p:nvPr/>
+      </p:nvGrpSpPr>
+      <p:grpSpPr>
+        <a:xfrm>
+          <a:off x="0" y="0"/>
+          <a:ext cx="0" cy="0"/>
+          <a:chOff x="0" y="0"/>
+          <a:chExt cx="0" cy="0"/>
+        </a:xfrm>
+      </p:grpSpPr>
+      <p:sp>
+        <p:nvSpPr>
+          <p:cNvPr id="2" name="Title 1">
+            <a:extLst>
+              <a:ext uri="{FF2B5EF4-FFF2-40B4-BE49-F238E27FC236}">
+                <a16:creationId xmlns:a16="http://schemas.microsoft.com/office/drawing/2014/main" id="{E04E3372-C95E-44C7-90FA-D8A631A63FED}"/>
+              </a:ext>
+            </a:extLst>
+          </p:cNvPr>
+          <p:cNvSpPr>
+            <a:spLocks noGrp="1"/>
+          </p:cNvSpPr>
+          <p:nvPr>
+            <p:ph type="title"/>
+          </p:nvPr>
+        </p:nvSpPr>
+        <p:spPr/>
+        <p:txBody>
+          <a:bodyPr/>
+          <a:lstStyle/>
+          <a:p>
+            <a:r>
+              <a:rPr lang="fr-FR" dirty="0"/>
+              <a:t>Construction d’un portefeuille</a:t>
+            </a:r>
+            <a:endParaRPr lang="en-US" dirty="0"/>
+          </a:p>
+        </p:txBody>
+      </p:sp>
+      <p:sp>
+        <p:nvSpPr>
+          <p:cNvPr id="3" name="Content Placeholder 2">
+            <a:extLst>
+              <a:ext uri="{FF2B5EF4-FFF2-40B4-BE49-F238E27FC236}">
+                <a16:creationId xmlns:a16="http://schemas.microsoft.com/office/drawing/2014/main" id="{ED9DB76D-9365-425E-A39F-5026367D4CBE}"/>
+              </a:ext>
+            </a:extLst>
+          </p:cNvPr>
+          <p:cNvSpPr>
+            <a:spLocks noGrp="1"/>
+          </p:cNvSpPr>
+          <p:nvPr>
+            <p:ph idx="1"/>
+          </p:nvPr>
+        </p:nvSpPr>
+        <p:spPr/>
+        <p:txBody>
+          <a:bodyPr/>
+          <a:lstStyle/>
+          <a:p>
+            <a:r>
+              <a:rPr lang="fr-FR" dirty="0"/>
+              <a:t>Diversification != All In</a:t>
+            </a:r>
+          </a:p>
+          <a:p>
+            <a:r>
+              <a:rPr lang="fr-FR" dirty="0"/>
+              <a:t>Gestion du risque</a:t>
+            </a:r>
+          </a:p>
+          <a:p>
+            <a:r>
+              <a:rPr lang="en-US" dirty="0" err="1"/>
+              <a:t>Nombre</a:t>
+            </a:r>
+            <a:r>
+              <a:rPr lang="en-US" dirty="0"/>
+              <a:t> de positions</a:t>
+            </a:r>
+          </a:p>
+        </p:txBody>
+      </p:sp>
+    </p:spTree>
+    <p:extLst>
+      <p:ext uri="{BB962C8B-B14F-4D97-AF65-F5344CB8AC3E}">
+        <p14:creationId xmlns:p14="http://schemas.microsoft.com/office/powerpoint/2010/main" val="2373413576"/>
+      </p:ext>
+    </p:extLst>
+  </p:cSld>
+  <p:clrMapOvr>
+    <a:masterClrMapping/>
+  </p:clrMapOvr>
+</p:sld>
+</file>
+
+<file path=ppt/slides/slide26.xml><?xml version="1.0" encoding="utf-8"?>
+<p:sld xmlns:a="http://schemas.openxmlformats.org/drawingml/2006/main" xmlns:r="http://schemas.openxmlformats.org/officeDocument/2006/relationships" xmlns:p="http://schemas.openxmlformats.org/presentationml/2006/main">
+  <p:cSld>
+    <p:spTree>
+      <p:nvGrpSpPr>
+        <p:cNvPr id="1" name=""/>
+        <p:cNvGrpSpPr/>
+        <p:nvPr/>
+      </p:nvGrpSpPr>
+      <p:grpSpPr>
+        <a:xfrm>
+          <a:off x="0" y="0"/>
+          <a:ext cx="0" cy="0"/>
+          <a:chOff x="0" y="0"/>
+          <a:chExt cx="0" cy="0"/>
+        </a:xfrm>
+      </p:grpSpPr>
+      <p:sp>
+        <p:nvSpPr>
           <p:cNvPr id="2" name="Title 1">
             <a:extLst>
               <a:ext uri="{FF2B5EF4-FFF2-40B4-BE49-F238E27FC236}">
@@ -9986,7 +12225,7 @@
 </p:sld>
 </file>
 
-<file path=ppt/slides/slide23.xml><?xml version="1.0" encoding="utf-8"?>
+<file path=ppt/slides/slide27.xml><?xml version="1.0" encoding="utf-8"?>
 <p:sld xmlns:a="http://schemas.openxmlformats.org/drawingml/2006/main" xmlns:r="http://schemas.openxmlformats.org/officeDocument/2006/relationships" xmlns:p="http://schemas.openxmlformats.org/presentationml/2006/main">
   <p:cSld>
     <p:spTree>

--- a/Formation/Formation Bourse_Benoit.pptx
+++ b/Formation/Formation Bourse_Benoit.pptx
@@ -454,7 +454,7 @@
           <a:p>
             <a:fld id="{17B49B2E-EC6C-4037-9ACB-43BC4863C7EA}" type="datetimeFigureOut">
               <a:rPr lang="en-US" smtClean="0"/>
-              <a:t>1/7/2021</a:t>
+              <a:t>1/9/2021</a:t>
             </a:fld>
             <a:endParaRPr lang="en-US"/>
           </a:p>
@@ -652,7 +652,7 @@
           <a:p>
             <a:fld id="{17B49B2E-EC6C-4037-9ACB-43BC4863C7EA}" type="datetimeFigureOut">
               <a:rPr lang="en-US" smtClean="0"/>
-              <a:t>1/7/2021</a:t>
+              <a:t>1/9/2021</a:t>
             </a:fld>
             <a:endParaRPr lang="en-US"/>
           </a:p>
@@ -860,7 +860,7 @@
           <a:p>
             <a:fld id="{17B49B2E-EC6C-4037-9ACB-43BC4863C7EA}" type="datetimeFigureOut">
               <a:rPr lang="en-US" smtClean="0"/>
-              <a:t>1/7/2021</a:t>
+              <a:t>1/9/2021</a:t>
             </a:fld>
             <a:endParaRPr lang="en-US"/>
           </a:p>
@@ -1058,7 +1058,7 @@
           <a:p>
             <a:fld id="{17B49B2E-EC6C-4037-9ACB-43BC4863C7EA}" type="datetimeFigureOut">
               <a:rPr lang="en-US" smtClean="0"/>
-              <a:t>1/7/2021</a:t>
+              <a:t>1/9/2021</a:t>
             </a:fld>
             <a:endParaRPr lang="en-US"/>
           </a:p>
@@ -1333,7 +1333,7 @@
           <a:p>
             <a:fld id="{17B49B2E-EC6C-4037-9ACB-43BC4863C7EA}" type="datetimeFigureOut">
               <a:rPr lang="en-US" smtClean="0"/>
-              <a:t>1/7/2021</a:t>
+              <a:t>1/9/2021</a:t>
             </a:fld>
             <a:endParaRPr lang="en-US"/>
           </a:p>
@@ -1598,7 +1598,7 @@
           <a:p>
             <a:fld id="{17B49B2E-EC6C-4037-9ACB-43BC4863C7EA}" type="datetimeFigureOut">
               <a:rPr lang="en-US" smtClean="0"/>
-              <a:t>1/7/2021</a:t>
+              <a:t>1/9/2021</a:t>
             </a:fld>
             <a:endParaRPr lang="en-US"/>
           </a:p>
@@ -2010,7 +2010,7 @@
           <a:p>
             <a:fld id="{17B49B2E-EC6C-4037-9ACB-43BC4863C7EA}" type="datetimeFigureOut">
               <a:rPr lang="en-US" smtClean="0"/>
-              <a:t>1/7/2021</a:t>
+              <a:t>1/9/2021</a:t>
             </a:fld>
             <a:endParaRPr lang="en-US"/>
           </a:p>
@@ -2151,7 +2151,7 @@
           <a:p>
             <a:fld id="{17B49B2E-EC6C-4037-9ACB-43BC4863C7EA}" type="datetimeFigureOut">
               <a:rPr lang="en-US" smtClean="0"/>
-              <a:t>1/7/2021</a:t>
+              <a:t>1/9/2021</a:t>
             </a:fld>
             <a:endParaRPr lang="en-US"/>
           </a:p>
@@ -2264,7 +2264,7 @@
           <a:p>
             <a:fld id="{17B49B2E-EC6C-4037-9ACB-43BC4863C7EA}" type="datetimeFigureOut">
               <a:rPr lang="en-US" smtClean="0"/>
-              <a:t>1/7/2021</a:t>
+              <a:t>1/9/2021</a:t>
             </a:fld>
             <a:endParaRPr lang="en-US"/>
           </a:p>
@@ -2575,7 +2575,7 @@
           <a:p>
             <a:fld id="{17B49B2E-EC6C-4037-9ACB-43BC4863C7EA}" type="datetimeFigureOut">
               <a:rPr lang="en-US" smtClean="0"/>
-              <a:t>1/7/2021</a:t>
+              <a:t>1/9/2021</a:t>
             </a:fld>
             <a:endParaRPr lang="en-US"/>
           </a:p>
@@ -2863,7 +2863,7 @@
           <a:p>
             <a:fld id="{17B49B2E-EC6C-4037-9ACB-43BC4863C7EA}" type="datetimeFigureOut">
               <a:rPr lang="en-US" smtClean="0"/>
-              <a:t>1/7/2021</a:t>
+              <a:t>1/9/2021</a:t>
             </a:fld>
             <a:endParaRPr lang="en-US"/>
           </a:p>
@@ -3104,7 +3104,7 @@
           <a:p>
             <a:fld id="{17B49B2E-EC6C-4037-9ACB-43BC4863C7EA}" type="datetimeFigureOut">
               <a:rPr lang="en-US" smtClean="0"/>
-              <a:t>1/7/2021</a:t>
+              <a:t>1/9/2021</a:t>
             </a:fld>
             <a:endParaRPr lang="en-US"/>
           </a:p>
@@ -9543,14 +9543,20 @@
         </p:nvSpPr>
         <p:spPr/>
         <p:txBody>
-          <a:bodyPr/>
-          <a:lstStyle/>
-          <a:p>
-            <a:r>
-              <a:rPr lang="fr-FR" dirty="0"/>
+          <a:bodyPr vert="horz" lIns="91440" tIns="45720" rIns="91440" bIns="45720" rtlCol="0" anchor="t">
+            <a:normAutofit/>
+          </a:bodyPr>
+          <a:lstStyle/>
+          <a:p>
+            <a:r>
+              <a:rPr lang="fr-FR" dirty="0">
+                <a:cs typeface="Calibri Light"/>
+              </a:rPr>
               <a:t>Les indicateurs</a:t>
             </a:r>
-            <a:endParaRPr lang="en-US" dirty="0"/>
+            <a:endParaRPr lang="en-US" dirty="0">
+              <a:cs typeface="Calibri Light"/>
+            </a:endParaRPr>
           </a:p>
         </p:txBody>
       </p:sp>
@@ -9798,76 +9804,12 @@
           <a:chExt cx="0" cy="0"/>
         </a:xfrm>
       </p:grpSpPr>
-      <p:sp>
-        <p:nvSpPr>
-          <p:cNvPr id="2" name="Titre 1">
-            <a:extLst>
-              <a:ext uri="{FF2B5EF4-FFF2-40B4-BE49-F238E27FC236}">
-                <a16:creationId xmlns:a16="http://schemas.microsoft.com/office/drawing/2014/main" id="{B7DF19AE-D648-4B40-ADB8-33024CE59765}"/>
-              </a:ext>
-            </a:extLst>
-          </p:cNvPr>
-          <p:cNvSpPr>
-            <a:spLocks noGrp="1"/>
-          </p:cNvSpPr>
-          <p:nvPr>
-            <p:ph type="title"/>
-          </p:nvPr>
-        </p:nvSpPr>
-        <p:spPr/>
-        <p:txBody>
-          <a:bodyPr/>
-          <a:lstStyle/>
-          <a:p>
-            <a:r>
-              <a:rPr lang="fr-FR" dirty="0">
-                <a:cs typeface="Calibri Light"/>
-              </a:rPr>
-              <a:t>ROR – Rate Of Rise (Taux de croissance)</a:t>
-            </a:r>
-            <a:endParaRPr lang="fr-FR" dirty="0"/>
-          </a:p>
-        </p:txBody>
-      </p:sp>
-      <p:sp>
-        <p:nvSpPr>
-          <p:cNvPr id="3" name="Espace réservé du contenu 2">
-            <a:extLst>
-              <a:ext uri="{FF2B5EF4-FFF2-40B4-BE49-F238E27FC236}">
-                <a16:creationId xmlns:a16="http://schemas.microsoft.com/office/drawing/2014/main" id="{7D5898EE-1060-4735-824B-A9FB9A3416A4}"/>
-              </a:ext>
-            </a:extLst>
-          </p:cNvPr>
-          <p:cNvSpPr>
-            <a:spLocks noGrp="1"/>
-          </p:cNvSpPr>
-          <p:nvPr>
-            <p:ph idx="1"/>
-          </p:nvPr>
-        </p:nvSpPr>
-        <p:spPr/>
-        <p:txBody>
-          <a:bodyPr vert="horz" lIns="91440" tIns="45720" rIns="91440" bIns="45720" rtlCol="0" anchor="t">
-            <a:normAutofit/>
-          </a:bodyPr>
-          <a:lstStyle/>
-          <a:p>
-            <a:r>
-              <a:rPr lang="fr-FR" dirty="0">
-                <a:cs typeface="Calibri"/>
-              </a:rPr>
-              <a:t>Mesure la progression entre le plus bas et la dernière valeur</a:t>
-            </a:r>
-            <a:endParaRPr lang="fr-FR" dirty="0"/>
-          </a:p>
-        </p:txBody>
-      </p:sp>
       <p:pic>
         <p:nvPicPr>
-          <p:cNvPr id="5" name="Picture 4">
-            <a:extLst>
-              <a:ext uri="{FF2B5EF4-FFF2-40B4-BE49-F238E27FC236}">
-                <a16:creationId xmlns:a16="http://schemas.microsoft.com/office/drawing/2014/main" id="{B36B8853-C435-439B-976A-9C3E6512BCCF}"/>
+          <p:cNvPr id="6" name="Picture 5">
+            <a:extLst>
+              <a:ext uri="{FF2B5EF4-FFF2-40B4-BE49-F238E27FC236}">
+                <a16:creationId xmlns:a16="http://schemas.microsoft.com/office/drawing/2014/main" id="{41A4541D-7B47-4419-9F8D-429E055ACAF6}"/>
               </a:ext>
             </a:extLst>
           </p:cNvPr>
@@ -9884,14 +9826,78 @@
         </p:blipFill>
         <p:spPr>
           <a:xfrm>
-            <a:off x="487326" y="2329380"/>
-            <a:ext cx="11388284" cy="4163495"/>
+            <a:off x="1072997" y="2432277"/>
+            <a:ext cx="9067800" cy="3752850"/>
           </a:xfrm>
           <a:prstGeom prst="rect">
             <a:avLst/>
           </a:prstGeom>
         </p:spPr>
       </p:pic>
+      <p:sp>
+        <p:nvSpPr>
+          <p:cNvPr id="2" name="Titre 1">
+            <a:extLst>
+              <a:ext uri="{FF2B5EF4-FFF2-40B4-BE49-F238E27FC236}">
+                <a16:creationId xmlns:a16="http://schemas.microsoft.com/office/drawing/2014/main" id="{B7DF19AE-D648-4B40-ADB8-33024CE59765}"/>
+              </a:ext>
+            </a:extLst>
+          </p:cNvPr>
+          <p:cNvSpPr>
+            <a:spLocks noGrp="1"/>
+          </p:cNvSpPr>
+          <p:nvPr>
+            <p:ph type="title"/>
+          </p:nvPr>
+        </p:nvSpPr>
+        <p:spPr/>
+        <p:txBody>
+          <a:bodyPr/>
+          <a:lstStyle/>
+          <a:p>
+            <a:r>
+              <a:rPr lang="fr-FR" dirty="0">
+                <a:cs typeface="Calibri Light"/>
+              </a:rPr>
+              <a:t>ROR – Rate Of Rise (Taux de croissance)</a:t>
+            </a:r>
+            <a:endParaRPr lang="fr-FR" dirty="0"/>
+          </a:p>
+        </p:txBody>
+      </p:sp>
+      <p:sp>
+        <p:nvSpPr>
+          <p:cNvPr id="3" name="Espace réservé du contenu 2">
+            <a:extLst>
+              <a:ext uri="{FF2B5EF4-FFF2-40B4-BE49-F238E27FC236}">
+                <a16:creationId xmlns:a16="http://schemas.microsoft.com/office/drawing/2014/main" id="{7D5898EE-1060-4735-824B-A9FB9A3416A4}"/>
+              </a:ext>
+            </a:extLst>
+          </p:cNvPr>
+          <p:cNvSpPr>
+            <a:spLocks noGrp="1"/>
+          </p:cNvSpPr>
+          <p:nvPr>
+            <p:ph idx="1"/>
+          </p:nvPr>
+        </p:nvSpPr>
+        <p:spPr/>
+        <p:txBody>
+          <a:bodyPr vert="horz" lIns="91440" tIns="45720" rIns="91440" bIns="45720" rtlCol="0" anchor="t">
+            <a:normAutofit/>
+          </a:bodyPr>
+          <a:lstStyle/>
+          <a:p>
+            <a:r>
+              <a:rPr lang="fr-FR" dirty="0">
+                <a:cs typeface="Calibri"/>
+              </a:rPr>
+              <a:t>Mesure la progression entre le plus bas et la dernière valeur</a:t>
+            </a:r>
+            <a:endParaRPr lang="fr-FR" dirty="0"/>
+          </a:p>
+        </p:txBody>
+      </p:sp>
       <p:cxnSp>
         <p:nvCxnSpPr>
           <p:cNvPr id="7" name="Straight Arrow Connector 6">
@@ -9901,13 +9907,15 @@
               </a:ext>
             </a:extLst>
           </p:cNvPr>
-          <p:cNvCxnSpPr/>
+          <p:cNvCxnSpPr>
+            <a:cxnSpLocks/>
+          </p:cNvCxnSpPr>
           <p:nvPr/>
         </p:nvCxnSpPr>
         <p:spPr>
           <a:xfrm flipV="1">
-            <a:off x="7866498" y="3889600"/>
-            <a:ext cx="3115340" cy="1180214"/>
+            <a:off x="6537423" y="3141909"/>
+            <a:ext cx="2955363" cy="1713378"/>
           </a:xfrm>
           <a:prstGeom prst="straightConnector1">
             <a:avLst/>
@@ -9945,7 +9953,7 @@
         </p:nvSpPr>
         <p:spPr>
           <a:xfrm>
-            <a:off x="9424168" y="4411127"/>
+            <a:off x="8015104" y="3939370"/>
             <a:ext cx="583814" cy="369332"/>
           </a:xfrm>
           <a:prstGeom prst="rect">
@@ -9961,7 +9969,7 @@
           <a:p>
             <a:r>
               <a:rPr lang="fr-FR" dirty="0"/>
-              <a:t>25%</a:t>
+              <a:t>45%</a:t>
             </a:r>
             <a:endParaRPr lang="en-US" dirty="0"/>
           </a:p>
@@ -9997,76 +10005,12 @@
           <a:chExt cx="0" cy="0"/>
         </a:xfrm>
       </p:grpSpPr>
-      <p:sp>
-        <p:nvSpPr>
-          <p:cNvPr id="2" name="Titre 1">
-            <a:extLst>
-              <a:ext uri="{FF2B5EF4-FFF2-40B4-BE49-F238E27FC236}">
-                <a16:creationId xmlns:a16="http://schemas.microsoft.com/office/drawing/2014/main" id="{BEE9FB4E-D598-4BFC-93D6-ACC08EF7BED0}"/>
-              </a:ext>
-            </a:extLst>
-          </p:cNvPr>
-          <p:cNvSpPr>
-            <a:spLocks noGrp="1"/>
-          </p:cNvSpPr>
-          <p:nvPr>
-            <p:ph type="title"/>
-          </p:nvPr>
-        </p:nvSpPr>
-        <p:spPr/>
-        <p:txBody>
-          <a:bodyPr/>
-          <a:lstStyle/>
-          <a:p>
-            <a:r>
-              <a:rPr lang="fr-FR" dirty="0" err="1">
-                <a:cs typeface="Calibri Light"/>
-              </a:rPr>
-              <a:t>Highest</a:t>
-            </a:r>
-            <a:endParaRPr lang="fr-FR" dirty="0"/>
-          </a:p>
-        </p:txBody>
-      </p:sp>
-      <p:sp>
-        <p:nvSpPr>
-          <p:cNvPr id="3" name="Espace réservé du contenu 2">
-            <a:extLst>
-              <a:ext uri="{FF2B5EF4-FFF2-40B4-BE49-F238E27FC236}">
-                <a16:creationId xmlns:a16="http://schemas.microsoft.com/office/drawing/2014/main" id="{42945217-D273-41C2-B099-7B3485837378}"/>
-              </a:ext>
-            </a:extLst>
-          </p:cNvPr>
-          <p:cNvSpPr>
-            <a:spLocks noGrp="1"/>
-          </p:cNvSpPr>
-          <p:nvPr>
-            <p:ph idx="1"/>
-          </p:nvPr>
-        </p:nvSpPr>
-        <p:spPr/>
-        <p:txBody>
-          <a:bodyPr vert="horz" lIns="91440" tIns="45720" rIns="91440" bIns="45720" rtlCol="0" anchor="t">
-            <a:normAutofit/>
-          </a:bodyPr>
-          <a:lstStyle/>
-          <a:p>
-            <a:r>
-              <a:rPr lang="fr-FR" dirty="0">
-                <a:cs typeface="Calibri"/>
-              </a:rPr>
-              <a:t>Calcule le nombre de barre dans le passé, dépassées par la barre en cours</a:t>
-            </a:r>
-            <a:endParaRPr lang="fr-FR" dirty="0"/>
-          </a:p>
-        </p:txBody>
-      </p:sp>
       <p:pic>
         <p:nvPicPr>
-          <p:cNvPr id="4" name="Picture 3">
-            <a:extLst>
-              <a:ext uri="{FF2B5EF4-FFF2-40B4-BE49-F238E27FC236}">
-                <a16:creationId xmlns:a16="http://schemas.microsoft.com/office/drawing/2014/main" id="{EAA7C2C2-24A3-4727-9869-2109DE8C525C}"/>
+          <p:cNvPr id="9" name="Picture 8">
+            <a:extLst>
+              <a:ext uri="{FF2B5EF4-FFF2-40B4-BE49-F238E27FC236}">
+                <a16:creationId xmlns:a16="http://schemas.microsoft.com/office/drawing/2014/main" id="{3D18CC15-F393-451D-8C17-9301D92CEA7F}"/>
               </a:ext>
             </a:extLst>
           </p:cNvPr>
@@ -10083,20 +10027,94 @@
         </p:blipFill>
         <p:spPr>
           <a:xfrm>
-            <a:off x="487326" y="2329380"/>
-            <a:ext cx="11388284" cy="4163495"/>
+            <a:off x="2624137" y="2125196"/>
+            <a:ext cx="6943725" cy="3752850"/>
           </a:xfrm>
           <a:prstGeom prst="rect">
             <a:avLst/>
           </a:prstGeom>
         </p:spPr>
       </p:pic>
+      <p:sp>
+        <p:nvSpPr>
+          <p:cNvPr id="2" name="Titre 1">
+            <a:extLst>
+              <a:ext uri="{FF2B5EF4-FFF2-40B4-BE49-F238E27FC236}">
+                <a16:creationId xmlns:a16="http://schemas.microsoft.com/office/drawing/2014/main" id="{BEE9FB4E-D598-4BFC-93D6-ACC08EF7BED0}"/>
+              </a:ext>
+            </a:extLst>
+          </p:cNvPr>
+          <p:cNvSpPr>
+            <a:spLocks noGrp="1"/>
+          </p:cNvSpPr>
+          <p:nvPr>
+            <p:ph type="title"/>
+          </p:nvPr>
+        </p:nvSpPr>
+        <p:spPr>
+          <a:xfrm>
+            <a:off x="838200" y="365125"/>
+            <a:ext cx="10515600" cy="748683"/>
+          </a:xfrm>
+        </p:spPr>
+        <p:txBody>
+          <a:bodyPr anchor="t"/>
+          <a:lstStyle/>
+          <a:p>
+            <a:r>
+              <a:rPr lang="fr-FR" dirty="0" err="1">
+                <a:cs typeface="Calibri Light"/>
+              </a:rPr>
+              <a:t>Highest</a:t>
+            </a:r>
+            <a:endParaRPr lang="fr-FR" dirty="0"/>
+          </a:p>
+        </p:txBody>
+      </p:sp>
+      <p:sp>
+        <p:nvSpPr>
+          <p:cNvPr id="3" name="Espace réservé du contenu 2">
+            <a:extLst>
+              <a:ext uri="{FF2B5EF4-FFF2-40B4-BE49-F238E27FC236}">
+                <a16:creationId xmlns:a16="http://schemas.microsoft.com/office/drawing/2014/main" id="{42945217-D273-41C2-B099-7B3485837378}"/>
+              </a:ext>
+            </a:extLst>
+          </p:cNvPr>
+          <p:cNvSpPr>
+            <a:spLocks noGrp="1"/>
+          </p:cNvSpPr>
+          <p:nvPr>
+            <p:ph idx="1"/>
+          </p:nvPr>
+        </p:nvSpPr>
+        <p:spPr>
+          <a:xfrm>
+            <a:off x="838200" y="1111556"/>
+            <a:ext cx="10515600" cy="785040"/>
+          </a:xfrm>
+        </p:spPr>
+        <p:txBody>
+          <a:bodyPr vert="horz" lIns="91440" tIns="45720" rIns="91440" bIns="45720" rtlCol="0" anchor="t">
+            <a:normAutofit lnSpcReduction="10000"/>
+          </a:bodyPr>
+          <a:lstStyle/>
+          <a:p>
+            <a:r>
+              <a:rPr lang="fr-FR" dirty="0">
+                <a:cs typeface="Calibri"/>
+              </a:rPr>
+              <a:t>Calcule le nombre de barre dans le passé, dépassées par la barre en cours</a:t>
+            </a:r>
+            <a:endParaRPr lang="fr-FR" dirty="0"/>
+          </a:p>
+        </p:txBody>
+      </p:sp>
       <p:cxnSp>
         <p:nvCxnSpPr>
-          <p:cNvPr id="6" name="Straight Arrow Connector 5">
-            <a:extLst>
-              <a:ext uri="{FF2B5EF4-FFF2-40B4-BE49-F238E27FC236}">
-                <a16:creationId xmlns:a16="http://schemas.microsoft.com/office/drawing/2014/main" id="{D539F359-F1E9-4EBF-8C01-72D4AD7C5508}"/>
+          <p:cNvPr id="8" name="Straight Arrow Connector 7">
+            <a:extLst>
+              <a:ext uri="{FF2B5EF4-FFF2-40B4-BE49-F238E27FC236}">
+                <a16:creationId xmlns:a16="http://schemas.microsoft.com/office/drawing/2014/main" id="{94D1475B-F785-4AC9-9093-791BAA598A12}"/>
               </a:ext>
             </a:extLst>
           </p:cNvPr>
@@ -10107,8 +10125,8 @@
         </p:nvCxnSpPr>
         <p:spPr>
           <a:xfrm flipH="1">
-            <a:off x="998621" y="4090738"/>
-            <a:ext cx="1340974" cy="0"/>
+            <a:off x="6606540" y="3417570"/>
+            <a:ext cx="2113656" cy="11430"/>
           </a:xfrm>
           <a:prstGeom prst="straightConnector1">
             <a:avLst/>
@@ -10134,10 +10152,10 @@
       </p:cxnSp>
       <p:sp>
         <p:nvSpPr>
-          <p:cNvPr id="7" name="TextBox 6">
-            <a:extLst>
-              <a:ext uri="{FF2B5EF4-FFF2-40B4-BE49-F238E27FC236}">
-                <a16:creationId xmlns:a16="http://schemas.microsoft.com/office/drawing/2014/main" id="{7C507E46-8A73-4337-B9E1-6450044C5FDD}"/>
+          <p:cNvPr id="10" name="TextBox 9">
+            <a:extLst>
+              <a:ext uri="{FF2B5EF4-FFF2-40B4-BE49-F238E27FC236}">
+                <a16:creationId xmlns:a16="http://schemas.microsoft.com/office/drawing/2014/main" id="{76F2466A-9C75-4745-A222-9FB535EFAC4E}"/>
               </a:ext>
             </a:extLst>
           </p:cNvPr>
@@ -10146,8 +10164,8 @@
         </p:nvSpPr>
         <p:spPr>
           <a:xfrm>
-            <a:off x="1148467" y="3725598"/>
-            <a:ext cx="1186735" cy="369332"/>
+            <a:off x="7170018" y="3024047"/>
+            <a:ext cx="1069716" cy="369332"/>
           </a:xfrm>
           <a:prstGeom prst="rect">
             <a:avLst/>
@@ -10162,7 +10180,7 @@
           <a:p>
             <a:r>
               <a:rPr lang="fr-FR" dirty="0"/>
-              <a:t>150 Barres</a:t>
+              <a:t>25 Barres</a:t>
             </a:r>
             <a:endParaRPr lang="en-US" dirty="0"/>
           </a:p>
@@ -10170,10 +10188,10 @@
       </p:sp>
       <p:cxnSp>
         <p:nvCxnSpPr>
-          <p:cNvPr id="8" name="Straight Arrow Connector 7">
-            <a:extLst>
-              <a:ext uri="{FF2B5EF4-FFF2-40B4-BE49-F238E27FC236}">
-                <a16:creationId xmlns:a16="http://schemas.microsoft.com/office/drawing/2014/main" id="{94D1475B-F785-4AC9-9093-791BAA598A12}"/>
+          <p:cNvPr id="12" name="Straight Arrow Connector 11">
+            <a:extLst>
+              <a:ext uri="{FF2B5EF4-FFF2-40B4-BE49-F238E27FC236}">
+                <a16:creationId xmlns:a16="http://schemas.microsoft.com/office/drawing/2014/main" id="{F8E21D57-1F34-460E-B48A-0E8B31C2D1C4}"/>
               </a:ext>
             </a:extLst>
           </p:cNvPr>
@@ -10184,8 +10202,8 @@
         </p:nvCxnSpPr>
         <p:spPr>
           <a:xfrm flipH="1">
-            <a:off x="5787189" y="3112168"/>
-            <a:ext cx="2521526" cy="0"/>
+            <a:off x="4312118" y="3001187"/>
+            <a:ext cx="1711399" cy="0"/>
           </a:xfrm>
           <a:prstGeom prst="straightConnector1">
             <a:avLst/>
@@ -10211,10 +10229,10 @@
       </p:cxnSp>
       <p:sp>
         <p:nvSpPr>
-          <p:cNvPr id="10" name="TextBox 9">
-            <a:extLst>
-              <a:ext uri="{FF2B5EF4-FFF2-40B4-BE49-F238E27FC236}">
-                <a16:creationId xmlns:a16="http://schemas.microsoft.com/office/drawing/2014/main" id="{76F2466A-9C75-4745-A222-9FB535EFAC4E}"/>
+          <p:cNvPr id="14" name="TextBox 13">
+            <a:extLst>
+              <a:ext uri="{FF2B5EF4-FFF2-40B4-BE49-F238E27FC236}">
+                <a16:creationId xmlns:a16="http://schemas.microsoft.com/office/drawing/2014/main" id="{82A4013A-DA1B-4596-8CF6-61E18E3FE4C8}"/>
               </a:ext>
             </a:extLst>
           </p:cNvPr>
@@ -10223,84 +10241,7 @@
         </p:nvSpPr>
         <p:spPr>
           <a:xfrm>
-            <a:off x="6689557" y="2787670"/>
-            <a:ext cx="1069716" cy="369332"/>
-          </a:xfrm>
-          <a:prstGeom prst="rect">
-            <a:avLst/>
-          </a:prstGeom>
-          <a:noFill/>
-        </p:spPr>
-        <p:txBody>
-          <a:bodyPr wrap="none" rtlCol="0">
-            <a:spAutoFit/>
-          </a:bodyPr>
-          <a:lstStyle/>
-          <a:p>
-            <a:r>
-              <a:rPr lang="fr-FR" dirty="0"/>
-              <a:t>30 Barres</a:t>
-            </a:r>
-            <a:endParaRPr lang="en-US" dirty="0"/>
-          </a:p>
-        </p:txBody>
-      </p:sp>
-      <p:cxnSp>
-        <p:nvCxnSpPr>
-          <p:cNvPr id="12" name="Straight Arrow Connector 11">
-            <a:extLst>
-              <a:ext uri="{FF2B5EF4-FFF2-40B4-BE49-F238E27FC236}">
-                <a16:creationId xmlns:a16="http://schemas.microsoft.com/office/drawing/2014/main" id="{F8E21D57-1F34-460E-B48A-0E8B31C2D1C4}"/>
-              </a:ext>
-            </a:extLst>
-          </p:cNvPr>
-          <p:cNvCxnSpPr>
-            <a:cxnSpLocks/>
-          </p:cNvCxnSpPr>
-          <p:nvPr/>
-        </p:nvCxnSpPr>
-        <p:spPr>
-          <a:xfrm flipH="1">
-            <a:off x="6460958" y="3645385"/>
-            <a:ext cx="1711399" cy="0"/>
-          </a:xfrm>
-          <a:prstGeom prst="straightConnector1">
-            <a:avLst/>
-          </a:prstGeom>
-          <a:ln w="25400">
-            <a:tailEnd type="triangle" w="lg" len="lg"/>
-          </a:ln>
-        </p:spPr>
-        <p:style>
-          <a:lnRef idx="1">
-            <a:schemeClr val="accent1"/>
-          </a:lnRef>
-          <a:fillRef idx="0">
-            <a:schemeClr val="accent1"/>
-          </a:fillRef>
-          <a:effectRef idx="0">
-            <a:schemeClr val="accent1"/>
-          </a:effectRef>
-          <a:fontRef idx="minor">
-            <a:schemeClr val="tx1"/>
-          </a:fontRef>
-        </p:style>
-      </p:cxnSp>
-      <p:sp>
-        <p:nvSpPr>
-          <p:cNvPr id="14" name="TextBox 13">
-            <a:extLst>
-              <a:ext uri="{FF2B5EF4-FFF2-40B4-BE49-F238E27FC236}">
-                <a16:creationId xmlns:a16="http://schemas.microsoft.com/office/drawing/2014/main" id="{82A4013A-DA1B-4596-8CF6-61E18E3FE4C8}"/>
-              </a:ext>
-            </a:extLst>
-          </p:cNvPr>
-          <p:cNvSpPr txBox="1"/>
-          <p:nvPr/>
-        </p:nvSpPr>
-        <p:spPr>
-          <a:xfrm>
-            <a:off x="6689557" y="3287225"/>
+            <a:off x="4540717" y="2643027"/>
             <a:ext cx="1069716" cy="369332"/>
           </a:xfrm>
           <a:prstGeom prst="rect">
@@ -10352,76 +10293,12 @@
           <a:chExt cx="0" cy="0"/>
         </a:xfrm>
       </p:grpSpPr>
-      <p:sp>
-        <p:nvSpPr>
-          <p:cNvPr id="2" name="Titre 1">
-            <a:extLst>
-              <a:ext uri="{FF2B5EF4-FFF2-40B4-BE49-F238E27FC236}">
-                <a16:creationId xmlns:a16="http://schemas.microsoft.com/office/drawing/2014/main" id="{2F1C73A9-4855-46BB-876E-56D16E6D2EF4}"/>
-              </a:ext>
-            </a:extLst>
-          </p:cNvPr>
-          <p:cNvSpPr>
-            <a:spLocks noGrp="1"/>
-          </p:cNvSpPr>
-          <p:nvPr>
-            <p:ph type="title"/>
-          </p:nvPr>
-        </p:nvSpPr>
-        <p:spPr/>
-        <p:txBody>
-          <a:bodyPr/>
-          <a:lstStyle/>
-          <a:p>
-            <a:r>
-              <a:rPr lang="fr-FR" dirty="0">
-                <a:cs typeface="Calibri Light"/>
-              </a:rPr>
-              <a:t>STOKFBODY - Stochastique</a:t>
-            </a:r>
-            <a:endParaRPr lang="fr-FR" dirty="0"/>
-          </a:p>
-        </p:txBody>
-      </p:sp>
-      <p:sp>
-        <p:nvSpPr>
-          <p:cNvPr id="3" name="Espace réservé du contenu 2">
-            <a:extLst>
-              <a:ext uri="{FF2B5EF4-FFF2-40B4-BE49-F238E27FC236}">
-                <a16:creationId xmlns:a16="http://schemas.microsoft.com/office/drawing/2014/main" id="{F41CF238-FAF3-431A-AD60-1FF14429A911}"/>
-              </a:ext>
-            </a:extLst>
-          </p:cNvPr>
-          <p:cNvSpPr>
-            <a:spLocks noGrp="1"/>
-          </p:cNvSpPr>
-          <p:nvPr>
-            <p:ph idx="1"/>
-          </p:nvPr>
-        </p:nvSpPr>
-        <p:spPr/>
-        <p:txBody>
-          <a:bodyPr vert="horz" lIns="91440" tIns="45720" rIns="91440" bIns="45720" rtlCol="0" anchor="t">
-            <a:normAutofit/>
-          </a:bodyPr>
-          <a:lstStyle/>
-          <a:p>
-            <a:r>
-              <a:rPr lang="fr-FR" dirty="0">
-                <a:cs typeface="Calibri"/>
-              </a:rPr>
-              <a:t>Position de la barre en cours par rapport au plus haut et plus bas</a:t>
-            </a:r>
-            <a:endParaRPr lang="fr-FR" dirty="0"/>
-          </a:p>
-        </p:txBody>
-      </p:sp>
       <p:pic>
         <p:nvPicPr>
-          <p:cNvPr id="5" name="Picture 4">
-            <a:extLst>
-              <a:ext uri="{FF2B5EF4-FFF2-40B4-BE49-F238E27FC236}">
-                <a16:creationId xmlns:a16="http://schemas.microsoft.com/office/drawing/2014/main" id="{C3C1FB1E-2FD4-4BA9-898B-E97951A55CB6}"/>
+          <p:cNvPr id="6" name="Picture 5">
+            <a:extLst>
+              <a:ext uri="{FF2B5EF4-FFF2-40B4-BE49-F238E27FC236}">
+                <a16:creationId xmlns:a16="http://schemas.microsoft.com/office/drawing/2014/main" id="{63EFBC19-DD9D-466C-AC3E-82C73ED2FECF}"/>
               </a:ext>
             </a:extLst>
           </p:cNvPr>
@@ -10438,14 +10315,89 @@
         </p:blipFill>
         <p:spPr>
           <a:xfrm>
-            <a:off x="561473" y="2475664"/>
-            <a:ext cx="9629274" cy="3675146"/>
+            <a:off x="1168567" y="2351267"/>
+            <a:ext cx="9353550" cy="3752850"/>
           </a:xfrm>
           <a:prstGeom prst="rect">
             <a:avLst/>
           </a:prstGeom>
         </p:spPr>
       </p:pic>
+      <p:sp>
+        <p:nvSpPr>
+          <p:cNvPr id="2" name="Titre 1">
+            <a:extLst>
+              <a:ext uri="{FF2B5EF4-FFF2-40B4-BE49-F238E27FC236}">
+                <a16:creationId xmlns:a16="http://schemas.microsoft.com/office/drawing/2014/main" id="{2F1C73A9-4855-46BB-876E-56D16E6D2EF4}"/>
+              </a:ext>
+            </a:extLst>
+          </p:cNvPr>
+          <p:cNvSpPr>
+            <a:spLocks noGrp="1"/>
+          </p:cNvSpPr>
+          <p:nvPr>
+            <p:ph type="title"/>
+          </p:nvPr>
+        </p:nvSpPr>
+        <p:spPr>
+          <a:xfrm>
+            <a:off x="838200" y="365126"/>
+            <a:ext cx="10515600" cy="674800"/>
+          </a:xfrm>
+        </p:spPr>
+        <p:txBody>
+          <a:bodyPr vert="horz" lIns="91440" tIns="45720" rIns="91440" bIns="45720" rtlCol="0" anchor="t">
+            <a:normAutofit fontScale="90000"/>
+          </a:bodyPr>
+          <a:lstStyle/>
+          <a:p>
+            <a:r>
+              <a:rPr lang="fr-FR" dirty="0">
+                <a:cs typeface="Calibri Light"/>
+              </a:rPr>
+              <a:t>STOKFBODY - Stochastique</a:t>
+            </a:r>
+          </a:p>
+        </p:txBody>
+      </p:sp>
+      <p:sp>
+        <p:nvSpPr>
+          <p:cNvPr id="3" name="Espace réservé du contenu 2">
+            <a:extLst>
+              <a:ext uri="{FF2B5EF4-FFF2-40B4-BE49-F238E27FC236}">
+                <a16:creationId xmlns:a16="http://schemas.microsoft.com/office/drawing/2014/main" id="{F41CF238-FAF3-431A-AD60-1FF14429A911}"/>
+              </a:ext>
+            </a:extLst>
+          </p:cNvPr>
+          <p:cNvSpPr>
+            <a:spLocks noGrp="1"/>
+          </p:cNvSpPr>
+          <p:nvPr>
+            <p:ph idx="1"/>
+          </p:nvPr>
+        </p:nvSpPr>
+        <p:spPr>
+          <a:xfrm>
+            <a:off x="587542" y="1039926"/>
+            <a:ext cx="10515600" cy="568110"/>
+          </a:xfrm>
+        </p:spPr>
+        <p:txBody>
+          <a:bodyPr vert="horz" lIns="91440" tIns="45720" rIns="91440" bIns="45720" rtlCol="0" anchor="t">
+            <a:normAutofit/>
+          </a:bodyPr>
+          <a:lstStyle/>
+          <a:p>
+            <a:r>
+              <a:rPr lang="fr-FR" dirty="0">
+                <a:cs typeface="Calibri"/>
+              </a:rPr>
+              <a:t>Position de la barre en cours par rapport au plus haut et plus bas</a:t>
+            </a:r>
+            <a:endParaRPr lang="fr-FR" dirty="0"/>
+          </a:p>
+        </p:txBody>
+      </p:sp>
       <p:cxnSp>
         <p:nvCxnSpPr>
           <p:cNvPr id="7" name="Straight Connector 6">
@@ -10462,12 +10414,13 @@
         </p:nvCxnSpPr>
         <p:spPr>
           <a:xfrm>
-            <a:off x="6821905" y="4848727"/>
+            <a:off x="6821905" y="4642987"/>
             <a:ext cx="4030579" cy="0"/>
           </a:xfrm>
           <a:prstGeom prst="line">
             <a:avLst/>
           </a:prstGeom>
+          <a:ln w="19050"/>
         </p:spPr>
         <p:style>
           <a:lnRef idx="1">
@@ -10500,12 +10453,13 @@
         </p:nvCxnSpPr>
         <p:spPr>
           <a:xfrm>
-            <a:off x="7182853" y="2947737"/>
-            <a:ext cx="3669631" cy="0"/>
+            <a:off x="6821905" y="2822007"/>
+            <a:ext cx="4030579" cy="0"/>
           </a:xfrm>
           <a:prstGeom prst="line">
             <a:avLst/>
           </a:prstGeom>
+          <a:ln w="19050"/>
         </p:spPr>
         <p:style>
           <a:lnRef idx="1">
@@ -10536,8 +10490,8 @@
         </p:nvSpPr>
         <p:spPr>
           <a:xfrm>
-            <a:off x="11068734" y="2763071"/>
-            <a:ext cx="535724" cy="369332"/>
+            <a:off x="11068734" y="2637341"/>
+            <a:ext cx="753732" cy="369332"/>
           </a:xfrm>
           <a:prstGeom prst="rect">
             <a:avLst/>
@@ -10552,7 +10506,7 @@
           <a:p>
             <a:r>
               <a:rPr lang="fr-FR" dirty="0"/>
-              <a:t>100</a:t>
+              <a:t>100 %</a:t>
             </a:r>
             <a:endParaRPr lang="en-US" dirty="0"/>
           </a:p>
@@ -10572,8 +10526,8 @@
         </p:nvSpPr>
         <p:spPr>
           <a:xfrm>
-            <a:off x="11094803" y="4664061"/>
-            <a:ext cx="301686" cy="369332"/>
+            <a:off x="11094803" y="4458321"/>
+            <a:ext cx="519694" cy="369332"/>
           </a:xfrm>
           <a:prstGeom prst="rect">
             <a:avLst/>
@@ -10588,7 +10542,7 @@
           <a:p>
             <a:r>
               <a:rPr lang="fr-FR" dirty="0"/>
-              <a:t>0</a:t>
+              <a:t>0 %</a:t>
             </a:r>
             <a:endParaRPr lang="en-US" dirty="0"/>
           </a:p>
@@ -10610,12 +10564,13 @@
         </p:nvCxnSpPr>
         <p:spPr>
           <a:xfrm>
-            <a:off x="9444789" y="3693695"/>
+            <a:off x="9444789" y="3316505"/>
             <a:ext cx="1407695" cy="0"/>
           </a:xfrm>
           <a:prstGeom prst="line">
             <a:avLst/>
           </a:prstGeom>
+          <a:ln w="19050"/>
         </p:spPr>
         <p:style>
           <a:lnRef idx="1">
@@ -10646,8 +10601,8 @@
         </p:nvSpPr>
         <p:spPr>
           <a:xfrm>
-            <a:off x="11068734" y="3509029"/>
-            <a:ext cx="418704" cy="369332"/>
+            <a:off x="11068734" y="3131839"/>
+            <a:ext cx="928459" cy="369332"/>
           </a:xfrm>
           <a:prstGeom prst="rect">
             <a:avLst/>
@@ -10662,7 +10617,7 @@
           <a:p>
             <a:r>
               <a:rPr lang="fr-FR" dirty="0"/>
-              <a:t>65</a:t>
+              <a:t>73,58 %</a:t>
             </a:r>
             <a:endParaRPr lang="en-US" dirty="0"/>
           </a:p>
@@ -10677,18 +10632,20 @@
               </a:ext>
             </a:extLst>
           </p:cNvPr>
-          <p:cNvCxnSpPr/>
+          <p:cNvCxnSpPr>
+            <a:cxnSpLocks/>
+          </p:cNvCxnSpPr>
           <p:nvPr/>
         </p:nvCxnSpPr>
         <p:spPr>
           <a:xfrm>
-            <a:off x="10563726" y="2947737"/>
-            <a:ext cx="0" cy="745958"/>
+            <a:off x="10723746" y="2822007"/>
+            <a:ext cx="0" cy="494498"/>
           </a:xfrm>
           <a:prstGeom prst="straightConnector1">
             <a:avLst/>
           </a:prstGeom>
-          <a:ln>
+          <a:ln w="19050">
             <a:headEnd type="triangle"/>
             <a:tailEnd type="triangle"/>
           </a:ln>
@@ -10724,13 +10681,13 @@
         </p:nvCxnSpPr>
         <p:spPr>
           <a:xfrm>
-            <a:off x="10563726" y="3652378"/>
-            <a:ext cx="0" cy="1196349"/>
+            <a:off x="10723746" y="3316505"/>
+            <a:ext cx="0" cy="1326482"/>
           </a:xfrm>
           <a:prstGeom prst="straightConnector1">
             <a:avLst/>
           </a:prstGeom>
-          <a:ln>
+          <a:ln w="19050">
             <a:headEnd type="triangle"/>
             <a:tailEnd type="triangle"/>
           </a:ln>
@@ -11888,16 +11845,27 @@
             <p:ph type="title"/>
           </p:nvPr>
         </p:nvSpPr>
-        <p:spPr/>
-        <p:txBody>
-          <a:bodyPr/>
-          <a:lstStyle/>
-          <a:p>
-            <a:r>
-              <a:rPr lang="fr-FR" dirty="0"/>
+        <p:spPr>
+          <a:xfrm>
+            <a:off x="838200" y="365125"/>
+            <a:ext cx="10515600" cy="823595"/>
+          </a:xfrm>
+        </p:spPr>
+        <p:txBody>
+          <a:bodyPr vert="horz" lIns="91440" tIns="45720" rIns="91440" bIns="45720" rtlCol="0" anchor="t">
+            <a:normAutofit/>
+          </a:bodyPr>
+          <a:lstStyle/>
+          <a:p>
+            <a:r>
+              <a:rPr lang="fr-FR" dirty="0">
+                <a:cs typeface="Calibri Light"/>
+              </a:rPr>
               <a:t>Moyennes Mobiles</a:t>
             </a:r>
-            <a:endParaRPr lang="en-US" dirty="0"/>
+            <a:endParaRPr lang="en-US" dirty="0">
+              <a:cs typeface="Calibri Light"/>
+            </a:endParaRPr>
           </a:p>
         </p:txBody>
       </p:sp>
@@ -11917,7 +11885,12 @@
             <p:ph idx="1"/>
           </p:nvPr>
         </p:nvSpPr>
-        <p:spPr/>
+        <p:spPr>
+          <a:xfrm>
+            <a:off x="838200" y="1253331"/>
+            <a:ext cx="10515600" cy="1352709"/>
+          </a:xfrm>
+        </p:spPr>
         <p:txBody>
           <a:bodyPr/>
           <a:lstStyle/>
@@ -11970,6 +11943,36 @@
           </a:p>
         </p:txBody>
       </p:sp>
+      <p:pic>
+        <p:nvPicPr>
+          <p:cNvPr id="5" name="Picture 4">
+            <a:extLst>
+              <a:ext uri="{FF2B5EF4-FFF2-40B4-BE49-F238E27FC236}">
+                <a16:creationId xmlns:a16="http://schemas.microsoft.com/office/drawing/2014/main" id="{8966AECE-0DF3-4B81-8C98-33861B6AD3E7}"/>
+              </a:ext>
+            </a:extLst>
+          </p:cNvPr>
+          <p:cNvPicPr>
+            <a:picLocks noChangeAspect="1"/>
+          </p:cNvPicPr>
+          <p:nvPr/>
+        </p:nvPicPr>
+        <p:blipFill>
+          <a:blip r:embed="rId2"/>
+          <a:stretch>
+            <a:fillRect/>
+          </a:stretch>
+        </p:blipFill>
+        <p:spPr>
+          <a:xfrm>
+            <a:off x="1451610" y="2794476"/>
+            <a:ext cx="8991600" cy="3190875"/>
+          </a:xfrm>
+          <a:prstGeom prst="rect">
+            <a:avLst/>
+          </a:prstGeom>
+        </p:spPr>
+      </p:pic>
     </p:spTree>
     <p:extLst>
       <p:ext uri="{BB962C8B-B14F-4D97-AF65-F5344CB8AC3E}">
@@ -12207,6 +12210,259 @@
                 <a:sym typeface="Wingdings" panose="05000000000000000000" pitchFamily="2" charset="2"/>
               </a:rPr>
               <a:t>égo</a:t>
+            </a:r>
+            <a:r>
+              <a:rPr lang="en-US" dirty="0">
+                <a:sym typeface="Wingdings" panose="05000000000000000000" pitchFamily="2" charset="2"/>
+              </a:rPr>
+              <a:t>, </a:t>
+            </a:r>
+            <a:r>
+              <a:rPr lang="en-US" dirty="0" err="1">
+                <a:sym typeface="Wingdings" panose="05000000000000000000" pitchFamily="2" charset="2"/>
+              </a:rPr>
+              <a:t>si</a:t>
+            </a:r>
+            <a:r>
+              <a:rPr lang="en-US" dirty="0">
+                <a:sym typeface="Wingdings" panose="05000000000000000000" pitchFamily="2" charset="2"/>
+              </a:rPr>
+              <a:t> </a:t>
+            </a:r>
+            <a:r>
+              <a:rPr lang="en-US" dirty="0" err="1">
+                <a:sym typeface="Wingdings" panose="05000000000000000000" pitchFamily="2" charset="2"/>
+              </a:rPr>
+              <a:t>l’action</a:t>
+            </a:r>
+            <a:r>
+              <a:rPr lang="en-US" dirty="0">
+                <a:sym typeface="Wingdings" panose="05000000000000000000" pitchFamily="2" charset="2"/>
+              </a:rPr>
+              <a:t> </a:t>
+            </a:r>
+            <a:r>
+              <a:rPr lang="en-US" dirty="0" err="1">
+                <a:sym typeface="Wingdings" panose="05000000000000000000" pitchFamily="2" charset="2"/>
+              </a:rPr>
+              <a:t>baisse</a:t>
+            </a:r>
+            <a:r>
+              <a:rPr lang="en-US" dirty="0">
+                <a:sym typeface="Wingdings" panose="05000000000000000000" pitchFamily="2" charset="2"/>
+              </a:rPr>
+              <a:t>, </a:t>
+            </a:r>
+            <a:r>
+              <a:rPr lang="en-US" dirty="0" err="1">
+                <a:sym typeface="Wingdings" panose="05000000000000000000" pitchFamily="2" charset="2"/>
+              </a:rPr>
+              <a:t>c’est</a:t>
+            </a:r>
+            <a:r>
+              <a:rPr lang="en-US" dirty="0">
+                <a:sym typeface="Wingdings" panose="05000000000000000000" pitchFamily="2" charset="2"/>
+              </a:rPr>
+              <a:t> </a:t>
+            </a:r>
+            <a:r>
+              <a:rPr lang="en-US" dirty="0" err="1">
+                <a:sym typeface="Wingdings" panose="05000000000000000000" pitchFamily="2" charset="2"/>
+              </a:rPr>
+              <a:t>qu’on</a:t>
+            </a:r>
+            <a:r>
+              <a:rPr lang="en-US" dirty="0">
+                <a:sym typeface="Wingdings" panose="05000000000000000000" pitchFamily="2" charset="2"/>
+              </a:rPr>
+              <a:t> </a:t>
+            </a:r>
+            <a:r>
+              <a:rPr lang="en-US" dirty="0" err="1">
+                <a:sym typeface="Wingdings" panose="05000000000000000000" pitchFamily="2" charset="2"/>
+              </a:rPr>
+              <a:t>s’es</a:t>
+            </a:r>
+            <a:r>
+              <a:rPr lang="en-US" dirty="0">
+                <a:sym typeface="Wingdings" panose="05000000000000000000" pitchFamily="2" charset="2"/>
+              </a:rPr>
+              <a:t> </a:t>
+            </a:r>
+            <a:r>
+              <a:rPr lang="en-US" dirty="0" err="1">
+                <a:sym typeface="Wingdings" panose="05000000000000000000" pitchFamily="2" charset="2"/>
+              </a:rPr>
+              <a:t>trompé</a:t>
+            </a:r>
+            <a:r>
+              <a:rPr lang="en-US" dirty="0">
+                <a:sym typeface="Wingdings" panose="05000000000000000000" pitchFamily="2" charset="2"/>
+              </a:rPr>
+              <a:t>, il faut </a:t>
+            </a:r>
+            <a:r>
+              <a:rPr lang="en-US" dirty="0" err="1">
+                <a:sym typeface="Wingdings" panose="05000000000000000000" pitchFamily="2" charset="2"/>
+              </a:rPr>
+              <a:t>vendre</a:t>
+            </a:r>
+            <a:r>
+              <a:rPr lang="en-US" dirty="0">
+                <a:sym typeface="Wingdings" panose="05000000000000000000" pitchFamily="2" charset="2"/>
+              </a:rPr>
+              <a:t>.</a:t>
+            </a:r>
+          </a:p>
+          <a:p>
+            <a:pPr marL="457200" lvl="1" indent="0">
+              <a:buNone/>
+            </a:pPr>
+            <a:endParaRPr lang="en-US" dirty="0">
+              <a:sym typeface="Wingdings" panose="05000000000000000000" pitchFamily="2" charset="2"/>
+            </a:endParaRPr>
+          </a:p>
+          <a:p>
+            <a:pPr marL="457200" lvl="1" indent="0">
+              <a:buNone/>
+            </a:pPr>
+            <a:r>
+              <a:rPr lang="en-US" dirty="0">
+                <a:sym typeface="Wingdings" panose="05000000000000000000" pitchFamily="2" charset="2"/>
+              </a:rPr>
+              <a:t>On </a:t>
+            </a:r>
+            <a:r>
+              <a:rPr lang="en-US" dirty="0" err="1">
+                <a:sym typeface="Wingdings" panose="05000000000000000000" pitchFamily="2" charset="2"/>
+              </a:rPr>
+              <a:t>gagne</a:t>
+            </a:r>
+            <a:r>
+              <a:rPr lang="en-US" dirty="0">
+                <a:sym typeface="Wingdings" panose="05000000000000000000" pitchFamily="2" charset="2"/>
+              </a:rPr>
+              <a:t> de </a:t>
+            </a:r>
+            <a:r>
+              <a:rPr lang="en-US" dirty="0" err="1">
+                <a:sym typeface="Wingdings" panose="05000000000000000000" pitchFamily="2" charset="2"/>
+              </a:rPr>
+              <a:t>l’argent</a:t>
+            </a:r>
+            <a:r>
+              <a:rPr lang="en-US" dirty="0">
+                <a:sym typeface="Wingdings" panose="05000000000000000000" pitchFamily="2" charset="2"/>
+              </a:rPr>
+              <a:t> </a:t>
+            </a:r>
+            <a:r>
+              <a:rPr lang="en-US" dirty="0" err="1">
+                <a:sym typeface="Wingdings" panose="05000000000000000000" pitchFamily="2" charset="2"/>
+              </a:rPr>
+              <a:t>en</a:t>
+            </a:r>
+            <a:r>
+              <a:rPr lang="en-US" dirty="0">
+                <a:sym typeface="Wingdings" panose="05000000000000000000" pitchFamily="2" charset="2"/>
+              </a:rPr>
+              <a:t> se </a:t>
+            </a:r>
+            <a:r>
+              <a:rPr lang="en-US" dirty="0" err="1">
+                <a:sym typeface="Wingdings" panose="05000000000000000000" pitchFamily="2" charset="2"/>
+              </a:rPr>
+              <a:t>trompant</a:t>
+            </a:r>
+            <a:r>
+              <a:rPr lang="en-US" dirty="0">
+                <a:sym typeface="Wingdings" panose="05000000000000000000" pitchFamily="2" charset="2"/>
+              </a:rPr>
+              <a:t> </a:t>
+            </a:r>
+            <a:r>
+              <a:rPr lang="en-US" dirty="0" err="1">
+                <a:sym typeface="Wingdings" panose="05000000000000000000" pitchFamily="2" charset="2"/>
+              </a:rPr>
+              <a:t>souvent</a:t>
+            </a:r>
+            <a:r>
+              <a:rPr lang="en-US" dirty="0">
+                <a:sym typeface="Wingdings" panose="05000000000000000000" pitchFamily="2" charset="2"/>
+              </a:rPr>
+              <a:t>, il </a:t>
+            </a:r>
+            <a:r>
+              <a:rPr lang="en-US" dirty="0" err="1">
+                <a:sym typeface="Wingdings" panose="05000000000000000000" pitchFamily="2" charset="2"/>
+              </a:rPr>
+              <a:t>suffit</a:t>
+            </a:r>
+            <a:r>
+              <a:rPr lang="en-US" dirty="0">
+                <a:sym typeface="Wingdings" panose="05000000000000000000" pitchFamily="2" charset="2"/>
+              </a:rPr>
+              <a:t> de </a:t>
+            </a:r>
+            <a:r>
+              <a:rPr lang="en-US" dirty="0" err="1">
+                <a:sym typeface="Wingdings" panose="05000000000000000000" pitchFamily="2" charset="2"/>
+              </a:rPr>
+              <a:t>gagner</a:t>
+            </a:r>
+            <a:r>
+              <a:rPr lang="en-US" dirty="0">
+                <a:sym typeface="Wingdings" panose="05000000000000000000" pitchFamily="2" charset="2"/>
+              </a:rPr>
+              <a:t> beaucoup </a:t>
+            </a:r>
+            <a:r>
+              <a:rPr lang="en-US" dirty="0" err="1">
+                <a:sym typeface="Wingdings" panose="05000000000000000000" pitchFamily="2" charset="2"/>
+              </a:rPr>
+              <a:t>quand</a:t>
+            </a:r>
+            <a:r>
+              <a:rPr lang="en-US" dirty="0">
+                <a:sym typeface="Wingdings" panose="05000000000000000000" pitchFamily="2" charset="2"/>
+              </a:rPr>
+              <a:t> on a raison, et </a:t>
+            </a:r>
+            <a:r>
+              <a:rPr lang="en-US" dirty="0" err="1">
+                <a:sym typeface="Wingdings" panose="05000000000000000000" pitchFamily="2" charset="2"/>
+              </a:rPr>
+              <a:t>perdre</a:t>
+            </a:r>
+            <a:r>
+              <a:rPr lang="en-US" dirty="0">
+                <a:sym typeface="Wingdings" panose="05000000000000000000" pitchFamily="2" charset="2"/>
+              </a:rPr>
+              <a:t> </a:t>
+            </a:r>
+            <a:r>
+              <a:rPr lang="en-US" dirty="0" err="1">
+                <a:sym typeface="Wingdings" panose="05000000000000000000" pitchFamily="2" charset="2"/>
+              </a:rPr>
+              <a:t>peu</a:t>
+            </a:r>
+            <a:r>
+              <a:rPr lang="en-US" dirty="0">
+                <a:sym typeface="Wingdings" panose="05000000000000000000" pitchFamily="2" charset="2"/>
+              </a:rPr>
+              <a:t> </a:t>
+            </a:r>
+            <a:r>
+              <a:rPr lang="en-US" dirty="0" err="1">
+                <a:sym typeface="Wingdings" panose="05000000000000000000" pitchFamily="2" charset="2"/>
+              </a:rPr>
+              <a:t>quand</a:t>
+            </a:r>
+            <a:r>
+              <a:rPr lang="en-US" dirty="0">
+                <a:sym typeface="Wingdings" panose="05000000000000000000" pitchFamily="2" charset="2"/>
+              </a:rPr>
+              <a:t> on a tort.</a:t>
             </a:r>
             <a:endParaRPr lang="en-US" dirty="0"/>
           </a:p>

--- a/Formation/Formation Bourse_Benoit.pptx
+++ b/Formation/Formation Bourse_Benoit.pptx
@@ -30,8 +30,11 @@
     <p:sldId id="291" r:id="rId24"/>
     <p:sldId id="273" r:id="rId25"/>
     <p:sldId id="265" r:id="rId26"/>
-    <p:sldId id="262" r:id="rId27"/>
-    <p:sldId id="286" r:id="rId28"/>
+    <p:sldId id="292" r:id="rId27"/>
+    <p:sldId id="293" r:id="rId28"/>
+    <p:sldId id="294" r:id="rId29"/>
+    <p:sldId id="262" r:id="rId30"/>
+    <p:sldId id="286" r:id="rId31"/>
   </p:sldIdLst>
   <p:sldSz cx="12192000" cy="6858000"/>
   <p:notesSz cx="6858000" cy="9144000"/>
@@ -164,6 +167,9 @@
             <p14:sldId id="291"/>
             <p14:sldId id="273"/>
             <p14:sldId id="265"/>
+            <p14:sldId id="292"/>
+            <p14:sldId id="293"/>
+            <p14:sldId id="294"/>
             <p14:sldId id="262"/>
             <p14:sldId id="286"/>
           </p14:sldIdLst>
@@ -454,7 +460,7 @@
           <a:p>
             <a:fld id="{17B49B2E-EC6C-4037-9ACB-43BC4863C7EA}" type="datetimeFigureOut">
               <a:rPr lang="en-US" smtClean="0"/>
-              <a:t>1/9/2021</a:t>
+              <a:t>11/15/2021</a:t>
             </a:fld>
             <a:endParaRPr lang="en-US"/>
           </a:p>
@@ -652,7 +658,7 @@
           <a:p>
             <a:fld id="{17B49B2E-EC6C-4037-9ACB-43BC4863C7EA}" type="datetimeFigureOut">
               <a:rPr lang="en-US" smtClean="0"/>
-              <a:t>1/9/2021</a:t>
+              <a:t>11/15/2021</a:t>
             </a:fld>
             <a:endParaRPr lang="en-US"/>
           </a:p>
@@ -860,7 +866,7 @@
           <a:p>
             <a:fld id="{17B49B2E-EC6C-4037-9ACB-43BC4863C7EA}" type="datetimeFigureOut">
               <a:rPr lang="en-US" smtClean="0"/>
-              <a:t>1/9/2021</a:t>
+              <a:t>11/15/2021</a:t>
             </a:fld>
             <a:endParaRPr lang="en-US"/>
           </a:p>
@@ -1058,7 +1064,7 @@
           <a:p>
             <a:fld id="{17B49B2E-EC6C-4037-9ACB-43BC4863C7EA}" type="datetimeFigureOut">
               <a:rPr lang="en-US" smtClean="0"/>
-              <a:t>1/9/2021</a:t>
+              <a:t>11/15/2021</a:t>
             </a:fld>
             <a:endParaRPr lang="en-US"/>
           </a:p>
@@ -1333,7 +1339,7 @@
           <a:p>
             <a:fld id="{17B49B2E-EC6C-4037-9ACB-43BC4863C7EA}" type="datetimeFigureOut">
               <a:rPr lang="en-US" smtClean="0"/>
-              <a:t>1/9/2021</a:t>
+              <a:t>11/15/2021</a:t>
             </a:fld>
             <a:endParaRPr lang="en-US"/>
           </a:p>
@@ -1598,7 +1604,7 @@
           <a:p>
             <a:fld id="{17B49B2E-EC6C-4037-9ACB-43BC4863C7EA}" type="datetimeFigureOut">
               <a:rPr lang="en-US" smtClean="0"/>
-              <a:t>1/9/2021</a:t>
+              <a:t>11/15/2021</a:t>
             </a:fld>
             <a:endParaRPr lang="en-US"/>
           </a:p>
@@ -2010,7 +2016,7 @@
           <a:p>
             <a:fld id="{17B49B2E-EC6C-4037-9ACB-43BC4863C7EA}" type="datetimeFigureOut">
               <a:rPr lang="en-US" smtClean="0"/>
-              <a:t>1/9/2021</a:t>
+              <a:t>11/15/2021</a:t>
             </a:fld>
             <a:endParaRPr lang="en-US"/>
           </a:p>
@@ -2151,7 +2157,7 @@
           <a:p>
             <a:fld id="{17B49B2E-EC6C-4037-9ACB-43BC4863C7EA}" type="datetimeFigureOut">
               <a:rPr lang="en-US" smtClean="0"/>
-              <a:t>1/9/2021</a:t>
+              <a:t>11/15/2021</a:t>
             </a:fld>
             <a:endParaRPr lang="en-US"/>
           </a:p>
@@ -2264,7 +2270,7 @@
           <a:p>
             <a:fld id="{17B49B2E-EC6C-4037-9ACB-43BC4863C7EA}" type="datetimeFigureOut">
               <a:rPr lang="en-US" smtClean="0"/>
-              <a:t>1/9/2021</a:t>
+              <a:t>11/15/2021</a:t>
             </a:fld>
             <a:endParaRPr lang="en-US"/>
           </a:p>
@@ -2575,7 +2581,7 @@
           <a:p>
             <a:fld id="{17B49B2E-EC6C-4037-9ACB-43BC4863C7EA}" type="datetimeFigureOut">
               <a:rPr lang="en-US" smtClean="0"/>
-              <a:t>1/9/2021</a:t>
+              <a:t>11/15/2021</a:t>
             </a:fld>
             <a:endParaRPr lang="en-US"/>
           </a:p>
@@ -2863,7 +2869,7 @@
           <a:p>
             <a:fld id="{17B49B2E-EC6C-4037-9ACB-43BC4863C7EA}" type="datetimeFigureOut">
               <a:rPr lang="en-US" smtClean="0"/>
-              <a:t>1/9/2021</a:t>
+              <a:t>11/15/2021</a:t>
             </a:fld>
             <a:endParaRPr lang="en-US"/>
           </a:p>
@@ -3104,7 +3110,7 @@
           <a:p>
             <a:fld id="{17B49B2E-EC6C-4037-9ACB-43BC4863C7EA}" type="datetimeFigureOut">
               <a:rPr lang="en-US" smtClean="0"/>
-              <a:t>1/9/2021</a:t>
+              <a:t>11/15/2021</a:t>
             </a:fld>
             <a:endParaRPr lang="en-US"/>
           </a:p>
@@ -3837,7 +3843,7 @@
           <p:nvPr/>
         </p:nvPicPr>
         <p:blipFill>
-          <a:blip r:embed="rId2"/>
+          <a:blip r:embed="rId3"/>
           <a:stretch>
             <a:fillRect/>
           </a:stretch>
@@ -3880,12 +3886,12 @@
           <a:graphicData uri="http://schemas.openxmlformats.org/presentationml/2006/ole">
             <mc:AlternateContent xmlns:mc="http://schemas.openxmlformats.org/markup-compatibility/2006">
               <mc:Choice xmlns:v="urn:schemas-microsoft-com:vml" Requires="v">
-                <p:oleObj name="Worksheet" showAsIcon="1" r:id="rId3" imgW="381000" imgH="771525" progId="Excel.Sheet.12">
+                <p:oleObj spid="_x0000_s2052" name="Worksheet" showAsIcon="1" r:id="rId4" imgW="381000" imgH="771525" progId="Excel.Sheet.12">
                   <p:embed/>
                 </p:oleObj>
               </mc:Choice>
               <mc:Fallback>
-                <p:oleObj name="Worksheet" showAsIcon="1" r:id="rId3" imgW="381000" imgH="771525" progId="Excel.Sheet.12">
+                <p:oleObj name="Worksheet" showAsIcon="1" r:id="rId4" imgW="381000" imgH="771525" progId="Excel.Sheet.12">
                   <p:embed/>
                   <p:pic>
                     <p:nvPicPr>
@@ -3894,7 +3900,7 @@
                       <p:nvPr/>
                     </p:nvPicPr>
                     <p:blipFill>
-                      <a:blip r:embed="rId4"/>
+                      <a:blip r:embed="rId5"/>
                       <a:stretch>
                         <a:fillRect/>
                       </a:stretch>
@@ -12111,7 +12117,7 @@
           <p:cNvPr id="2" name="Title 1">
             <a:extLst>
               <a:ext uri="{FF2B5EF4-FFF2-40B4-BE49-F238E27FC236}">
-                <a16:creationId xmlns:a16="http://schemas.microsoft.com/office/drawing/2014/main" id="{8799B785-EEBE-49C4-AB80-AC77F7A85E20}"/>
+                <a16:creationId xmlns:a16="http://schemas.microsoft.com/office/drawing/2014/main" id="{6339F4CA-1ECF-479A-B9E8-8E9861B02B30}"/>
               </a:ext>
             </a:extLst>
           </p:cNvPr>
@@ -12122,347 +12128,325 @@
             <p:ph type="title"/>
           </p:nvPr>
         </p:nvSpPr>
-        <p:spPr/>
+        <p:spPr>
+          <a:xfrm>
+            <a:off x="838200" y="74428"/>
+            <a:ext cx="10515600" cy="1325563"/>
+          </a:xfrm>
+        </p:spPr>
         <p:txBody>
           <a:bodyPr/>
           <a:lstStyle/>
           <a:p>
             <a:r>
               <a:rPr lang="fr-FR" dirty="0"/>
-              <a:t>Psychologie</a:t>
+              <a:t>Probabilité de gains et rapport gain risque</a:t>
             </a:r>
             <a:endParaRPr lang="en-US" dirty="0"/>
           </a:p>
         </p:txBody>
       </p:sp>
-      <p:sp>
-        <p:nvSpPr>
-          <p:cNvPr id="3" name="Content Placeholder 2">
-            <a:extLst>
-              <a:ext uri="{FF2B5EF4-FFF2-40B4-BE49-F238E27FC236}">
-                <a16:creationId xmlns:a16="http://schemas.microsoft.com/office/drawing/2014/main" id="{EDA62261-4CE3-4393-9DEA-A5C83C80C12E}"/>
-              </a:ext>
-            </a:extLst>
-          </p:cNvPr>
-          <p:cNvSpPr>
-            <a:spLocks noGrp="1"/>
-          </p:cNvSpPr>
+      <p:pic>
+        <p:nvPicPr>
+          <p:cNvPr id="11" name="Content Placeholder 10">
+            <a:extLst>
+              <a:ext uri="{FF2B5EF4-FFF2-40B4-BE49-F238E27FC236}">
+                <a16:creationId xmlns:a16="http://schemas.microsoft.com/office/drawing/2014/main" id="{7F61044F-DC27-48CB-AA3F-D0C5E56E8745}"/>
+              </a:ext>
+            </a:extLst>
+          </p:cNvPr>
+          <p:cNvPicPr>
+            <a:picLocks noGrp="1" noChangeAspect="1"/>
+          </p:cNvPicPr>
           <p:nvPr>
             <p:ph idx="1"/>
           </p:nvPr>
-        </p:nvSpPr>
-        <p:spPr/>
-        <p:txBody>
-          <a:bodyPr/>
-          <a:lstStyle/>
-          <a:p>
+        </p:nvPicPr>
+        <p:blipFill>
+          <a:blip r:embed="rId2"/>
+          <a:stretch>
+            <a:fillRect/>
+          </a:stretch>
+        </p:blipFill>
+        <p:spPr>
+          <a:xfrm>
+            <a:off x="6181060" y="1215537"/>
+            <a:ext cx="5730949" cy="5461709"/>
+          </a:xfrm>
+          <a:prstGeom prst="rect">
+            <a:avLst/>
+          </a:prstGeom>
+        </p:spPr>
+      </p:pic>
+      <p:sp>
+        <p:nvSpPr>
+          <p:cNvPr id="12" name="TextBox 11">
+            <a:extLst>
+              <a:ext uri="{FF2B5EF4-FFF2-40B4-BE49-F238E27FC236}">
+                <a16:creationId xmlns:a16="http://schemas.microsoft.com/office/drawing/2014/main" id="{3E635542-391B-4A63-AC8A-815B7381CD5A}"/>
+              </a:ext>
+            </a:extLst>
+          </p:cNvPr>
+          <p:cNvSpPr txBox="1"/>
+          <p:nvPr/>
+        </p:nvSpPr>
+        <p:spPr>
+          <a:xfrm>
+            <a:off x="468630" y="1215537"/>
+            <a:ext cx="5542311" cy="2862322"/>
+          </a:xfrm>
+          <a:prstGeom prst="rect">
+            <a:avLst/>
+          </a:prstGeom>
+          <a:noFill/>
+        </p:spPr>
+        <p:txBody>
+          <a:bodyPr wrap="square" rtlCol="0">
+            <a:spAutoFit/>
+          </a:bodyPr>
+          <a:lstStyle/>
+          <a:p>
+            <a:pPr marL="342900" indent="-342900">
+              <a:buFont typeface="+mj-lt"/>
+              <a:buAutoNum type="arabicPeriod"/>
+            </a:pPr>
             <a:r>
               <a:rPr lang="fr-FR" dirty="0"/>
-              <a:t>Couper les pertes et laisser courir les gains</a:t>
-            </a:r>
-          </a:p>
-          <a:p>
-            <a:pPr lvl="1">
-              <a:buFont typeface="Wingdings" panose="05000000000000000000" pitchFamily="2" charset="2"/>
-              <a:buChar char="è"/>
+              <a:t>Avec un ratio gain perte de 0,5, c’est-à-dire que les gain sont deux fois plus petits que les perte il faut faire au moins 3 gain sur 4 pour espérer gagner un peu.</a:t>
+            </a:r>
+          </a:p>
+          <a:p>
+            <a:pPr marL="342900" indent="-342900">
+              <a:buFont typeface="+mj-lt"/>
+              <a:buAutoNum type="arabicPeriod"/>
             </a:pPr>
-            <a:r>
-              <a:rPr lang="fr-FR" dirty="0">
-                <a:sym typeface="Wingdings" panose="05000000000000000000" pitchFamily="2" charset="2"/>
-              </a:rPr>
-              <a:t>Contre la nature humaine</a:t>
-            </a:r>
-          </a:p>
-          <a:p>
-            <a:r>
-              <a:rPr lang="en-US" dirty="0"/>
-              <a:t>Ne pas </a:t>
-            </a:r>
-            <a:r>
-              <a:rPr lang="en-US" dirty="0" err="1"/>
-              <a:t>vouloir</a:t>
-            </a:r>
-            <a:r>
-              <a:rPr lang="en-US" dirty="0"/>
-              <a:t> </a:t>
-            </a:r>
-            <a:r>
-              <a:rPr lang="en-US" dirty="0" err="1"/>
-              <a:t>avoir</a:t>
-            </a:r>
-            <a:r>
-              <a:rPr lang="en-US" dirty="0"/>
-              <a:t> raison</a:t>
-            </a:r>
-          </a:p>
-          <a:p>
-            <a:pPr marL="457200" lvl="1" indent="0">
-              <a:buNone/>
+            <a:endParaRPr lang="fr-FR" dirty="0"/>
+          </a:p>
+          <a:p>
+            <a:pPr marL="342900" indent="-342900">
+              <a:buFont typeface="+mj-lt"/>
+              <a:buAutoNum type="arabicPeriod"/>
             </a:pPr>
-            <a:r>
-              <a:rPr lang="en-US" dirty="0">
-                <a:sym typeface="Wingdings" panose="05000000000000000000" pitchFamily="2" charset="2"/>
-              </a:rPr>
-              <a:t>Ranger son </a:t>
-            </a:r>
-            <a:r>
-              <a:rPr lang="en-US" dirty="0" err="1">
-                <a:sym typeface="Wingdings" panose="05000000000000000000" pitchFamily="2" charset="2"/>
-              </a:rPr>
-              <a:t>égo</a:t>
-            </a:r>
-            <a:r>
-              <a:rPr lang="en-US" dirty="0">
-                <a:sym typeface="Wingdings" panose="05000000000000000000" pitchFamily="2" charset="2"/>
-              </a:rPr>
-              <a:t>, </a:t>
-            </a:r>
-            <a:r>
-              <a:rPr lang="en-US" dirty="0" err="1">
-                <a:sym typeface="Wingdings" panose="05000000000000000000" pitchFamily="2" charset="2"/>
-              </a:rPr>
-              <a:t>si</a:t>
-            </a:r>
-            <a:r>
-              <a:rPr lang="en-US" dirty="0">
-                <a:sym typeface="Wingdings" panose="05000000000000000000" pitchFamily="2" charset="2"/>
-              </a:rPr>
-              <a:t> </a:t>
-            </a:r>
-            <a:r>
-              <a:rPr lang="en-US" dirty="0" err="1">
-                <a:sym typeface="Wingdings" panose="05000000000000000000" pitchFamily="2" charset="2"/>
-              </a:rPr>
-              <a:t>l’action</a:t>
-            </a:r>
-            <a:r>
-              <a:rPr lang="en-US" dirty="0">
-                <a:sym typeface="Wingdings" panose="05000000000000000000" pitchFamily="2" charset="2"/>
-              </a:rPr>
-              <a:t> </a:t>
-            </a:r>
-            <a:r>
-              <a:rPr lang="en-US" dirty="0" err="1">
-                <a:sym typeface="Wingdings" panose="05000000000000000000" pitchFamily="2" charset="2"/>
-              </a:rPr>
-              <a:t>baisse</a:t>
-            </a:r>
-            <a:r>
-              <a:rPr lang="en-US" dirty="0">
-                <a:sym typeface="Wingdings" panose="05000000000000000000" pitchFamily="2" charset="2"/>
-              </a:rPr>
-              <a:t>, </a:t>
-            </a:r>
-            <a:r>
-              <a:rPr lang="en-US" dirty="0" err="1">
-                <a:sym typeface="Wingdings" panose="05000000000000000000" pitchFamily="2" charset="2"/>
-              </a:rPr>
-              <a:t>c’est</a:t>
-            </a:r>
-            <a:r>
-              <a:rPr lang="en-US" dirty="0">
-                <a:sym typeface="Wingdings" panose="05000000000000000000" pitchFamily="2" charset="2"/>
-              </a:rPr>
-              <a:t> </a:t>
-            </a:r>
-            <a:r>
-              <a:rPr lang="en-US" dirty="0" err="1">
-                <a:sym typeface="Wingdings" panose="05000000000000000000" pitchFamily="2" charset="2"/>
-              </a:rPr>
-              <a:t>qu’on</a:t>
-            </a:r>
-            <a:r>
-              <a:rPr lang="en-US" dirty="0">
-                <a:sym typeface="Wingdings" panose="05000000000000000000" pitchFamily="2" charset="2"/>
-              </a:rPr>
-              <a:t> </a:t>
-            </a:r>
-            <a:r>
-              <a:rPr lang="en-US" dirty="0" err="1">
-                <a:sym typeface="Wingdings" panose="05000000000000000000" pitchFamily="2" charset="2"/>
-              </a:rPr>
-              <a:t>s’es</a:t>
-            </a:r>
-            <a:r>
-              <a:rPr lang="en-US" dirty="0">
-                <a:sym typeface="Wingdings" panose="05000000000000000000" pitchFamily="2" charset="2"/>
-              </a:rPr>
-              <a:t> </a:t>
-            </a:r>
-            <a:r>
-              <a:rPr lang="en-US" dirty="0" err="1">
-                <a:sym typeface="Wingdings" panose="05000000000000000000" pitchFamily="2" charset="2"/>
-              </a:rPr>
-              <a:t>trompé</a:t>
-            </a:r>
-            <a:r>
-              <a:rPr lang="en-US" dirty="0">
-                <a:sym typeface="Wingdings" panose="05000000000000000000" pitchFamily="2" charset="2"/>
-              </a:rPr>
-              <a:t>, il faut </a:t>
-            </a:r>
-            <a:r>
-              <a:rPr lang="en-US" dirty="0" err="1">
-                <a:sym typeface="Wingdings" panose="05000000000000000000" pitchFamily="2" charset="2"/>
-              </a:rPr>
-              <a:t>vendre</a:t>
-            </a:r>
-            <a:r>
-              <a:rPr lang="en-US" dirty="0">
-                <a:sym typeface="Wingdings" panose="05000000000000000000" pitchFamily="2" charset="2"/>
-              </a:rPr>
-              <a:t>.</a:t>
-            </a:r>
-          </a:p>
-          <a:p>
-            <a:pPr marL="457200" lvl="1" indent="0">
-              <a:buNone/>
+            <a:endParaRPr lang="fr-FR" dirty="0"/>
+          </a:p>
+          <a:p>
+            <a:pPr marL="342900" indent="-342900">
+              <a:buFont typeface="+mj-lt"/>
+              <a:buAutoNum type="arabicPeriod"/>
             </a:pPr>
+            <a:r>
+              <a:rPr lang="fr-FR" dirty="0"/>
+              <a:t>Il n’est pas nécessaire d’avoir souvent raison pour gagner, par exemple avec un rapport gain/perte de 5, en ne gagnant qu’une fois sur 4 on gagne toujours 0,5 fois ce qu’on risque. </a:t>
+            </a:r>
+            <a:endParaRPr lang="en-US" dirty="0"/>
+          </a:p>
+        </p:txBody>
+      </p:sp>
+      <p:sp>
+        <p:nvSpPr>
+          <p:cNvPr id="13" name="Rectangle 12">
+            <a:extLst>
+              <a:ext uri="{FF2B5EF4-FFF2-40B4-BE49-F238E27FC236}">
+                <a16:creationId xmlns:a16="http://schemas.microsoft.com/office/drawing/2014/main" id="{F337BE23-B49D-4FE4-99D0-761092A7D8E8}"/>
+              </a:ext>
+            </a:extLst>
+          </p:cNvPr>
+          <p:cNvSpPr/>
+          <p:nvPr/>
+        </p:nvSpPr>
+        <p:spPr>
+          <a:xfrm>
+            <a:off x="6181060" y="6126480"/>
+            <a:ext cx="5730949" cy="274320"/>
+          </a:xfrm>
+          <a:prstGeom prst="rect">
+            <a:avLst/>
+          </a:prstGeom>
+          <a:noFill/>
+          <a:ln w="38100">
+            <a:solidFill>
+              <a:schemeClr val="accent1"/>
+            </a:solidFill>
+          </a:ln>
+        </p:spPr>
+        <p:style>
+          <a:lnRef idx="2">
+            <a:schemeClr val="accent1">
+              <a:shade val="50000"/>
+            </a:schemeClr>
+          </a:lnRef>
+          <a:fillRef idx="1">
+            <a:schemeClr val="accent1"/>
+          </a:fillRef>
+          <a:effectRef idx="0">
+            <a:schemeClr val="accent1"/>
+          </a:effectRef>
+          <a:fontRef idx="minor">
+            <a:schemeClr val="lt1"/>
+          </a:fontRef>
+        </p:style>
+        <p:txBody>
+          <a:bodyPr rtlCol="0" anchor="ctr"/>
+          <a:lstStyle/>
+          <a:p>
             <a:endParaRPr lang="en-US" dirty="0">
-              <a:sym typeface="Wingdings" panose="05000000000000000000" pitchFamily="2" charset="2"/>
+              <a:solidFill>
+                <a:schemeClr val="tx1"/>
+              </a:solidFill>
             </a:endParaRPr>
           </a:p>
-          <a:p>
-            <a:pPr marL="457200" lvl="1" indent="0">
-              <a:buNone/>
-            </a:pPr>
-            <a:r>
-              <a:rPr lang="en-US" dirty="0">
-                <a:sym typeface="Wingdings" panose="05000000000000000000" pitchFamily="2" charset="2"/>
-              </a:rPr>
-              <a:t>On </a:t>
-            </a:r>
-            <a:r>
-              <a:rPr lang="en-US" dirty="0" err="1">
-                <a:sym typeface="Wingdings" panose="05000000000000000000" pitchFamily="2" charset="2"/>
-              </a:rPr>
-              <a:t>gagne</a:t>
-            </a:r>
-            <a:r>
-              <a:rPr lang="en-US" dirty="0">
-                <a:sym typeface="Wingdings" panose="05000000000000000000" pitchFamily="2" charset="2"/>
-              </a:rPr>
-              <a:t> de </a:t>
-            </a:r>
-            <a:r>
-              <a:rPr lang="en-US" dirty="0" err="1">
-                <a:sym typeface="Wingdings" panose="05000000000000000000" pitchFamily="2" charset="2"/>
-              </a:rPr>
-              <a:t>l’argent</a:t>
-            </a:r>
-            <a:r>
-              <a:rPr lang="en-US" dirty="0">
-                <a:sym typeface="Wingdings" panose="05000000000000000000" pitchFamily="2" charset="2"/>
-              </a:rPr>
-              <a:t> </a:t>
-            </a:r>
-            <a:r>
-              <a:rPr lang="en-US" dirty="0" err="1">
-                <a:sym typeface="Wingdings" panose="05000000000000000000" pitchFamily="2" charset="2"/>
-              </a:rPr>
-              <a:t>en</a:t>
-            </a:r>
-            <a:r>
-              <a:rPr lang="en-US" dirty="0">
-                <a:sym typeface="Wingdings" panose="05000000000000000000" pitchFamily="2" charset="2"/>
-              </a:rPr>
-              <a:t> se </a:t>
-            </a:r>
-            <a:r>
-              <a:rPr lang="en-US" dirty="0" err="1">
-                <a:sym typeface="Wingdings" panose="05000000000000000000" pitchFamily="2" charset="2"/>
-              </a:rPr>
-              <a:t>trompant</a:t>
-            </a:r>
-            <a:r>
-              <a:rPr lang="en-US" dirty="0">
-                <a:sym typeface="Wingdings" panose="05000000000000000000" pitchFamily="2" charset="2"/>
-              </a:rPr>
-              <a:t> </a:t>
-            </a:r>
-            <a:r>
-              <a:rPr lang="en-US" dirty="0" err="1">
-                <a:sym typeface="Wingdings" panose="05000000000000000000" pitchFamily="2" charset="2"/>
-              </a:rPr>
-              <a:t>souvent</a:t>
-            </a:r>
-            <a:r>
-              <a:rPr lang="en-US" dirty="0">
-                <a:sym typeface="Wingdings" panose="05000000000000000000" pitchFamily="2" charset="2"/>
-              </a:rPr>
-              <a:t>, il </a:t>
-            </a:r>
-            <a:r>
-              <a:rPr lang="en-US" dirty="0" err="1">
-                <a:sym typeface="Wingdings" panose="05000000000000000000" pitchFamily="2" charset="2"/>
-              </a:rPr>
-              <a:t>suffit</a:t>
-            </a:r>
-            <a:r>
-              <a:rPr lang="en-US" dirty="0">
-                <a:sym typeface="Wingdings" panose="05000000000000000000" pitchFamily="2" charset="2"/>
-              </a:rPr>
-              <a:t> de </a:t>
-            </a:r>
-            <a:r>
-              <a:rPr lang="en-US" dirty="0" err="1">
-                <a:sym typeface="Wingdings" panose="05000000000000000000" pitchFamily="2" charset="2"/>
-              </a:rPr>
-              <a:t>gagner</a:t>
-            </a:r>
-            <a:r>
-              <a:rPr lang="en-US" dirty="0">
-                <a:sym typeface="Wingdings" panose="05000000000000000000" pitchFamily="2" charset="2"/>
-              </a:rPr>
-              <a:t> beaucoup </a:t>
-            </a:r>
-            <a:r>
-              <a:rPr lang="en-US" dirty="0" err="1">
-                <a:sym typeface="Wingdings" panose="05000000000000000000" pitchFamily="2" charset="2"/>
-              </a:rPr>
-              <a:t>quand</a:t>
-            </a:r>
-            <a:r>
-              <a:rPr lang="en-US" dirty="0">
-                <a:sym typeface="Wingdings" panose="05000000000000000000" pitchFamily="2" charset="2"/>
-              </a:rPr>
-              <a:t> on a raison, et </a:t>
-            </a:r>
-            <a:r>
-              <a:rPr lang="en-US" dirty="0" err="1">
-                <a:sym typeface="Wingdings" panose="05000000000000000000" pitchFamily="2" charset="2"/>
-              </a:rPr>
-              <a:t>perdre</a:t>
-            </a:r>
-            <a:r>
-              <a:rPr lang="en-US" dirty="0">
-                <a:sym typeface="Wingdings" panose="05000000000000000000" pitchFamily="2" charset="2"/>
-              </a:rPr>
-              <a:t> </a:t>
-            </a:r>
-            <a:r>
-              <a:rPr lang="en-US" dirty="0" err="1">
-                <a:sym typeface="Wingdings" panose="05000000000000000000" pitchFamily="2" charset="2"/>
-              </a:rPr>
-              <a:t>peu</a:t>
-            </a:r>
-            <a:r>
-              <a:rPr lang="en-US" dirty="0">
-                <a:sym typeface="Wingdings" panose="05000000000000000000" pitchFamily="2" charset="2"/>
-              </a:rPr>
-              <a:t> </a:t>
-            </a:r>
-            <a:r>
-              <a:rPr lang="en-US" dirty="0" err="1">
-                <a:sym typeface="Wingdings" panose="05000000000000000000" pitchFamily="2" charset="2"/>
-              </a:rPr>
-              <a:t>quand</a:t>
-            </a:r>
-            <a:r>
-              <a:rPr lang="en-US" dirty="0">
-                <a:sym typeface="Wingdings" panose="05000000000000000000" pitchFamily="2" charset="2"/>
-              </a:rPr>
-              <a:t> on a tort.</a:t>
+        </p:txBody>
+      </p:sp>
+      <p:sp>
+        <p:nvSpPr>
+          <p:cNvPr id="14" name="Rectangle 13">
+            <a:extLst>
+              <a:ext uri="{FF2B5EF4-FFF2-40B4-BE49-F238E27FC236}">
+                <a16:creationId xmlns:a16="http://schemas.microsoft.com/office/drawing/2014/main" id="{D4B03A60-E6D1-48BE-AC3A-010E60C93AF2}"/>
+              </a:ext>
+            </a:extLst>
+          </p:cNvPr>
+          <p:cNvSpPr/>
+          <p:nvPr/>
+        </p:nvSpPr>
+        <p:spPr>
+          <a:xfrm>
+            <a:off x="6181059" y="1726388"/>
+            <a:ext cx="5730949" cy="274320"/>
+          </a:xfrm>
+          <a:prstGeom prst="rect">
+            <a:avLst/>
+          </a:prstGeom>
+          <a:noFill/>
+          <a:ln w="38100">
+            <a:solidFill>
+              <a:schemeClr val="accent1"/>
+            </a:solidFill>
+          </a:ln>
+        </p:spPr>
+        <p:style>
+          <a:lnRef idx="2">
+            <a:schemeClr val="accent1">
+              <a:shade val="50000"/>
+            </a:schemeClr>
+          </a:lnRef>
+          <a:fillRef idx="1">
+            <a:schemeClr val="accent1"/>
+          </a:fillRef>
+          <a:effectRef idx="0">
+            <a:schemeClr val="accent1"/>
+          </a:effectRef>
+          <a:fontRef idx="minor">
+            <a:schemeClr val="lt1"/>
+          </a:fontRef>
+        </p:style>
+        <p:txBody>
+          <a:bodyPr rtlCol="0" anchor="ctr"/>
+          <a:lstStyle/>
+          <a:p>
+            <a:endParaRPr lang="en-US" dirty="0">
+              <a:solidFill>
+                <a:schemeClr val="tx1"/>
+              </a:solidFill>
+            </a:endParaRPr>
+          </a:p>
+        </p:txBody>
+      </p:sp>
+      <p:sp>
+        <p:nvSpPr>
+          <p:cNvPr id="15" name="Flowchart: Connector 14">
+            <a:extLst>
+              <a:ext uri="{FF2B5EF4-FFF2-40B4-BE49-F238E27FC236}">
+                <a16:creationId xmlns:a16="http://schemas.microsoft.com/office/drawing/2014/main" id="{0DAB5144-E1D4-41ED-AAB6-0ED32ABE93D8}"/>
+              </a:ext>
+            </a:extLst>
+          </p:cNvPr>
+          <p:cNvSpPr/>
+          <p:nvPr/>
+        </p:nvSpPr>
+        <p:spPr>
+          <a:xfrm>
+            <a:off x="6181058" y="6021779"/>
+            <a:ext cx="457200" cy="457200"/>
+          </a:xfrm>
+          <a:prstGeom prst="flowChartConnector">
+            <a:avLst/>
+          </a:prstGeom>
+        </p:spPr>
+        <p:style>
+          <a:lnRef idx="2">
+            <a:schemeClr val="accent1">
+              <a:shade val="50000"/>
+            </a:schemeClr>
+          </a:lnRef>
+          <a:fillRef idx="1">
+            <a:schemeClr val="accent1"/>
+          </a:fillRef>
+          <a:effectRef idx="0">
+            <a:schemeClr val="accent1"/>
+          </a:effectRef>
+          <a:fontRef idx="minor">
+            <a:schemeClr val="lt1"/>
+          </a:fontRef>
+        </p:style>
+        <p:txBody>
+          <a:bodyPr rtlCol="0" anchor="ctr"/>
+          <a:lstStyle/>
+          <a:p>
+            <a:pPr algn="ctr"/>
+            <a:r>
+              <a:rPr lang="fr-FR" dirty="0"/>
+              <a:t>2</a:t>
+            </a:r>
+            <a:endParaRPr lang="en-US" dirty="0"/>
+          </a:p>
+        </p:txBody>
+      </p:sp>
+      <p:sp>
+        <p:nvSpPr>
+          <p:cNvPr id="16" name="Flowchart: Connector 15">
+            <a:extLst>
+              <a:ext uri="{FF2B5EF4-FFF2-40B4-BE49-F238E27FC236}">
+                <a16:creationId xmlns:a16="http://schemas.microsoft.com/office/drawing/2014/main" id="{E69BDC24-2251-400E-875B-938F34C1E9B9}"/>
+              </a:ext>
+            </a:extLst>
+          </p:cNvPr>
+          <p:cNvSpPr/>
+          <p:nvPr/>
+        </p:nvSpPr>
+        <p:spPr>
+          <a:xfrm>
+            <a:off x="6181058" y="1634948"/>
+            <a:ext cx="457200" cy="457200"/>
+          </a:xfrm>
+          <a:prstGeom prst="flowChartConnector">
+            <a:avLst/>
+          </a:prstGeom>
+        </p:spPr>
+        <p:style>
+          <a:lnRef idx="2">
+            <a:schemeClr val="accent1">
+              <a:shade val="50000"/>
+            </a:schemeClr>
+          </a:lnRef>
+          <a:fillRef idx="1">
+            <a:schemeClr val="accent1"/>
+          </a:fillRef>
+          <a:effectRef idx="0">
+            <a:schemeClr val="accent1"/>
+          </a:effectRef>
+          <a:fontRef idx="minor">
+            <a:schemeClr val="lt1"/>
+          </a:fontRef>
+        </p:style>
+        <p:txBody>
+          <a:bodyPr rtlCol="0" anchor="ctr"/>
+          <a:lstStyle/>
+          <a:p>
+            <a:pPr algn="ctr"/>
+            <a:r>
+              <a:rPr lang="fr-FR" dirty="0"/>
+              <a:t>1</a:t>
             </a:r>
             <a:endParaRPr lang="en-US" dirty="0"/>
           </a:p>
@@ -12471,7 +12455,7 @@
     </p:spTree>
     <p:extLst>
       <p:ext uri="{BB962C8B-B14F-4D97-AF65-F5344CB8AC3E}">
-        <p14:creationId xmlns:p14="http://schemas.microsoft.com/office/powerpoint/2010/main" val="2971414286"/>
+        <p14:creationId xmlns:p14="http://schemas.microsoft.com/office/powerpoint/2010/main" val="801988924"/>
       </p:ext>
     </p:extLst>
   </p:cSld>
@@ -12503,7 +12487,7 @@
           <p:cNvPr id="2" name="Title 1">
             <a:extLst>
               <a:ext uri="{FF2B5EF4-FFF2-40B4-BE49-F238E27FC236}">
-                <a16:creationId xmlns:a16="http://schemas.microsoft.com/office/drawing/2014/main" id="{8799B785-EEBE-49C4-AB80-AC77F7A85E20}"/>
+                <a16:creationId xmlns:a16="http://schemas.microsoft.com/office/drawing/2014/main" id="{AE888A56-C226-4938-AAFA-60BA60D4B780}"/>
               </a:ext>
             </a:extLst>
           </p:cNvPr>
@@ -12521,7 +12505,1635 @@
           <a:p>
             <a:r>
               <a:rPr lang="fr-FR" dirty="0"/>
-              <a:t>Adages</a:t>
+              <a:t>Exemple 1</a:t>
+            </a:r>
+            <a:endParaRPr lang="en-US" dirty="0"/>
+          </a:p>
+        </p:txBody>
+      </p:sp>
+      <p:pic>
+        <p:nvPicPr>
+          <p:cNvPr id="5" name="Content Placeholder 4">
+            <a:extLst>
+              <a:ext uri="{FF2B5EF4-FFF2-40B4-BE49-F238E27FC236}">
+                <a16:creationId xmlns:a16="http://schemas.microsoft.com/office/drawing/2014/main" id="{D63A5F39-6340-4654-A6F8-A36C6D3E5DB5}"/>
+              </a:ext>
+            </a:extLst>
+          </p:cNvPr>
+          <p:cNvPicPr>
+            <a:picLocks noGrp="1" noChangeAspect="1"/>
+          </p:cNvPicPr>
+          <p:nvPr>
+            <p:ph idx="1"/>
+          </p:nvPr>
+        </p:nvPicPr>
+        <p:blipFill>
+          <a:blip r:embed="rId2"/>
+          <a:stretch>
+            <a:fillRect/>
+          </a:stretch>
+        </p:blipFill>
+        <p:spPr>
+          <a:xfrm>
+            <a:off x="838200" y="1690688"/>
+            <a:ext cx="10515600" cy="4984431"/>
+          </a:xfrm>
+        </p:spPr>
+      </p:pic>
+      <p:sp>
+        <p:nvSpPr>
+          <p:cNvPr id="6" name="Rectangle 5">
+            <a:extLst>
+              <a:ext uri="{FF2B5EF4-FFF2-40B4-BE49-F238E27FC236}">
+                <a16:creationId xmlns:a16="http://schemas.microsoft.com/office/drawing/2014/main" id="{E2F4D165-635A-44BC-A59C-9F01C4A8C5A4}"/>
+              </a:ext>
+            </a:extLst>
+          </p:cNvPr>
+          <p:cNvSpPr/>
+          <p:nvPr/>
+        </p:nvSpPr>
+        <p:spPr>
+          <a:xfrm>
+            <a:off x="3691890" y="5166360"/>
+            <a:ext cx="6789420" cy="240030"/>
+          </a:xfrm>
+          <a:prstGeom prst="rect">
+            <a:avLst/>
+          </a:prstGeom>
+          <a:solidFill>
+            <a:srgbClr val="FF0000">
+              <a:alpha val="50000"/>
+            </a:srgbClr>
+          </a:solidFill>
+          <a:ln w="25400">
+            <a:solidFill>
+              <a:srgbClr val="C00000"/>
+            </a:solidFill>
+          </a:ln>
+        </p:spPr>
+        <p:style>
+          <a:lnRef idx="2">
+            <a:schemeClr val="accent1">
+              <a:shade val="50000"/>
+            </a:schemeClr>
+          </a:lnRef>
+          <a:fillRef idx="1">
+            <a:schemeClr val="accent1"/>
+          </a:fillRef>
+          <a:effectRef idx="0">
+            <a:schemeClr val="accent1"/>
+          </a:effectRef>
+          <a:fontRef idx="minor">
+            <a:schemeClr val="lt1"/>
+          </a:fontRef>
+        </p:style>
+        <p:txBody>
+          <a:bodyPr rtlCol="0" anchor="ctr"/>
+          <a:lstStyle/>
+          <a:p>
+            <a:pPr algn="ctr"/>
+            <a:endParaRPr lang="en-US"/>
+          </a:p>
+        </p:txBody>
+      </p:sp>
+      <p:sp>
+        <p:nvSpPr>
+          <p:cNvPr id="7" name="Rectangle 6">
+            <a:extLst>
+              <a:ext uri="{FF2B5EF4-FFF2-40B4-BE49-F238E27FC236}">
+                <a16:creationId xmlns:a16="http://schemas.microsoft.com/office/drawing/2014/main" id="{DC657AAA-7BA0-401D-BFD9-4D8DFFA8373F}"/>
+              </a:ext>
+            </a:extLst>
+          </p:cNvPr>
+          <p:cNvSpPr/>
+          <p:nvPr/>
+        </p:nvSpPr>
+        <p:spPr>
+          <a:xfrm>
+            <a:off x="3691890" y="4926330"/>
+            <a:ext cx="6789420" cy="240030"/>
+          </a:xfrm>
+          <a:prstGeom prst="rect">
+            <a:avLst/>
+          </a:prstGeom>
+          <a:solidFill>
+            <a:schemeClr val="accent6">
+              <a:alpha val="50000"/>
+            </a:schemeClr>
+          </a:solidFill>
+          <a:ln w="25400">
+            <a:solidFill>
+              <a:schemeClr val="accent6">
+                <a:lumMod val="75000"/>
+              </a:schemeClr>
+            </a:solidFill>
+          </a:ln>
+        </p:spPr>
+        <p:style>
+          <a:lnRef idx="2">
+            <a:schemeClr val="accent1">
+              <a:shade val="50000"/>
+            </a:schemeClr>
+          </a:lnRef>
+          <a:fillRef idx="1">
+            <a:schemeClr val="accent1"/>
+          </a:fillRef>
+          <a:effectRef idx="0">
+            <a:schemeClr val="accent1"/>
+          </a:effectRef>
+          <a:fontRef idx="minor">
+            <a:schemeClr val="lt1"/>
+          </a:fontRef>
+        </p:style>
+        <p:txBody>
+          <a:bodyPr rtlCol="0" anchor="ctr"/>
+          <a:lstStyle/>
+          <a:p>
+            <a:pPr algn="ctr"/>
+            <a:endParaRPr lang="en-US"/>
+          </a:p>
+        </p:txBody>
+      </p:sp>
+      <p:sp>
+        <p:nvSpPr>
+          <p:cNvPr id="8" name="Rectangle 7">
+            <a:extLst>
+              <a:ext uri="{FF2B5EF4-FFF2-40B4-BE49-F238E27FC236}">
+                <a16:creationId xmlns:a16="http://schemas.microsoft.com/office/drawing/2014/main" id="{0E0CA7D9-9DCD-47D2-B89F-F7A1C3801FF3}"/>
+              </a:ext>
+            </a:extLst>
+          </p:cNvPr>
+          <p:cNvSpPr/>
+          <p:nvPr/>
+        </p:nvSpPr>
+        <p:spPr>
+          <a:xfrm>
+            <a:off x="3691890" y="4686300"/>
+            <a:ext cx="6789420" cy="240030"/>
+          </a:xfrm>
+          <a:prstGeom prst="rect">
+            <a:avLst/>
+          </a:prstGeom>
+          <a:solidFill>
+            <a:schemeClr val="accent6">
+              <a:alpha val="50000"/>
+            </a:schemeClr>
+          </a:solidFill>
+          <a:ln w="25400">
+            <a:solidFill>
+              <a:schemeClr val="accent6">
+                <a:lumMod val="75000"/>
+              </a:schemeClr>
+            </a:solidFill>
+          </a:ln>
+        </p:spPr>
+        <p:style>
+          <a:lnRef idx="2">
+            <a:schemeClr val="accent1">
+              <a:shade val="50000"/>
+            </a:schemeClr>
+          </a:lnRef>
+          <a:fillRef idx="1">
+            <a:schemeClr val="accent1"/>
+          </a:fillRef>
+          <a:effectRef idx="0">
+            <a:schemeClr val="accent1"/>
+          </a:effectRef>
+          <a:fontRef idx="minor">
+            <a:schemeClr val="lt1"/>
+          </a:fontRef>
+        </p:style>
+        <p:txBody>
+          <a:bodyPr rtlCol="0" anchor="ctr"/>
+          <a:lstStyle/>
+          <a:p>
+            <a:pPr algn="ctr"/>
+            <a:endParaRPr lang="en-US"/>
+          </a:p>
+        </p:txBody>
+      </p:sp>
+      <p:sp>
+        <p:nvSpPr>
+          <p:cNvPr id="9" name="Rectangle 8">
+            <a:extLst>
+              <a:ext uri="{FF2B5EF4-FFF2-40B4-BE49-F238E27FC236}">
+                <a16:creationId xmlns:a16="http://schemas.microsoft.com/office/drawing/2014/main" id="{71791841-BD11-417F-85C5-47034DE9E314}"/>
+              </a:ext>
+            </a:extLst>
+          </p:cNvPr>
+          <p:cNvSpPr/>
+          <p:nvPr/>
+        </p:nvSpPr>
+        <p:spPr>
+          <a:xfrm>
+            <a:off x="3691890" y="4208304"/>
+            <a:ext cx="6789420" cy="240030"/>
+          </a:xfrm>
+          <a:prstGeom prst="rect">
+            <a:avLst/>
+          </a:prstGeom>
+          <a:solidFill>
+            <a:schemeClr val="accent6">
+              <a:alpha val="50000"/>
+            </a:schemeClr>
+          </a:solidFill>
+          <a:ln w="25400">
+            <a:solidFill>
+              <a:schemeClr val="accent6">
+                <a:lumMod val="75000"/>
+              </a:schemeClr>
+            </a:solidFill>
+          </a:ln>
+        </p:spPr>
+        <p:style>
+          <a:lnRef idx="2">
+            <a:schemeClr val="accent1">
+              <a:shade val="50000"/>
+            </a:schemeClr>
+          </a:lnRef>
+          <a:fillRef idx="1">
+            <a:schemeClr val="accent1"/>
+          </a:fillRef>
+          <a:effectRef idx="0">
+            <a:schemeClr val="accent1"/>
+          </a:effectRef>
+          <a:fontRef idx="minor">
+            <a:schemeClr val="lt1"/>
+          </a:fontRef>
+        </p:style>
+        <p:txBody>
+          <a:bodyPr rtlCol="0" anchor="ctr"/>
+          <a:lstStyle/>
+          <a:p>
+            <a:pPr algn="ctr"/>
+            <a:endParaRPr lang="en-US"/>
+          </a:p>
+        </p:txBody>
+      </p:sp>
+      <p:sp>
+        <p:nvSpPr>
+          <p:cNvPr id="10" name="Rectangle 9">
+            <a:extLst>
+              <a:ext uri="{FF2B5EF4-FFF2-40B4-BE49-F238E27FC236}">
+                <a16:creationId xmlns:a16="http://schemas.microsoft.com/office/drawing/2014/main" id="{F00D493E-952A-4105-A602-EEBC52CF861C}"/>
+              </a:ext>
+            </a:extLst>
+          </p:cNvPr>
+          <p:cNvSpPr/>
+          <p:nvPr/>
+        </p:nvSpPr>
+        <p:spPr>
+          <a:xfrm>
+            <a:off x="3691890" y="4448334"/>
+            <a:ext cx="6789420" cy="240030"/>
+          </a:xfrm>
+          <a:prstGeom prst="rect">
+            <a:avLst/>
+          </a:prstGeom>
+          <a:solidFill>
+            <a:schemeClr val="accent6">
+              <a:alpha val="50000"/>
+            </a:schemeClr>
+          </a:solidFill>
+          <a:ln w="25400">
+            <a:solidFill>
+              <a:schemeClr val="accent6">
+                <a:lumMod val="75000"/>
+              </a:schemeClr>
+            </a:solidFill>
+          </a:ln>
+        </p:spPr>
+        <p:style>
+          <a:lnRef idx="2">
+            <a:schemeClr val="accent1">
+              <a:shade val="50000"/>
+            </a:schemeClr>
+          </a:lnRef>
+          <a:fillRef idx="1">
+            <a:schemeClr val="accent1"/>
+          </a:fillRef>
+          <a:effectRef idx="0">
+            <a:schemeClr val="accent1"/>
+          </a:effectRef>
+          <a:fontRef idx="minor">
+            <a:schemeClr val="lt1"/>
+          </a:fontRef>
+        </p:style>
+        <p:txBody>
+          <a:bodyPr rtlCol="0" anchor="ctr"/>
+          <a:lstStyle/>
+          <a:p>
+            <a:pPr algn="ctr"/>
+            <a:endParaRPr lang="en-US"/>
+          </a:p>
+        </p:txBody>
+      </p:sp>
+      <p:sp>
+        <p:nvSpPr>
+          <p:cNvPr id="11" name="Rectangle 10">
+            <a:extLst>
+              <a:ext uri="{FF2B5EF4-FFF2-40B4-BE49-F238E27FC236}">
+                <a16:creationId xmlns:a16="http://schemas.microsoft.com/office/drawing/2014/main" id="{3E0E2BBC-16A9-467B-A354-9F2705CC93D2}"/>
+              </a:ext>
+            </a:extLst>
+          </p:cNvPr>
+          <p:cNvSpPr/>
+          <p:nvPr/>
+        </p:nvSpPr>
+        <p:spPr>
+          <a:xfrm>
+            <a:off x="3691890" y="3968274"/>
+            <a:ext cx="6789420" cy="240030"/>
+          </a:xfrm>
+          <a:prstGeom prst="rect">
+            <a:avLst/>
+          </a:prstGeom>
+          <a:solidFill>
+            <a:schemeClr val="accent6">
+              <a:alpha val="50000"/>
+            </a:schemeClr>
+          </a:solidFill>
+          <a:ln w="25400">
+            <a:solidFill>
+              <a:schemeClr val="accent6">
+                <a:lumMod val="75000"/>
+              </a:schemeClr>
+            </a:solidFill>
+          </a:ln>
+        </p:spPr>
+        <p:style>
+          <a:lnRef idx="2">
+            <a:schemeClr val="accent1">
+              <a:shade val="50000"/>
+            </a:schemeClr>
+          </a:lnRef>
+          <a:fillRef idx="1">
+            <a:schemeClr val="accent1"/>
+          </a:fillRef>
+          <a:effectRef idx="0">
+            <a:schemeClr val="accent1"/>
+          </a:effectRef>
+          <a:fontRef idx="minor">
+            <a:schemeClr val="lt1"/>
+          </a:fontRef>
+        </p:style>
+        <p:txBody>
+          <a:bodyPr rtlCol="0" anchor="ctr"/>
+          <a:lstStyle/>
+          <a:p>
+            <a:pPr algn="ctr"/>
+            <a:endParaRPr lang="en-US"/>
+          </a:p>
+        </p:txBody>
+      </p:sp>
+      <p:sp>
+        <p:nvSpPr>
+          <p:cNvPr id="12" name="Rectangle 11">
+            <a:extLst>
+              <a:ext uri="{FF2B5EF4-FFF2-40B4-BE49-F238E27FC236}">
+                <a16:creationId xmlns:a16="http://schemas.microsoft.com/office/drawing/2014/main" id="{67FD6D17-753E-4278-9586-0B19669FBCF0}"/>
+              </a:ext>
+            </a:extLst>
+          </p:cNvPr>
+          <p:cNvSpPr/>
+          <p:nvPr/>
+        </p:nvSpPr>
+        <p:spPr>
+          <a:xfrm>
+            <a:off x="3691890" y="3728244"/>
+            <a:ext cx="6789420" cy="240030"/>
+          </a:xfrm>
+          <a:prstGeom prst="rect">
+            <a:avLst/>
+          </a:prstGeom>
+          <a:solidFill>
+            <a:schemeClr val="accent6">
+              <a:alpha val="50000"/>
+            </a:schemeClr>
+          </a:solidFill>
+          <a:ln w="25400">
+            <a:solidFill>
+              <a:schemeClr val="accent6">
+                <a:lumMod val="75000"/>
+              </a:schemeClr>
+            </a:solidFill>
+          </a:ln>
+        </p:spPr>
+        <p:style>
+          <a:lnRef idx="2">
+            <a:schemeClr val="accent1">
+              <a:shade val="50000"/>
+            </a:schemeClr>
+          </a:lnRef>
+          <a:fillRef idx="1">
+            <a:schemeClr val="accent1"/>
+          </a:fillRef>
+          <a:effectRef idx="0">
+            <a:schemeClr val="accent1"/>
+          </a:effectRef>
+          <a:fontRef idx="minor">
+            <a:schemeClr val="lt1"/>
+          </a:fontRef>
+        </p:style>
+        <p:txBody>
+          <a:bodyPr rtlCol="0" anchor="ctr"/>
+          <a:lstStyle/>
+          <a:p>
+            <a:pPr algn="ctr"/>
+            <a:endParaRPr lang="en-US"/>
+          </a:p>
+        </p:txBody>
+      </p:sp>
+      <p:sp>
+        <p:nvSpPr>
+          <p:cNvPr id="13" name="Rectangle 12">
+            <a:extLst>
+              <a:ext uri="{FF2B5EF4-FFF2-40B4-BE49-F238E27FC236}">
+                <a16:creationId xmlns:a16="http://schemas.microsoft.com/office/drawing/2014/main" id="{48FEBB7A-61D1-4A4A-9AB8-9DF68074D396}"/>
+              </a:ext>
+            </a:extLst>
+          </p:cNvPr>
+          <p:cNvSpPr/>
+          <p:nvPr/>
+        </p:nvSpPr>
+        <p:spPr>
+          <a:xfrm>
+            <a:off x="3691890" y="3240723"/>
+            <a:ext cx="6789420" cy="240030"/>
+          </a:xfrm>
+          <a:prstGeom prst="rect">
+            <a:avLst/>
+          </a:prstGeom>
+          <a:solidFill>
+            <a:schemeClr val="accent6">
+              <a:alpha val="50000"/>
+            </a:schemeClr>
+          </a:solidFill>
+          <a:ln w="25400">
+            <a:solidFill>
+              <a:schemeClr val="accent6">
+                <a:lumMod val="75000"/>
+              </a:schemeClr>
+            </a:solidFill>
+          </a:ln>
+        </p:spPr>
+        <p:style>
+          <a:lnRef idx="2">
+            <a:schemeClr val="accent1">
+              <a:shade val="50000"/>
+            </a:schemeClr>
+          </a:lnRef>
+          <a:fillRef idx="1">
+            <a:schemeClr val="accent1"/>
+          </a:fillRef>
+          <a:effectRef idx="0">
+            <a:schemeClr val="accent1"/>
+          </a:effectRef>
+          <a:fontRef idx="minor">
+            <a:schemeClr val="lt1"/>
+          </a:fontRef>
+        </p:style>
+        <p:txBody>
+          <a:bodyPr rtlCol="0" anchor="ctr"/>
+          <a:lstStyle/>
+          <a:p>
+            <a:pPr algn="ctr"/>
+            <a:endParaRPr lang="en-US"/>
+          </a:p>
+        </p:txBody>
+      </p:sp>
+      <p:sp>
+        <p:nvSpPr>
+          <p:cNvPr id="14" name="Rectangle 13">
+            <a:extLst>
+              <a:ext uri="{FF2B5EF4-FFF2-40B4-BE49-F238E27FC236}">
+                <a16:creationId xmlns:a16="http://schemas.microsoft.com/office/drawing/2014/main" id="{CFB198E7-7012-4BB7-A2C8-C18039C7C45B}"/>
+              </a:ext>
+            </a:extLst>
+          </p:cNvPr>
+          <p:cNvSpPr/>
+          <p:nvPr/>
+        </p:nvSpPr>
+        <p:spPr>
+          <a:xfrm>
+            <a:off x="3691890" y="3480753"/>
+            <a:ext cx="6789420" cy="240030"/>
+          </a:xfrm>
+          <a:prstGeom prst="rect">
+            <a:avLst/>
+          </a:prstGeom>
+          <a:solidFill>
+            <a:schemeClr val="accent6">
+              <a:alpha val="50000"/>
+            </a:schemeClr>
+          </a:solidFill>
+          <a:ln w="25400">
+            <a:solidFill>
+              <a:schemeClr val="accent6">
+                <a:lumMod val="75000"/>
+              </a:schemeClr>
+            </a:solidFill>
+          </a:ln>
+        </p:spPr>
+        <p:style>
+          <a:lnRef idx="2">
+            <a:schemeClr val="accent1">
+              <a:shade val="50000"/>
+            </a:schemeClr>
+          </a:lnRef>
+          <a:fillRef idx="1">
+            <a:schemeClr val="accent1"/>
+          </a:fillRef>
+          <a:effectRef idx="0">
+            <a:schemeClr val="accent1"/>
+          </a:effectRef>
+          <a:fontRef idx="minor">
+            <a:schemeClr val="lt1"/>
+          </a:fontRef>
+        </p:style>
+        <p:txBody>
+          <a:bodyPr rtlCol="0" anchor="ctr"/>
+          <a:lstStyle/>
+          <a:p>
+            <a:pPr algn="ctr"/>
+            <a:endParaRPr lang="en-US"/>
+          </a:p>
+        </p:txBody>
+      </p:sp>
+      <p:sp>
+        <p:nvSpPr>
+          <p:cNvPr id="15" name="Rectangle 14">
+            <a:extLst>
+              <a:ext uri="{FF2B5EF4-FFF2-40B4-BE49-F238E27FC236}">
+                <a16:creationId xmlns:a16="http://schemas.microsoft.com/office/drawing/2014/main" id="{0C01DDAE-0B11-40E5-9B66-14C79BA3FEE6}"/>
+              </a:ext>
+            </a:extLst>
+          </p:cNvPr>
+          <p:cNvSpPr/>
+          <p:nvPr/>
+        </p:nvSpPr>
+        <p:spPr>
+          <a:xfrm>
+            <a:off x="3691890" y="2994185"/>
+            <a:ext cx="6789420" cy="240030"/>
+          </a:xfrm>
+          <a:prstGeom prst="rect">
+            <a:avLst/>
+          </a:prstGeom>
+          <a:solidFill>
+            <a:schemeClr val="accent6">
+              <a:alpha val="50000"/>
+            </a:schemeClr>
+          </a:solidFill>
+          <a:ln w="25400">
+            <a:solidFill>
+              <a:schemeClr val="accent6">
+                <a:lumMod val="75000"/>
+              </a:schemeClr>
+            </a:solidFill>
+          </a:ln>
+        </p:spPr>
+        <p:style>
+          <a:lnRef idx="2">
+            <a:schemeClr val="accent1">
+              <a:shade val="50000"/>
+            </a:schemeClr>
+          </a:lnRef>
+          <a:fillRef idx="1">
+            <a:schemeClr val="accent1"/>
+          </a:fillRef>
+          <a:effectRef idx="0">
+            <a:schemeClr val="accent1"/>
+          </a:effectRef>
+          <a:fontRef idx="minor">
+            <a:schemeClr val="lt1"/>
+          </a:fontRef>
+        </p:style>
+        <p:txBody>
+          <a:bodyPr rtlCol="0" anchor="ctr"/>
+          <a:lstStyle/>
+          <a:p>
+            <a:pPr algn="ctr"/>
+            <a:endParaRPr lang="en-US"/>
+          </a:p>
+        </p:txBody>
+      </p:sp>
+      <p:sp>
+        <p:nvSpPr>
+          <p:cNvPr id="16" name="Rectangle 15">
+            <a:extLst>
+              <a:ext uri="{FF2B5EF4-FFF2-40B4-BE49-F238E27FC236}">
+                <a16:creationId xmlns:a16="http://schemas.microsoft.com/office/drawing/2014/main" id="{E2C6BFAA-3AED-4A0F-B89F-88B572961CCE}"/>
+              </a:ext>
+            </a:extLst>
+          </p:cNvPr>
+          <p:cNvSpPr/>
+          <p:nvPr/>
+        </p:nvSpPr>
+        <p:spPr>
+          <a:xfrm>
+            <a:off x="3691890" y="2754155"/>
+            <a:ext cx="6789420" cy="240030"/>
+          </a:xfrm>
+          <a:prstGeom prst="rect">
+            <a:avLst/>
+          </a:prstGeom>
+          <a:solidFill>
+            <a:schemeClr val="accent6">
+              <a:alpha val="50000"/>
+            </a:schemeClr>
+          </a:solidFill>
+          <a:ln w="25400">
+            <a:solidFill>
+              <a:schemeClr val="accent6">
+                <a:lumMod val="75000"/>
+              </a:schemeClr>
+            </a:solidFill>
+          </a:ln>
+        </p:spPr>
+        <p:style>
+          <a:lnRef idx="2">
+            <a:schemeClr val="accent1">
+              <a:shade val="50000"/>
+            </a:schemeClr>
+          </a:lnRef>
+          <a:fillRef idx="1">
+            <a:schemeClr val="accent1"/>
+          </a:fillRef>
+          <a:effectRef idx="0">
+            <a:schemeClr val="accent1"/>
+          </a:effectRef>
+          <a:fontRef idx="minor">
+            <a:schemeClr val="lt1"/>
+          </a:fontRef>
+        </p:style>
+        <p:txBody>
+          <a:bodyPr rtlCol="0" anchor="ctr"/>
+          <a:lstStyle/>
+          <a:p>
+            <a:pPr algn="ctr"/>
+            <a:endParaRPr lang="en-US"/>
+          </a:p>
+        </p:txBody>
+      </p:sp>
+      <p:sp>
+        <p:nvSpPr>
+          <p:cNvPr id="19" name="TextBox 18">
+            <a:extLst>
+              <a:ext uri="{FF2B5EF4-FFF2-40B4-BE49-F238E27FC236}">
+                <a16:creationId xmlns:a16="http://schemas.microsoft.com/office/drawing/2014/main" id="{25EB9731-1477-45F2-9E61-63C662585247}"/>
+              </a:ext>
+            </a:extLst>
+          </p:cNvPr>
+          <p:cNvSpPr txBox="1"/>
+          <p:nvPr/>
+        </p:nvSpPr>
+        <p:spPr>
+          <a:xfrm>
+            <a:off x="2111239" y="3718957"/>
+            <a:ext cx="1163588" cy="369332"/>
+          </a:xfrm>
+          <a:prstGeom prst="rect">
+            <a:avLst/>
+          </a:prstGeom>
+          <a:noFill/>
+        </p:spPr>
+        <p:txBody>
+          <a:bodyPr wrap="none" rtlCol="0">
+            <a:spAutoFit/>
+          </a:bodyPr>
+          <a:lstStyle/>
+          <a:p>
+            <a:r>
+              <a:rPr lang="fr-FR" dirty="0"/>
+              <a:t>Ratio 10/1</a:t>
+            </a:r>
+            <a:endParaRPr lang="en-US" dirty="0"/>
+          </a:p>
+        </p:txBody>
+      </p:sp>
+      <p:sp>
+        <p:nvSpPr>
+          <p:cNvPr id="20" name="Left Brace 19">
+            <a:extLst>
+              <a:ext uri="{FF2B5EF4-FFF2-40B4-BE49-F238E27FC236}">
+                <a16:creationId xmlns:a16="http://schemas.microsoft.com/office/drawing/2014/main" id="{2316946E-E2F7-4CC3-BEF4-75433E8E1F0E}"/>
+              </a:ext>
+            </a:extLst>
+          </p:cNvPr>
+          <p:cNvSpPr/>
+          <p:nvPr/>
+        </p:nvSpPr>
+        <p:spPr>
+          <a:xfrm>
+            <a:off x="3274828" y="2754155"/>
+            <a:ext cx="417062" cy="2412205"/>
+          </a:xfrm>
+          <a:prstGeom prst="leftBrace">
+            <a:avLst/>
+          </a:prstGeom>
+        </p:spPr>
+        <p:style>
+          <a:lnRef idx="1">
+            <a:schemeClr val="accent1"/>
+          </a:lnRef>
+          <a:fillRef idx="0">
+            <a:schemeClr val="accent1"/>
+          </a:fillRef>
+          <a:effectRef idx="0">
+            <a:schemeClr val="accent1"/>
+          </a:effectRef>
+          <a:fontRef idx="minor">
+            <a:schemeClr val="tx1"/>
+          </a:fontRef>
+        </p:style>
+        <p:txBody>
+          <a:bodyPr rtlCol="0" anchor="ctr"/>
+          <a:lstStyle/>
+          <a:p>
+            <a:pPr algn="ctr"/>
+            <a:endParaRPr lang="en-US"/>
+          </a:p>
+        </p:txBody>
+      </p:sp>
+      <p:sp>
+        <p:nvSpPr>
+          <p:cNvPr id="21" name="Left Brace 20">
+            <a:extLst>
+              <a:ext uri="{FF2B5EF4-FFF2-40B4-BE49-F238E27FC236}">
+                <a16:creationId xmlns:a16="http://schemas.microsoft.com/office/drawing/2014/main" id="{D6E39A84-B87A-46D8-A303-F4AD9FFBB2E2}"/>
+              </a:ext>
+            </a:extLst>
+          </p:cNvPr>
+          <p:cNvSpPr/>
+          <p:nvPr/>
+        </p:nvSpPr>
+        <p:spPr>
+          <a:xfrm>
+            <a:off x="3274829" y="5164296"/>
+            <a:ext cx="417062" cy="240030"/>
+          </a:xfrm>
+          <a:prstGeom prst="leftBrace">
+            <a:avLst/>
+          </a:prstGeom>
+        </p:spPr>
+        <p:style>
+          <a:lnRef idx="1">
+            <a:schemeClr val="accent1"/>
+          </a:lnRef>
+          <a:fillRef idx="0">
+            <a:schemeClr val="accent1"/>
+          </a:fillRef>
+          <a:effectRef idx="0">
+            <a:schemeClr val="accent1"/>
+          </a:effectRef>
+          <a:fontRef idx="minor">
+            <a:schemeClr val="tx1"/>
+          </a:fontRef>
+        </p:style>
+        <p:txBody>
+          <a:bodyPr rtlCol="0" anchor="ctr"/>
+          <a:lstStyle/>
+          <a:p>
+            <a:pPr algn="ctr"/>
+            <a:endParaRPr lang="en-US"/>
+          </a:p>
+        </p:txBody>
+      </p:sp>
+    </p:spTree>
+    <p:extLst>
+      <p:ext uri="{BB962C8B-B14F-4D97-AF65-F5344CB8AC3E}">
+        <p14:creationId xmlns:p14="http://schemas.microsoft.com/office/powerpoint/2010/main" val="682129804"/>
+      </p:ext>
+    </p:extLst>
+  </p:cSld>
+  <p:clrMapOvr>
+    <a:masterClrMapping/>
+  </p:clrMapOvr>
+</p:sld>
+</file>
+
+<file path=ppt/slides/slide28.xml><?xml version="1.0" encoding="utf-8"?>
+<p:sld xmlns:a="http://schemas.openxmlformats.org/drawingml/2006/main" xmlns:r="http://schemas.openxmlformats.org/officeDocument/2006/relationships" xmlns:p="http://schemas.openxmlformats.org/presentationml/2006/main">
+  <p:cSld>
+    <p:spTree>
+      <p:nvGrpSpPr>
+        <p:cNvPr id="1" name=""/>
+        <p:cNvGrpSpPr/>
+        <p:nvPr/>
+      </p:nvGrpSpPr>
+      <p:grpSpPr>
+        <a:xfrm>
+          <a:off x="0" y="0"/>
+          <a:ext cx="0" cy="0"/>
+          <a:chOff x="0" y="0"/>
+          <a:chExt cx="0" cy="0"/>
+        </a:xfrm>
+      </p:grpSpPr>
+      <p:sp>
+        <p:nvSpPr>
+          <p:cNvPr id="2" name="Title 1">
+            <a:extLst>
+              <a:ext uri="{FF2B5EF4-FFF2-40B4-BE49-F238E27FC236}">
+                <a16:creationId xmlns:a16="http://schemas.microsoft.com/office/drawing/2014/main" id="{EA0190E9-60FB-4127-B0EC-358F0C0B010C}"/>
+              </a:ext>
+            </a:extLst>
+          </p:cNvPr>
+          <p:cNvSpPr>
+            <a:spLocks noGrp="1"/>
+          </p:cNvSpPr>
+          <p:nvPr>
+            <p:ph type="title"/>
+          </p:nvPr>
+        </p:nvSpPr>
+        <p:spPr/>
+        <p:txBody>
+          <a:bodyPr/>
+          <a:lstStyle/>
+          <a:p>
+            <a:r>
+              <a:rPr lang="fr-FR" dirty="0"/>
+              <a:t>Exemple 2</a:t>
+            </a:r>
+            <a:endParaRPr lang="en-US" dirty="0"/>
+          </a:p>
+        </p:txBody>
+      </p:sp>
+      <p:pic>
+        <p:nvPicPr>
+          <p:cNvPr id="5" name="Content Placeholder 4">
+            <a:extLst>
+              <a:ext uri="{FF2B5EF4-FFF2-40B4-BE49-F238E27FC236}">
+                <a16:creationId xmlns:a16="http://schemas.microsoft.com/office/drawing/2014/main" id="{3C757613-99F5-4FDC-AD98-65F0EE1E09F1}"/>
+              </a:ext>
+            </a:extLst>
+          </p:cNvPr>
+          <p:cNvPicPr>
+            <a:picLocks noGrp="1" noChangeAspect="1"/>
+          </p:cNvPicPr>
+          <p:nvPr>
+            <p:ph idx="1"/>
+          </p:nvPr>
+        </p:nvPicPr>
+        <p:blipFill>
+          <a:blip r:embed="rId2"/>
+          <a:stretch>
+            <a:fillRect/>
+          </a:stretch>
+        </p:blipFill>
+        <p:spPr>
+          <a:xfrm>
+            <a:off x="838200" y="1748272"/>
+            <a:ext cx="10515600" cy="4960872"/>
+          </a:xfrm>
+        </p:spPr>
+      </p:pic>
+      <p:sp>
+        <p:nvSpPr>
+          <p:cNvPr id="6" name="Rectangle 5">
+            <a:extLst>
+              <a:ext uri="{FF2B5EF4-FFF2-40B4-BE49-F238E27FC236}">
+                <a16:creationId xmlns:a16="http://schemas.microsoft.com/office/drawing/2014/main" id="{D6E9A287-26E3-4E6A-AB3E-E08B61FD9E41}"/>
+              </a:ext>
+            </a:extLst>
+          </p:cNvPr>
+          <p:cNvSpPr/>
+          <p:nvPr/>
+        </p:nvSpPr>
+        <p:spPr>
+          <a:xfrm>
+            <a:off x="2224597" y="4847387"/>
+            <a:ext cx="943905" cy="224347"/>
+          </a:xfrm>
+          <a:prstGeom prst="rect">
+            <a:avLst/>
+          </a:prstGeom>
+          <a:solidFill>
+            <a:srgbClr val="FF0000">
+              <a:alpha val="50000"/>
+            </a:srgbClr>
+          </a:solidFill>
+          <a:ln w="25400">
+            <a:solidFill>
+              <a:srgbClr val="C00000"/>
+            </a:solidFill>
+          </a:ln>
+        </p:spPr>
+        <p:style>
+          <a:lnRef idx="2">
+            <a:schemeClr val="accent1">
+              <a:shade val="50000"/>
+            </a:schemeClr>
+          </a:lnRef>
+          <a:fillRef idx="1">
+            <a:schemeClr val="accent1"/>
+          </a:fillRef>
+          <a:effectRef idx="0">
+            <a:schemeClr val="accent1"/>
+          </a:effectRef>
+          <a:fontRef idx="minor">
+            <a:schemeClr val="lt1"/>
+          </a:fontRef>
+        </p:style>
+        <p:txBody>
+          <a:bodyPr rtlCol="0" anchor="ctr"/>
+          <a:lstStyle/>
+          <a:p>
+            <a:pPr algn="ctr"/>
+            <a:endParaRPr lang="en-US"/>
+          </a:p>
+        </p:txBody>
+      </p:sp>
+      <p:sp>
+        <p:nvSpPr>
+          <p:cNvPr id="7" name="Rectangle 6">
+            <a:extLst>
+              <a:ext uri="{FF2B5EF4-FFF2-40B4-BE49-F238E27FC236}">
+                <a16:creationId xmlns:a16="http://schemas.microsoft.com/office/drawing/2014/main" id="{1DE2E8A9-14B0-4ACA-A43A-28BE38FBF1D3}"/>
+              </a:ext>
+            </a:extLst>
+          </p:cNvPr>
+          <p:cNvSpPr/>
+          <p:nvPr/>
+        </p:nvSpPr>
+        <p:spPr>
+          <a:xfrm>
+            <a:off x="4657060" y="4841415"/>
+            <a:ext cx="5824250" cy="212039"/>
+          </a:xfrm>
+          <a:prstGeom prst="rect">
+            <a:avLst/>
+          </a:prstGeom>
+          <a:solidFill>
+            <a:srgbClr val="FF0000">
+              <a:alpha val="50000"/>
+            </a:srgbClr>
+          </a:solidFill>
+          <a:ln w="25400">
+            <a:solidFill>
+              <a:srgbClr val="C00000"/>
+            </a:solidFill>
+          </a:ln>
+        </p:spPr>
+        <p:style>
+          <a:lnRef idx="2">
+            <a:schemeClr val="accent1">
+              <a:shade val="50000"/>
+            </a:schemeClr>
+          </a:lnRef>
+          <a:fillRef idx="1">
+            <a:schemeClr val="accent1"/>
+          </a:fillRef>
+          <a:effectRef idx="0">
+            <a:schemeClr val="accent1"/>
+          </a:effectRef>
+          <a:fontRef idx="minor">
+            <a:schemeClr val="lt1"/>
+          </a:fontRef>
+        </p:style>
+        <p:txBody>
+          <a:bodyPr rtlCol="0" anchor="ctr"/>
+          <a:lstStyle/>
+          <a:p>
+            <a:pPr algn="ctr"/>
+            <a:endParaRPr lang="en-US"/>
+          </a:p>
+        </p:txBody>
+      </p:sp>
+      <p:sp>
+        <p:nvSpPr>
+          <p:cNvPr id="8" name="Rectangle 7">
+            <a:extLst>
+              <a:ext uri="{FF2B5EF4-FFF2-40B4-BE49-F238E27FC236}">
+                <a16:creationId xmlns:a16="http://schemas.microsoft.com/office/drawing/2014/main" id="{3158DEC5-33D8-4F8F-9DA8-12C20D87680A}"/>
+              </a:ext>
+            </a:extLst>
+          </p:cNvPr>
+          <p:cNvSpPr/>
+          <p:nvPr/>
+        </p:nvSpPr>
+        <p:spPr>
+          <a:xfrm>
+            <a:off x="4657060" y="4614082"/>
+            <a:ext cx="5824250" cy="212039"/>
+          </a:xfrm>
+          <a:prstGeom prst="rect">
+            <a:avLst/>
+          </a:prstGeom>
+          <a:solidFill>
+            <a:schemeClr val="accent6">
+              <a:alpha val="50000"/>
+            </a:schemeClr>
+          </a:solidFill>
+          <a:ln w="25400">
+            <a:solidFill>
+              <a:schemeClr val="accent6">
+                <a:lumMod val="75000"/>
+              </a:schemeClr>
+            </a:solidFill>
+          </a:ln>
+        </p:spPr>
+        <p:style>
+          <a:lnRef idx="2">
+            <a:schemeClr val="accent1">
+              <a:shade val="50000"/>
+            </a:schemeClr>
+          </a:lnRef>
+          <a:fillRef idx="1">
+            <a:schemeClr val="accent1"/>
+          </a:fillRef>
+          <a:effectRef idx="0">
+            <a:schemeClr val="accent1"/>
+          </a:effectRef>
+          <a:fontRef idx="minor">
+            <a:schemeClr val="lt1"/>
+          </a:fontRef>
+        </p:style>
+        <p:txBody>
+          <a:bodyPr rtlCol="0" anchor="ctr"/>
+          <a:lstStyle/>
+          <a:p>
+            <a:pPr algn="ctr"/>
+            <a:endParaRPr lang="en-US"/>
+          </a:p>
+        </p:txBody>
+      </p:sp>
+      <p:sp>
+        <p:nvSpPr>
+          <p:cNvPr id="9" name="Rectangle 8">
+            <a:extLst>
+              <a:ext uri="{FF2B5EF4-FFF2-40B4-BE49-F238E27FC236}">
+                <a16:creationId xmlns:a16="http://schemas.microsoft.com/office/drawing/2014/main" id="{7933BFF3-7937-42ED-8557-7C7E3807320A}"/>
+              </a:ext>
+            </a:extLst>
+          </p:cNvPr>
+          <p:cNvSpPr/>
+          <p:nvPr/>
+        </p:nvSpPr>
+        <p:spPr>
+          <a:xfrm>
+            <a:off x="4657060" y="4405951"/>
+            <a:ext cx="5824250" cy="212039"/>
+          </a:xfrm>
+          <a:prstGeom prst="rect">
+            <a:avLst/>
+          </a:prstGeom>
+          <a:solidFill>
+            <a:schemeClr val="accent6">
+              <a:alpha val="50000"/>
+            </a:schemeClr>
+          </a:solidFill>
+          <a:ln w="25400">
+            <a:solidFill>
+              <a:schemeClr val="accent6">
+                <a:lumMod val="75000"/>
+              </a:schemeClr>
+            </a:solidFill>
+          </a:ln>
+        </p:spPr>
+        <p:style>
+          <a:lnRef idx="2">
+            <a:schemeClr val="accent1">
+              <a:shade val="50000"/>
+            </a:schemeClr>
+          </a:lnRef>
+          <a:fillRef idx="1">
+            <a:schemeClr val="accent1"/>
+          </a:fillRef>
+          <a:effectRef idx="0">
+            <a:schemeClr val="accent1"/>
+          </a:effectRef>
+          <a:fontRef idx="minor">
+            <a:schemeClr val="lt1"/>
+          </a:fontRef>
+        </p:style>
+        <p:txBody>
+          <a:bodyPr rtlCol="0" anchor="ctr"/>
+          <a:lstStyle/>
+          <a:p>
+            <a:pPr algn="ctr"/>
+            <a:endParaRPr lang="en-US"/>
+          </a:p>
+        </p:txBody>
+      </p:sp>
+      <p:sp>
+        <p:nvSpPr>
+          <p:cNvPr id="10" name="Rectangle 9">
+            <a:extLst>
+              <a:ext uri="{FF2B5EF4-FFF2-40B4-BE49-F238E27FC236}">
+                <a16:creationId xmlns:a16="http://schemas.microsoft.com/office/drawing/2014/main" id="{84C0DD04-7616-44AC-9896-7E6E10A3CC95}"/>
+              </a:ext>
+            </a:extLst>
+          </p:cNvPr>
+          <p:cNvSpPr/>
+          <p:nvPr/>
+        </p:nvSpPr>
+        <p:spPr>
+          <a:xfrm>
+            <a:off x="4657060" y="3981120"/>
+            <a:ext cx="5824250" cy="212039"/>
+          </a:xfrm>
+          <a:prstGeom prst="rect">
+            <a:avLst/>
+          </a:prstGeom>
+          <a:solidFill>
+            <a:schemeClr val="accent6">
+              <a:alpha val="50000"/>
+            </a:schemeClr>
+          </a:solidFill>
+          <a:ln w="25400">
+            <a:solidFill>
+              <a:schemeClr val="accent6">
+                <a:lumMod val="75000"/>
+              </a:schemeClr>
+            </a:solidFill>
+          </a:ln>
+        </p:spPr>
+        <p:style>
+          <a:lnRef idx="2">
+            <a:schemeClr val="accent1">
+              <a:shade val="50000"/>
+            </a:schemeClr>
+          </a:lnRef>
+          <a:fillRef idx="1">
+            <a:schemeClr val="accent1"/>
+          </a:fillRef>
+          <a:effectRef idx="0">
+            <a:schemeClr val="accent1"/>
+          </a:effectRef>
+          <a:fontRef idx="minor">
+            <a:schemeClr val="lt1"/>
+          </a:fontRef>
+        </p:style>
+        <p:txBody>
+          <a:bodyPr rtlCol="0" anchor="ctr"/>
+          <a:lstStyle/>
+          <a:p>
+            <a:pPr algn="ctr"/>
+            <a:endParaRPr lang="en-US"/>
+          </a:p>
+        </p:txBody>
+      </p:sp>
+      <p:sp>
+        <p:nvSpPr>
+          <p:cNvPr id="11" name="Rectangle 10">
+            <a:extLst>
+              <a:ext uri="{FF2B5EF4-FFF2-40B4-BE49-F238E27FC236}">
+                <a16:creationId xmlns:a16="http://schemas.microsoft.com/office/drawing/2014/main" id="{83AEB584-EE5B-42A5-B12B-90B688687862}"/>
+              </a:ext>
+            </a:extLst>
+          </p:cNvPr>
+          <p:cNvSpPr/>
+          <p:nvPr/>
+        </p:nvSpPr>
+        <p:spPr>
+          <a:xfrm>
+            <a:off x="4657060" y="4189251"/>
+            <a:ext cx="5824250" cy="212039"/>
+          </a:xfrm>
+          <a:prstGeom prst="rect">
+            <a:avLst/>
+          </a:prstGeom>
+          <a:solidFill>
+            <a:schemeClr val="accent6">
+              <a:alpha val="50000"/>
+            </a:schemeClr>
+          </a:solidFill>
+          <a:ln w="25400">
+            <a:solidFill>
+              <a:schemeClr val="accent6">
+                <a:lumMod val="75000"/>
+              </a:schemeClr>
+            </a:solidFill>
+          </a:ln>
+        </p:spPr>
+        <p:style>
+          <a:lnRef idx="2">
+            <a:schemeClr val="accent1">
+              <a:shade val="50000"/>
+            </a:schemeClr>
+          </a:lnRef>
+          <a:fillRef idx="1">
+            <a:schemeClr val="accent1"/>
+          </a:fillRef>
+          <a:effectRef idx="0">
+            <a:schemeClr val="accent1"/>
+          </a:effectRef>
+          <a:fontRef idx="minor">
+            <a:schemeClr val="lt1"/>
+          </a:fontRef>
+        </p:style>
+        <p:txBody>
+          <a:bodyPr rtlCol="0" anchor="ctr"/>
+          <a:lstStyle/>
+          <a:p>
+            <a:pPr algn="ctr"/>
+            <a:endParaRPr lang="en-US"/>
+          </a:p>
+        </p:txBody>
+      </p:sp>
+      <p:sp>
+        <p:nvSpPr>
+          <p:cNvPr id="12" name="Rectangle 11">
+            <a:extLst>
+              <a:ext uri="{FF2B5EF4-FFF2-40B4-BE49-F238E27FC236}">
+                <a16:creationId xmlns:a16="http://schemas.microsoft.com/office/drawing/2014/main" id="{81838CB2-4144-4212-995A-E33486488048}"/>
+              </a:ext>
+            </a:extLst>
+          </p:cNvPr>
+          <p:cNvSpPr/>
+          <p:nvPr/>
+        </p:nvSpPr>
+        <p:spPr>
+          <a:xfrm>
+            <a:off x="4657060" y="3762356"/>
+            <a:ext cx="5824250" cy="212039"/>
+          </a:xfrm>
+          <a:prstGeom prst="rect">
+            <a:avLst/>
+          </a:prstGeom>
+          <a:solidFill>
+            <a:schemeClr val="accent6">
+              <a:alpha val="50000"/>
+            </a:schemeClr>
+          </a:solidFill>
+          <a:ln w="25400">
+            <a:solidFill>
+              <a:schemeClr val="accent6">
+                <a:lumMod val="75000"/>
+              </a:schemeClr>
+            </a:solidFill>
+          </a:ln>
+        </p:spPr>
+        <p:style>
+          <a:lnRef idx="2">
+            <a:schemeClr val="accent1">
+              <a:shade val="50000"/>
+            </a:schemeClr>
+          </a:lnRef>
+          <a:fillRef idx="1">
+            <a:schemeClr val="accent1"/>
+          </a:fillRef>
+          <a:effectRef idx="0">
+            <a:schemeClr val="accent1"/>
+          </a:effectRef>
+          <a:fontRef idx="minor">
+            <a:schemeClr val="lt1"/>
+          </a:fontRef>
+        </p:style>
+        <p:txBody>
+          <a:bodyPr rtlCol="0" anchor="ctr"/>
+          <a:lstStyle/>
+          <a:p>
+            <a:pPr algn="ctr"/>
+            <a:endParaRPr lang="en-US"/>
+          </a:p>
+        </p:txBody>
+      </p:sp>
+      <p:sp>
+        <p:nvSpPr>
+          <p:cNvPr id="13" name="Rectangle 12">
+            <a:extLst>
+              <a:ext uri="{FF2B5EF4-FFF2-40B4-BE49-F238E27FC236}">
+                <a16:creationId xmlns:a16="http://schemas.microsoft.com/office/drawing/2014/main" id="{0E61C81D-03B0-4FA5-974D-DEA8DF622737}"/>
+              </a:ext>
+            </a:extLst>
+          </p:cNvPr>
+          <p:cNvSpPr/>
+          <p:nvPr/>
+        </p:nvSpPr>
+        <p:spPr>
+          <a:xfrm>
+            <a:off x="4657060" y="3554225"/>
+            <a:ext cx="5824250" cy="212039"/>
+          </a:xfrm>
+          <a:prstGeom prst="rect">
+            <a:avLst/>
+          </a:prstGeom>
+          <a:solidFill>
+            <a:schemeClr val="accent6">
+              <a:alpha val="50000"/>
+            </a:schemeClr>
+          </a:solidFill>
+          <a:ln w="25400">
+            <a:solidFill>
+              <a:schemeClr val="accent6">
+                <a:lumMod val="75000"/>
+              </a:schemeClr>
+            </a:solidFill>
+          </a:ln>
+        </p:spPr>
+        <p:style>
+          <a:lnRef idx="2">
+            <a:schemeClr val="accent1">
+              <a:shade val="50000"/>
+            </a:schemeClr>
+          </a:lnRef>
+          <a:fillRef idx="1">
+            <a:schemeClr val="accent1"/>
+          </a:fillRef>
+          <a:effectRef idx="0">
+            <a:schemeClr val="accent1"/>
+          </a:effectRef>
+          <a:fontRef idx="minor">
+            <a:schemeClr val="lt1"/>
+          </a:fontRef>
+        </p:style>
+        <p:txBody>
+          <a:bodyPr rtlCol="0" anchor="ctr"/>
+          <a:lstStyle/>
+          <a:p>
+            <a:pPr algn="ctr"/>
+            <a:endParaRPr lang="en-US"/>
+          </a:p>
+        </p:txBody>
+      </p:sp>
+      <p:sp>
+        <p:nvSpPr>
+          <p:cNvPr id="14" name="Rectangle 13">
+            <a:extLst>
+              <a:ext uri="{FF2B5EF4-FFF2-40B4-BE49-F238E27FC236}">
+                <a16:creationId xmlns:a16="http://schemas.microsoft.com/office/drawing/2014/main" id="{73F22E2A-9C59-4A21-B886-736D93CC98CA}"/>
+              </a:ext>
+            </a:extLst>
+          </p:cNvPr>
+          <p:cNvSpPr/>
+          <p:nvPr/>
+        </p:nvSpPr>
+        <p:spPr>
+          <a:xfrm>
+            <a:off x="4657060" y="3130502"/>
+            <a:ext cx="5824250" cy="212039"/>
+          </a:xfrm>
+          <a:prstGeom prst="rect">
+            <a:avLst/>
+          </a:prstGeom>
+          <a:solidFill>
+            <a:schemeClr val="accent6">
+              <a:alpha val="50000"/>
+            </a:schemeClr>
+          </a:solidFill>
+          <a:ln w="25400">
+            <a:solidFill>
+              <a:schemeClr val="accent6">
+                <a:lumMod val="75000"/>
+              </a:schemeClr>
+            </a:solidFill>
+          </a:ln>
+        </p:spPr>
+        <p:style>
+          <a:lnRef idx="2">
+            <a:schemeClr val="accent1">
+              <a:shade val="50000"/>
+            </a:schemeClr>
+          </a:lnRef>
+          <a:fillRef idx="1">
+            <a:schemeClr val="accent1"/>
+          </a:fillRef>
+          <a:effectRef idx="0">
+            <a:schemeClr val="accent1"/>
+          </a:effectRef>
+          <a:fontRef idx="minor">
+            <a:schemeClr val="lt1"/>
+          </a:fontRef>
+        </p:style>
+        <p:txBody>
+          <a:bodyPr rtlCol="0" anchor="ctr"/>
+          <a:lstStyle/>
+          <a:p>
+            <a:pPr algn="ctr"/>
+            <a:endParaRPr lang="en-US"/>
+          </a:p>
+        </p:txBody>
+      </p:sp>
+      <p:sp>
+        <p:nvSpPr>
+          <p:cNvPr id="15" name="Rectangle 14">
+            <a:extLst>
+              <a:ext uri="{FF2B5EF4-FFF2-40B4-BE49-F238E27FC236}">
+                <a16:creationId xmlns:a16="http://schemas.microsoft.com/office/drawing/2014/main" id="{B09079B6-2C06-4F09-BA0B-419765DC7362}"/>
+              </a:ext>
+            </a:extLst>
+          </p:cNvPr>
+          <p:cNvSpPr/>
+          <p:nvPr/>
+        </p:nvSpPr>
+        <p:spPr>
+          <a:xfrm>
+            <a:off x="4657060" y="3338633"/>
+            <a:ext cx="5824250" cy="212039"/>
+          </a:xfrm>
+          <a:prstGeom prst="rect">
+            <a:avLst/>
+          </a:prstGeom>
+          <a:solidFill>
+            <a:schemeClr val="accent6">
+              <a:alpha val="50000"/>
+            </a:schemeClr>
+          </a:solidFill>
+          <a:ln w="25400">
+            <a:solidFill>
+              <a:schemeClr val="accent6">
+                <a:lumMod val="75000"/>
+              </a:schemeClr>
+            </a:solidFill>
+          </a:ln>
+        </p:spPr>
+        <p:style>
+          <a:lnRef idx="2">
+            <a:schemeClr val="accent1">
+              <a:shade val="50000"/>
+            </a:schemeClr>
+          </a:lnRef>
+          <a:fillRef idx="1">
+            <a:schemeClr val="accent1"/>
+          </a:fillRef>
+          <a:effectRef idx="0">
+            <a:schemeClr val="accent1"/>
+          </a:effectRef>
+          <a:fontRef idx="minor">
+            <a:schemeClr val="lt1"/>
+          </a:fontRef>
+        </p:style>
+        <p:txBody>
+          <a:bodyPr rtlCol="0" anchor="ctr"/>
+          <a:lstStyle/>
+          <a:p>
+            <a:pPr algn="ctr"/>
+            <a:endParaRPr lang="en-US"/>
+          </a:p>
+        </p:txBody>
+      </p:sp>
+      <p:sp>
+        <p:nvSpPr>
+          <p:cNvPr id="18" name="TextBox 17">
+            <a:extLst>
+              <a:ext uri="{FF2B5EF4-FFF2-40B4-BE49-F238E27FC236}">
+                <a16:creationId xmlns:a16="http://schemas.microsoft.com/office/drawing/2014/main" id="{8D8F8F79-C107-4F70-97E2-E21B9C62CB1F}"/>
+              </a:ext>
+            </a:extLst>
+          </p:cNvPr>
+          <p:cNvSpPr txBox="1"/>
+          <p:nvPr/>
+        </p:nvSpPr>
+        <p:spPr>
+          <a:xfrm>
+            <a:off x="3284941" y="3561269"/>
+            <a:ext cx="1046569" cy="369332"/>
+          </a:xfrm>
+          <a:prstGeom prst="rect">
+            <a:avLst/>
+          </a:prstGeom>
+          <a:noFill/>
+        </p:spPr>
+        <p:txBody>
+          <a:bodyPr wrap="none" rtlCol="0">
+            <a:spAutoFit/>
+          </a:bodyPr>
+          <a:lstStyle/>
+          <a:p>
+            <a:r>
+              <a:rPr lang="fr-FR" dirty="0"/>
+              <a:t>Ratio 8/1</a:t>
+            </a:r>
+            <a:endParaRPr lang="en-US" dirty="0"/>
+          </a:p>
+        </p:txBody>
+      </p:sp>
+      <p:sp>
+        <p:nvSpPr>
+          <p:cNvPr id="19" name="Left Brace 18">
+            <a:extLst>
+              <a:ext uri="{FF2B5EF4-FFF2-40B4-BE49-F238E27FC236}">
+                <a16:creationId xmlns:a16="http://schemas.microsoft.com/office/drawing/2014/main" id="{EA3C1104-261D-427C-A67C-E38E13833359}"/>
+              </a:ext>
+            </a:extLst>
+          </p:cNvPr>
+          <p:cNvSpPr/>
+          <p:nvPr/>
+        </p:nvSpPr>
+        <p:spPr>
+          <a:xfrm>
+            <a:off x="4239998" y="3130502"/>
+            <a:ext cx="417062" cy="1710914"/>
+          </a:xfrm>
+          <a:prstGeom prst="leftBrace">
+            <a:avLst/>
+          </a:prstGeom>
+        </p:spPr>
+        <p:style>
+          <a:lnRef idx="1">
+            <a:schemeClr val="accent1"/>
+          </a:lnRef>
+          <a:fillRef idx="0">
+            <a:schemeClr val="accent1"/>
+          </a:fillRef>
+          <a:effectRef idx="0">
+            <a:schemeClr val="accent1"/>
+          </a:effectRef>
+          <a:fontRef idx="minor">
+            <a:schemeClr val="tx1"/>
+          </a:fontRef>
+        </p:style>
+        <p:txBody>
+          <a:bodyPr rtlCol="0" anchor="ctr"/>
+          <a:lstStyle/>
+          <a:p>
+            <a:pPr algn="ctr"/>
+            <a:endParaRPr lang="en-US"/>
+          </a:p>
+        </p:txBody>
+      </p:sp>
+      <p:sp>
+        <p:nvSpPr>
+          <p:cNvPr id="21" name="TextBox 20">
+            <a:extLst>
+              <a:ext uri="{FF2B5EF4-FFF2-40B4-BE49-F238E27FC236}">
+                <a16:creationId xmlns:a16="http://schemas.microsoft.com/office/drawing/2014/main" id="{0B67470E-DA70-4F5E-9247-236C49DDE210}"/>
+              </a:ext>
+            </a:extLst>
+          </p:cNvPr>
+          <p:cNvSpPr txBox="1"/>
+          <p:nvPr/>
+        </p:nvSpPr>
+        <p:spPr>
+          <a:xfrm>
+            <a:off x="2134397" y="4189251"/>
+            <a:ext cx="854016" cy="369332"/>
+          </a:xfrm>
+          <a:prstGeom prst="rect">
+            <a:avLst/>
+          </a:prstGeom>
+          <a:noFill/>
+        </p:spPr>
+        <p:txBody>
+          <a:bodyPr wrap="none" rtlCol="0">
+            <a:spAutoFit/>
+          </a:bodyPr>
+          <a:lstStyle/>
+          <a:p>
+            <a:r>
+              <a:rPr lang="fr-FR" dirty="0"/>
+              <a:t>Perte 1</a:t>
+            </a:r>
+            <a:endParaRPr lang="en-US" dirty="0"/>
+          </a:p>
+        </p:txBody>
+      </p:sp>
+    </p:spTree>
+    <p:extLst>
+      <p:ext uri="{BB962C8B-B14F-4D97-AF65-F5344CB8AC3E}">
+        <p14:creationId xmlns:p14="http://schemas.microsoft.com/office/powerpoint/2010/main" val="1688933386"/>
+      </p:ext>
+    </p:extLst>
+  </p:cSld>
+  <p:clrMapOvr>
+    <a:masterClrMapping/>
+  </p:clrMapOvr>
+</p:sld>
+</file>
+
+<file path=ppt/slides/slide29.xml><?xml version="1.0" encoding="utf-8"?>
+<p:sld xmlns:a="http://schemas.openxmlformats.org/drawingml/2006/main" xmlns:r="http://schemas.openxmlformats.org/officeDocument/2006/relationships" xmlns:p="http://schemas.openxmlformats.org/presentationml/2006/main">
+  <p:cSld>
+    <p:spTree>
+      <p:nvGrpSpPr>
+        <p:cNvPr id="1" name=""/>
+        <p:cNvGrpSpPr/>
+        <p:nvPr/>
+      </p:nvGrpSpPr>
+      <p:grpSpPr>
+        <a:xfrm>
+          <a:off x="0" y="0"/>
+          <a:ext cx="0" cy="0"/>
+          <a:chOff x="0" y="0"/>
+          <a:chExt cx="0" cy="0"/>
+        </a:xfrm>
+      </p:grpSpPr>
+      <p:sp>
+        <p:nvSpPr>
+          <p:cNvPr id="2" name="Title 1">
+            <a:extLst>
+              <a:ext uri="{FF2B5EF4-FFF2-40B4-BE49-F238E27FC236}">
+                <a16:creationId xmlns:a16="http://schemas.microsoft.com/office/drawing/2014/main" id="{8799B785-EEBE-49C4-AB80-AC77F7A85E20}"/>
+              </a:ext>
+            </a:extLst>
+          </p:cNvPr>
+          <p:cNvSpPr>
+            <a:spLocks noGrp="1"/>
+          </p:cNvSpPr>
+          <p:nvPr>
+            <p:ph type="title"/>
+          </p:nvPr>
+        </p:nvSpPr>
+        <p:spPr/>
+        <p:txBody>
+          <a:bodyPr/>
+          <a:lstStyle/>
+          <a:p>
+            <a:r>
+              <a:rPr lang="fr-FR" dirty="0"/>
+              <a:t>Psychologie</a:t>
             </a:r>
             <a:endParaRPr lang="en-US" dirty="0"/>
           </a:p>
@@ -12543,97 +14155,318 @@
             <p:ph idx="1"/>
           </p:nvPr>
         </p:nvSpPr>
-        <p:spPr>
-          <a:xfrm>
-            <a:off x="256477" y="1550019"/>
-            <a:ext cx="11731083" cy="5185317"/>
-          </a:xfrm>
-        </p:spPr>
-        <p:txBody>
-          <a:bodyPr>
-            <a:normAutofit fontScale="62500" lnSpcReduction="20000"/>
-          </a:bodyPr>
+        <p:spPr/>
+        <p:txBody>
+          <a:bodyPr/>
           <a:lstStyle/>
           <a:p>
             <a:r>
               <a:rPr lang="fr-FR" dirty="0"/>
-              <a:t>La recette d'un trading gagnant ? 10% savoir acheter, 20% savoir vendre, 70% savoir patienter</a:t>
-            </a:r>
-          </a:p>
-          <a:p>
-            <a:r>
-              <a:rPr lang="fr-FR" dirty="0"/>
-              <a:t>Ce qui importe n'est pas à quel point vous avez bien joué quand vous êtes dans une bonne période. Mais à quel point vous avez bien joué quand vous jouez mal - Martina Navratilova</a:t>
-            </a:r>
-          </a:p>
-          <a:p>
-            <a:r>
-              <a:rPr lang="fr-FR" dirty="0"/>
-              <a:t>La richesse de l'information créée la pauvreté de l'attention</a:t>
-            </a:r>
-          </a:p>
-          <a:p>
-            <a:r>
-              <a:rPr lang="fr-FR" dirty="0"/>
-              <a:t>Plutôt que de se concentrer à faire ce qu'il faut faire, l'investisseur durablement gagnant doit surtout éviter de faire ce qu'il ne faut pas faire.</a:t>
-            </a:r>
-          </a:p>
-          <a:p>
-            <a:r>
-              <a:rPr lang="fr-FR" dirty="0"/>
-              <a:t>La performance se fait quand notre objectif est de faire autant que le marché en tendance haussière et plus que lui dans les tendances baissières. C'est là que l'on fait la différence</a:t>
-            </a:r>
-          </a:p>
-          <a:p>
-            <a:r>
-              <a:rPr lang="fr-FR" dirty="0"/>
-              <a:t>Le trading est un jeu psychologique. La majorité des gens pensent qu'ils se battent contre le marché alors que le marché s'en fout. Vous vous battez surtout contre vous même. Martin Schwartz</a:t>
-            </a:r>
-          </a:p>
-          <a:p>
-            <a:r>
-              <a:rPr lang="fr-FR" dirty="0"/>
-              <a:t>Aucune tendance ne dure éternellement, aucun range n'est durable, aucune stratégie ne marche tout le temps. C'est pourquoi, vous devez gérer votre risque tout le temps.</a:t>
-            </a:r>
-          </a:p>
-          <a:p>
-            <a:r>
-              <a:rPr lang="fr-FR" dirty="0"/>
-              <a:t>La majorité serait plus profitable s'ils </a:t>
-            </a:r>
-            <a:r>
-              <a:rPr lang="fr-FR" dirty="0" err="1"/>
-              <a:t>tradaient</a:t>
-            </a:r>
-            <a:r>
-              <a:rPr lang="fr-FR" dirty="0"/>
-              <a:t> moins. Le temps est votre ami, la précipitation impulsive votre ennemi. John </a:t>
-            </a:r>
-            <a:r>
-              <a:rPr lang="fr-FR" dirty="0" err="1"/>
-              <a:t>Bogle</a:t>
-            </a:r>
-            <a:r>
-              <a:rPr lang="fr-FR" dirty="0"/>
+              <a:t>Couper les pertes et laisser courir les gains</a:t>
+            </a:r>
+          </a:p>
+          <a:p>
+            <a:pPr lvl="1">
+              <a:buFont typeface="Wingdings" panose="05000000000000000000" pitchFamily="2" charset="2"/>
+              <a:buChar char="è"/>
+            </a:pPr>
+            <a:r>
+              <a:rPr lang="fr-FR" dirty="0">
+                <a:sym typeface="Wingdings" panose="05000000000000000000" pitchFamily="2" charset="2"/>
+              </a:rPr>
+              <a:t>Contre la nature humaine</a:t>
+            </a:r>
+          </a:p>
+          <a:p>
+            <a:r>
+              <a:rPr lang="en-US" dirty="0"/>
+              <a:t>Ne pas </a:t>
+            </a:r>
+            <a:r>
+              <a:rPr lang="en-US" dirty="0" err="1"/>
+              <a:t>vouloir</a:t>
+            </a:r>
+            <a:r>
+              <a:rPr lang="en-US" dirty="0"/>
+              <a:t> </a:t>
+            </a:r>
+            <a:r>
+              <a:rPr lang="en-US" dirty="0" err="1"/>
+              <a:t>avoir</a:t>
+            </a:r>
+            <a:r>
+              <a:rPr lang="en-US" dirty="0"/>
+              <a:t> raison</a:t>
+            </a:r>
+          </a:p>
+          <a:p>
+            <a:pPr marL="457200" lvl="1" indent="0">
+              <a:buNone/>
+            </a:pPr>
+            <a:r>
+              <a:rPr lang="en-US" dirty="0">
+                <a:sym typeface="Wingdings" panose="05000000000000000000" pitchFamily="2" charset="2"/>
+              </a:rPr>
+              <a:t>Ranger son </a:t>
+            </a:r>
+            <a:r>
+              <a:rPr lang="en-US" dirty="0" err="1">
+                <a:sym typeface="Wingdings" panose="05000000000000000000" pitchFamily="2" charset="2"/>
+              </a:rPr>
+              <a:t>égo</a:t>
+            </a:r>
+            <a:r>
+              <a:rPr lang="en-US" dirty="0">
+                <a:sym typeface="Wingdings" panose="05000000000000000000" pitchFamily="2" charset="2"/>
+              </a:rPr>
+              <a:t>, </a:t>
+            </a:r>
+            <a:r>
+              <a:rPr lang="en-US" dirty="0" err="1">
+                <a:sym typeface="Wingdings" panose="05000000000000000000" pitchFamily="2" charset="2"/>
+              </a:rPr>
+              <a:t>si</a:t>
+            </a:r>
+            <a:r>
+              <a:rPr lang="en-US" dirty="0">
+                <a:sym typeface="Wingdings" panose="05000000000000000000" pitchFamily="2" charset="2"/>
+              </a:rPr>
+              <a:t> </a:t>
+            </a:r>
+            <a:r>
+              <a:rPr lang="en-US" dirty="0" err="1">
+                <a:sym typeface="Wingdings" panose="05000000000000000000" pitchFamily="2" charset="2"/>
+              </a:rPr>
+              <a:t>l’action</a:t>
+            </a:r>
+            <a:r>
+              <a:rPr lang="en-US" dirty="0">
+                <a:sym typeface="Wingdings" panose="05000000000000000000" pitchFamily="2" charset="2"/>
+              </a:rPr>
+              <a:t> </a:t>
+            </a:r>
+            <a:r>
+              <a:rPr lang="en-US" dirty="0" err="1">
+                <a:sym typeface="Wingdings" panose="05000000000000000000" pitchFamily="2" charset="2"/>
+              </a:rPr>
+              <a:t>baisse</a:t>
+            </a:r>
+            <a:r>
+              <a:rPr lang="en-US" dirty="0">
+                <a:sym typeface="Wingdings" panose="05000000000000000000" pitchFamily="2" charset="2"/>
+              </a:rPr>
+              <a:t>, </a:t>
+            </a:r>
+            <a:r>
+              <a:rPr lang="en-US" dirty="0" err="1">
+                <a:sym typeface="Wingdings" panose="05000000000000000000" pitchFamily="2" charset="2"/>
+              </a:rPr>
+              <a:t>c’est</a:t>
+            </a:r>
+            <a:r>
+              <a:rPr lang="en-US" dirty="0">
+                <a:sym typeface="Wingdings" panose="05000000000000000000" pitchFamily="2" charset="2"/>
+              </a:rPr>
+              <a:t> </a:t>
+            </a:r>
+            <a:r>
+              <a:rPr lang="en-US" dirty="0" err="1">
+                <a:sym typeface="Wingdings" panose="05000000000000000000" pitchFamily="2" charset="2"/>
+              </a:rPr>
+              <a:t>qu’on</a:t>
+            </a:r>
+            <a:r>
+              <a:rPr lang="en-US" dirty="0">
+                <a:sym typeface="Wingdings" panose="05000000000000000000" pitchFamily="2" charset="2"/>
+              </a:rPr>
+              <a:t> </a:t>
+            </a:r>
+            <a:r>
+              <a:rPr lang="en-US" dirty="0" err="1">
+                <a:sym typeface="Wingdings" panose="05000000000000000000" pitchFamily="2" charset="2"/>
+              </a:rPr>
+              <a:t>s’es</a:t>
+            </a:r>
+            <a:r>
+              <a:rPr lang="en-US" dirty="0">
+                <a:sym typeface="Wingdings" panose="05000000000000000000" pitchFamily="2" charset="2"/>
+              </a:rPr>
+              <a:t> </a:t>
+            </a:r>
+            <a:r>
+              <a:rPr lang="en-US" dirty="0" err="1">
+                <a:sym typeface="Wingdings" panose="05000000000000000000" pitchFamily="2" charset="2"/>
+              </a:rPr>
+              <a:t>trompé</a:t>
+            </a:r>
+            <a:r>
+              <a:rPr lang="en-US" dirty="0">
+                <a:sym typeface="Wingdings" panose="05000000000000000000" pitchFamily="2" charset="2"/>
+              </a:rPr>
+              <a:t>, il faut </a:t>
+            </a:r>
+            <a:r>
+              <a:rPr lang="en-US" dirty="0" err="1">
+                <a:sym typeface="Wingdings" panose="05000000000000000000" pitchFamily="2" charset="2"/>
+              </a:rPr>
+              <a:t>vendre</a:t>
+            </a:r>
+            <a:r>
+              <a:rPr lang="en-US" dirty="0">
+                <a:sym typeface="Wingdings" panose="05000000000000000000" pitchFamily="2" charset="2"/>
+              </a:rPr>
               <a:t>.</a:t>
             </a:r>
           </a:p>
           <a:p>
-            <a:r>
-              <a:rPr lang="fr-FR" dirty="0"/>
-              <a:t>Pendant que le pessimiste et l'optimiste se chamaillent à savoir si le verre et à moitié vide ou plein. Il est bu par l'opportuniste. </a:t>
-            </a:r>
-          </a:p>
-          <a:p>
-            <a:r>
-              <a:rPr lang="fr-FR" dirty="0"/>
-              <a:t>L'investisseur intelligent est un réaliste qui vend aux optimistes et achète aux pessimistes. Ben Graham.</a:t>
-            </a:r>
-          </a:p>
-          <a:p>
-            <a:r>
-              <a:rPr lang="fr-FR" dirty="0"/>
-              <a:t>Investir est un marathon, pas un sprint. </a:t>
+            <a:pPr marL="457200" lvl="1" indent="0">
+              <a:buNone/>
+            </a:pPr>
+            <a:endParaRPr lang="en-US" dirty="0">
+              <a:sym typeface="Wingdings" panose="05000000000000000000" pitchFamily="2" charset="2"/>
+            </a:endParaRPr>
+          </a:p>
+          <a:p>
+            <a:pPr marL="457200" lvl="1" indent="0">
+              <a:buNone/>
+            </a:pPr>
+            <a:r>
+              <a:rPr lang="en-US" dirty="0">
+                <a:sym typeface="Wingdings" panose="05000000000000000000" pitchFamily="2" charset="2"/>
+              </a:rPr>
+              <a:t>On </a:t>
+            </a:r>
+            <a:r>
+              <a:rPr lang="en-US" dirty="0" err="1">
+                <a:sym typeface="Wingdings" panose="05000000000000000000" pitchFamily="2" charset="2"/>
+              </a:rPr>
+              <a:t>gagne</a:t>
+            </a:r>
+            <a:r>
+              <a:rPr lang="en-US" dirty="0">
+                <a:sym typeface="Wingdings" panose="05000000000000000000" pitchFamily="2" charset="2"/>
+              </a:rPr>
+              <a:t> de </a:t>
+            </a:r>
+            <a:r>
+              <a:rPr lang="en-US" dirty="0" err="1">
+                <a:sym typeface="Wingdings" panose="05000000000000000000" pitchFamily="2" charset="2"/>
+              </a:rPr>
+              <a:t>l’argent</a:t>
+            </a:r>
+            <a:r>
+              <a:rPr lang="en-US" dirty="0">
+                <a:sym typeface="Wingdings" panose="05000000000000000000" pitchFamily="2" charset="2"/>
+              </a:rPr>
+              <a:t> </a:t>
+            </a:r>
+            <a:r>
+              <a:rPr lang="en-US" dirty="0" err="1">
+                <a:sym typeface="Wingdings" panose="05000000000000000000" pitchFamily="2" charset="2"/>
+              </a:rPr>
+              <a:t>en</a:t>
+            </a:r>
+            <a:r>
+              <a:rPr lang="en-US" dirty="0">
+                <a:sym typeface="Wingdings" panose="05000000000000000000" pitchFamily="2" charset="2"/>
+              </a:rPr>
+              <a:t> se </a:t>
+            </a:r>
+            <a:r>
+              <a:rPr lang="en-US" dirty="0" err="1">
+                <a:sym typeface="Wingdings" panose="05000000000000000000" pitchFamily="2" charset="2"/>
+              </a:rPr>
+              <a:t>trompant</a:t>
+            </a:r>
+            <a:r>
+              <a:rPr lang="en-US" dirty="0">
+                <a:sym typeface="Wingdings" panose="05000000000000000000" pitchFamily="2" charset="2"/>
+              </a:rPr>
+              <a:t> </a:t>
+            </a:r>
+            <a:r>
+              <a:rPr lang="en-US" dirty="0" err="1">
+                <a:sym typeface="Wingdings" panose="05000000000000000000" pitchFamily="2" charset="2"/>
+              </a:rPr>
+              <a:t>souvent</a:t>
+            </a:r>
+            <a:r>
+              <a:rPr lang="en-US" dirty="0">
+                <a:sym typeface="Wingdings" panose="05000000000000000000" pitchFamily="2" charset="2"/>
+              </a:rPr>
+              <a:t>, il </a:t>
+            </a:r>
+            <a:r>
+              <a:rPr lang="en-US" dirty="0" err="1">
+                <a:sym typeface="Wingdings" panose="05000000000000000000" pitchFamily="2" charset="2"/>
+              </a:rPr>
+              <a:t>suffit</a:t>
+            </a:r>
+            <a:r>
+              <a:rPr lang="en-US" dirty="0">
+                <a:sym typeface="Wingdings" panose="05000000000000000000" pitchFamily="2" charset="2"/>
+              </a:rPr>
+              <a:t> de </a:t>
+            </a:r>
+            <a:r>
+              <a:rPr lang="en-US" dirty="0" err="1">
+                <a:sym typeface="Wingdings" panose="05000000000000000000" pitchFamily="2" charset="2"/>
+              </a:rPr>
+              <a:t>gagner</a:t>
+            </a:r>
+            <a:r>
+              <a:rPr lang="en-US" dirty="0">
+                <a:sym typeface="Wingdings" panose="05000000000000000000" pitchFamily="2" charset="2"/>
+              </a:rPr>
+              <a:t> beaucoup </a:t>
+            </a:r>
+            <a:r>
+              <a:rPr lang="en-US" dirty="0" err="1">
+                <a:sym typeface="Wingdings" panose="05000000000000000000" pitchFamily="2" charset="2"/>
+              </a:rPr>
+              <a:t>quand</a:t>
+            </a:r>
+            <a:r>
+              <a:rPr lang="en-US" dirty="0">
+                <a:sym typeface="Wingdings" panose="05000000000000000000" pitchFamily="2" charset="2"/>
+              </a:rPr>
+              <a:t> on a raison, et </a:t>
+            </a:r>
+            <a:r>
+              <a:rPr lang="en-US" dirty="0" err="1">
+                <a:sym typeface="Wingdings" panose="05000000000000000000" pitchFamily="2" charset="2"/>
+              </a:rPr>
+              <a:t>perdre</a:t>
+            </a:r>
+            <a:r>
+              <a:rPr lang="en-US" dirty="0">
+                <a:sym typeface="Wingdings" panose="05000000000000000000" pitchFamily="2" charset="2"/>
+              </a:rPr>
+              <a:t> </a:t>
+            </a:r>
+            <a:r>
+              <a:rPr lang="en-US" dirty="0" err="1">
+                <a:sym typeface="Wingdings" panose="05000000000000000000" pitchFamily="2" charset="2"/>
+              </a:rPr>
+              <a:t>peu</a:t>
+            </a:r>
+            <a:r>
+              <a:rPr lang="en-US" dirty="0">
+                <a:sym typeface="Wingdings" panose="05000000000000000000" pitchFamily="2" charset="2"/>
+              </a:rPr>
+              <a:t> </a:t>
+            </a:r>
+            <a:r>
+              <a:rPr lang="en-US" dirty="0" err="1">
+                <a:sym typeface="Wingdings" panose="05000000000000000000" pitchFamily="2" charset="2"/>
+              </a:rPr>
+              <a:t>quand</a:t>
+            </a:r>
+            <a:r>
+              <a:rPr lang="en-US" dirty="0">
+                <a:sym typeface="Wingdings" panose="05000000000000000000" pitchFamily="2" charset="2"/>
+              </a:rPr>
+              <a:t> on a tort.</a:t>
             </a:r>
             <a:endParaRPr lang="en-US" dirty="0"/>
           </a:p>
@@ -12642,7 +14475,7 @@
     </p:spTree>
     <p:extLst>
       <p:ext uri="{BB962C8B-B14F-4D97-AF65-F5344CB8AC3E}">
-        <p14:creationId xmlns:p14="http://schemas.microsoft.com/office/powerpoint/2010/main" val="3710044543"/>
+        <p14:creationId xmlns:p14="http://schemas.microsoft.com/office/powerpoint/2010/main" val="2971414286"/>
       </p:ext>
     </p:extLst>
   </p:cSld>
@@ -12838,6 +14671,177 @@
     <p:extLst>
       <p:ext uri="{BB962C8B-B14F-4D97-AF65-F5344CB8AC3E}">
         <p14:creationId xmlns:p14="http://schemas.microsoft.com/office/powerpoint/2010/main" val="737864293"/>
+      </p:ext>
+    </p:extLst>
+  </p:cSld>
+  <p:clrMapOvr>
+    <a:masterClrMapping/>
+  </p:clrMapOvr>
+</p:sld>
+</file>
+
+<file path=ppt/slides/slide30.xml><?xml version="1.0" encoding="utf-8"?>
+<p:sld xmlns:a="http://schemas.openxmlformats.org/drawingml/2006/main" xmlns:r="http://schemas.openxmlformats.org/officeDocument/2006/relationships" xmlns:p="http://schemas.openxmlformats.org/presentationml/2006/main">
+  <p:cSld>
+    <p:spTree>
+      <p:nvGrpSpPr>
+        <p:cNvPr id="1" name=""/>
+        <p:cNvGrpSpPr/>
+        <p:nvPr/>
+      </p:nvGrpSpPr>
+      <p:grpSpPr>
+        <a:xfrm>
+          <a:off x="0" y="0"/>
+          <a:ext cx="0" cy="0"/>
+          <a:chOff x="0" y="0"/>
+          <a:chExt cx="0" cy="0"/>
+        </a:xfrm>
+      </p:grpSpPr>
+      <p:sp>
+        <p:nvSpPr>
+          <p:cNvPr id="2" name="Title 1">
+            <a:extLst>
+              <a:ext uri="{FF2B5EF4-FFF2-40B4-BE49-F238E27FC236}">
+                <a16:creationId xmlns:a16="http://schemas.microsoft.com/office/drawing/2014/main" id="{8799B785-EEBE-49C4-AB80-AC77F7A85E20}"/>
+              </a:ext>
+            </a:extLst>
+          </p:cNvPr>
+          <p:cNvSpPr>
+            <a:spLocks noGrp="1"/>
+          </p:cNvSpPr>
+          <p:nvPr>
+            <p:ph type="title"/>
+          </p:nvPr>
+        </p:nvSpPr>
+        <p:spPr/>
+        <p:txBody>
+          <a:bodyPr/>
+          <a:lstStyle/>
+          <a:p>
+            <a:r>
+              <a:rPr lang="fr-FR" dirty="0"/>
+              <a:t>Adages</a:t>
+            </a:r>
+            <a:endParaRPr lang="en-US" dirty="0"/>
+          </a:p>
+        </p:txBody>
+      </p:sp>
+      <p:sp>
+        <p:nvSpPr>
+          <p:cNvPr id="3" name="Content Placeholder 2">
+            <a:extLst>
+              <a:ext uri="{FF2B5EF4-FFF2-40B4-BE49-F238E27FC236}">
+                <a16:creationId xmlns:a16="http://schemas.microsoft.com/office/drawing/2014/main" id="{EDA62261-4CE3-4393-9DEA-A5C83C80C12E}"/>
+              </a:ext>
+            </a:extLst>
+          </p:cNvPr>
+          <p:cNvSpPr>
+            <a:spLocks noGrp="1"/>
+          </p:cNvSpPr>
+          <p:nvPr>
+            <p:ph idx="1"/>
+          </p:nvPr>
+        </p:nvSpPr>
+        <p:spPr>
+          <a:xfrm>
+            <a:off x="256477" y="1550019"/>
+            <a:ext cx="11731083" cy="5185317"/>
+          </a:xfrm>
+        </p:spPr>
+        <p:txBody>
+          <a:bodyPr>
+            <a:normAutofit fontScale="62500" lnSpcReduction="20000"/>
+          </a:bodyPr>
+          <a:lstStyle/>
+          <a:p>
+            <a:r>
+              <a:rPr lang="fr-FR" dirty="0"/>
+              <a:t>La recette d'un trading gagnant ? 10% savoir acheter, 20% savoir vendre, 70% savoir patienter</a:t>
+            </a:r>
+          </a:p>
+          <a:p>
+            <a:r>
+              <a:rPr lang="fr-FR" dirty="0"/>
+              <a:t>Ce qui importe n'est pas à quel point vous avez bien joué quand vous êtes dans une bonne période. Mais à quel point vous avez bien joué quand vous jouez mal - Martina Navratilova</a:t>
+            </a:r>
+          </a:p>
+          <a:p>
+            <a:r>
+              <a:rPr lang="fr-FR" dirty="0"/>
+              <a:t>La richesse de l'information créée la pauvreté de l'attention</a:t>
+            </a:r>
+          </a:p>
+          <a:p>
+            <a:r>
+              <a:rPr lang="fr-FR" dirty="0"/>
+              <a:t>Plutôt que de se concentrer à faire ce qu'il faut faire, l'investisseur durablement gagnant doit surtout éviter de faire ce qu'il ne faut pas faire.</a:t>
+            </a:r>
+          </a:p>
+          <a:p>
+            <a:r>
+              <a:rPr lang="fr-FR" dirty="0"/>
+              <a:t>La performance se fait quand notre objectif est de faire autant que le marché en tendance haussière et plus que lui dans les tendances baissières. C'est là que l'on fait la différence</a:t>
+            </a:r>
+          </a:p>
+          <a:p>
+            <a:r>
+              <a:rPr lang="fr-FR" dirty="0"/>
+              <a:t>Le trading est un jeu psychologique. La majorité des gens pensent qu'ils se battent contre le marché alors que le marché s'en fout. Vous vous battez surtout contre vous même. Martin Schwartz</a:t>
+            </a:r>
+          </a:p>
+          <a:p>
+            <a:r>
+              <a:rPr lang="fr-FR" dirty="0"/>
+              <a:t>Aucune tendance ne dure éternellement, aucun range n'est durable, aucune stratégie ne marche tout le temps. C'est pourquoi, vous devez gérer votre risque tout le temps.</a:t>
+            </a:r>
+          </a:p>
+          <a:p>
+            <a:r>
+              <a:rPr lang="fr-FR" dirty="0"/>
+              <a:t>La majorité serait plus profitable s'ils </a:t>
+            </a:r>
+            <a:r>
+              <a:rPr lang="fr-FR" dirty="0" err="1"/>
+              <a:t>tradaient</a:t>
+            </a:r>
+            <a:r>
+              <a:rPr lang="fr-FR" dirty="0"/>
+              <a:t> moins. Le temps est votre ami, la précipitation impulsive votre ennemi. John </a:t>
+            </a:r>
+            <a:r>
+              <a:rPr lang="fr-FR" dirty="0" err="1"/>
+              <a:t>Bogle</a:t>
+            </a:r>
+            <a:r>
+              <a:rPr lang="fr-FR" dirty="0"/>
+              <a:t>.</a:t>
+            </a:r>
+          </a:p>
+          <a:p>
+            <a:r>
+              <a:rPr lang="fr-FR" dirty="0"/>
+              <a:t>Pendant que le pessimiste et l'optimiste se chamaillent à savoir si le verre et à moitié vide ou plein. Il est bu par l'opportuniste. </a:t>
+            </a:r>
+          </a:p>
+          <a:p>
+            <a:r>
+              <a:rPr lang="fr-FR" dirty="0"/>
+              <a:t>L'investisseur intelligent est un réaliste qui vend aux optimistes et achète aux pessimistes. Ben Graham.</a:t>
+            </a:r>
+          </a:p>
+          <a:p>
+            <a:r>
+              <a:rPr lang="fr-FR" dirty="0"/>
+              <a:t>Investir est un marathon, pas un sprint. </a:t>
+            </a:r>
+            <a:endParaRPr lang="en-US" dirty="0"/>
+          </a:p>
+        </p:txBody>
+      </p:sp>
+    </p:spTree>
+    <p:extLst>
+      <p:ext uri="{BB962C8B-B14F-4D97-AF65-F5344CB8AC3E}">
+        <p14:creationId xmlns:p14="http://schemas.microsoft.com/office/powerpoint/2010/main" val="3710044543"/>
       </p:ext>
     </p:extLst>
   </p:cSld>
